--- a/learn-m365-pr/m365/m365-introduction-delivering-virtual-events-using-microsoft-teams-microsoft-365/media/graphix.pptx
+++ b/learn-m365-pr/m365/m365-introduction-delivering-virtual-events-using-microsoft-teams-microsoft-365/media/graphix.pptx
@@ -262,7 +262,7 @@
           <a:p>
             <a:fld id="{E71A2460-FA18-4D24-9179-39CC65D8EBB0}" type="datetimeFigureOut">
               <a:rPr lang="en-US" smtClean="0"/>
-              <a:t>5/25/2021</a:t>
+              <a:t>5/27/2021</a:t>
             </a:fld>
             <a:endParaRPr lang="en-US"/>
           </a:p>
@@ -460,7 +460,7 @@
           <a:p>
             <a:fld id="{E71A2460-FA18-4D24-9179-39CC65D8EBB0}" type="datetimeFigureOut">
               <a:rPr lang="en-US" smtClean="0"/>
-              <a:t>5/25/2021</a:t>
+              <a:t>5/27/2021</a:t>
             </a:fld>
             <a:endParaRPr lang="en-US"/>
           </a:p>
@@ -668,7 +668,7 @@
           <a:p>
             <a:fld id="{E71A2460-FA18-4D24-9179-39CC65D8EBB0}" type="datetimeFigureOut">
               <a:rPr lang="en-US" smtClean="0"/>
-              <a:t>5/25/2021</a:t>
+              <a:t>5/27/2021</a:t>
             </a:fld>
             <a:endParaRPr lang="en-US"/>
           </a:p>
@@ -866,7 +866,7 @@
           <a:p>
             <a:fld id="{E71A2460-FA18-4D24-9179-39CC65D8EBB0}" type="datetimeFigureOut">
               <a:rPr lang="en-US" smtClean="0"/>
-              <a:t>5/25/2021</a:t>
+              <a:t>5/27/2021</a:t>
             </a:fld>
             <a:endParaRPr lang="en-US"/>
           </a:p>
@@ -1141,7 +1141,7 @@
           <a:p>
             <a:fld id="{E71A2460-FA18-4D24-9179-39CC65D8EBB0}" type="datetimeFigureOut">
               <a:rPr lang="en-US" smtClean="0"/>
-              <a:t>5/25/2021</a:t>
+              <a:t>5/27/2021</a:t>
             </a:fld>
             <a:endParaRPr lang="en-US"/>
           </a:p>
@@ -1406,7 +1406,7 @@
           <a:p>
             <a:fld id="{E71A2460-FA18-4D24-9179-39CC65D8EBB0}" type="datetimeFigureOut">
               <a:rPr lang="en-US" smtClean="0"/>
-              <a:t>5/25/2021</a:t>
+              <a:t>5/27/2021</a:t>
             </a:fld>
             <a:endParaRPr lang="en-US"/>
           </a:p>
@@ -1818,7 +1818,7 @@
           <a:p>
             <a:fld id="{E71A2460-FA18-4D24-9179-39CC65D8EBB0}" type="datetimeFigureOut">
               <a:rPr lang="en-US" smtClean="0"/>
-              <a:t>5/25/2021</a:t>
+              <a:t>5/27/2021</a:t>
             </a:fld>
             <a:endParaRPr lang="en-US"/>
           </a:p>
@@ -1959,7 +1959,7 @@
           <a:p>
             <a:fld id="{E71A2460-FA18-4D24-9179-39CC65D8EBB0}" type="datetimeFigureOut">
               <a:rPr lang="en-US" smtClean="0"/>
-              <a:t>5/25/2021</a:t>
+              <a:t>5/27/2021</a:t>
             </a:fld>
             <a:endParaRPr lang="en-US"/>
           </a:p>
@@ -2072,7 +2072,7 @@
           <a:p>
             <a:fld id="{E71A2460-FA18-4D24-9179-39CC65D8EBB0}" type="datetimeFigureOut">
               <a:rPr lang="en-US" smtClean="0"/>
-              <a:t>5/25/2021</a:t>
+              <a:t>5/27/2021</a:t>
             </a:fld>
             <a:endParaRPr lang="en-US"/>
           </a:p>
@@ -2383,7 +2383,7 @@
           <a:p>
             <a:fld id="{E71A2460-FA18-4D24-9179-39CC65D8EBB0}" type="datetimeFigureOut">
               <a:rPr lang="en-US" smtClean="0"/>
-              <a:t>5/25/2021</a:t>
+              <a:t>5/27/2021</a:t>
             </a:fld>
             <a:endParaRPr lang="en-US"/>
           </a:p>
@@ -2671,7 +2671,7 @@
           <a:p>
             <a:fld id="{E71A2460-FA18-4D24-9179-39CC65D8EBB0}" type="datetimeFigureOut">
               <a:rPr lang="en-US" smtClean="0"/>
-              <a:t>5/25/2021</a:t>
+              <a:t>5/27/2021</a:t>
             </a:fld>
             <a:endParaRPr lang="en-US"/>
           </a:p>
@@ -2912,7 +2912,7 @@
           <a:p>
             <a:fld id="{E71A2460-FA18-4D24-9179-39CC65D8EBB0}" type="datetimeFigureOut">
               <a:rPr lang="en-US" smtClean="0"/>
-              <a:t>5/25/2021</a:t>
+              <a:t>5/27/2021</a:t>
             </a:fld>
             <a:endParaRPr lang="en-US"/>
           </a:p>
@@ -3803,7 +3803,7 @@
                   <a:latin typeface="Segoe UI Semibold" panose="020B0702040204020203" pitchFamily="34" charset="0"/>
                   <a:cs typeface="Segoe UI Semibold" panose="020B0702040204020203" pitchFamily="34" charset="0"/>
                 </a:rPr>
-                <a:t>Up to 300</a:t>
+                <a:t>Up to 1,000</a:t>
               </a:r>
             </a:p>
           </p:txBody>
@@ -10564,6 +10564,21 @@
 </file>
 
 <file path=customXml/item1.xml><?xml version="1.0" encoding="utf-8"?>
+<p:properties xmlns:p="http://schemas.microsoft.com/office/2006/metadata/properties" xmlns:xsi="http://www.w3.org/2001/XMLSchema-instance" xmlns:pc="http://schemas.microsoft.com/office/infopath/2007/PartnerControls">
+  <documentManagement/>
+</p:properties>
+</file>
+
+<file path=customXml/item2.xml><?xml version="1.0" encoding="utf-8"?>
+<?mso-contentType ?>
+<FormTemplates xmlns="http://schemas.microsoft.com/sharepoint/v3/contenttype/forms">
+  <Display>DocumentLibraryForm</Display>
+  <Edit>DocumentLibraryForm</Edit>
+  <New>DocumentLibraryForm</New>
+</FormTemplates>
+</file>
+
+<file path=customXml/item3.xml><?xml version="1.0" encoding="utf-8"?>
 <ct:contentTypeSchema xmlns:ct="http://schemas.microsoft.com/office/2006/metadata/contentType" xmlns:ma="http://schemas.microsoft.com/office/2006/metadata/properties/metaAttributes" ct:_="" ma:_="" ma:contentTypeName="Document" ma:contentTypeID="0x010100F35A24D0774E4548A3F74A1805937787" ma:contentTypeVersion="6" ma:contentTypeDescription="Create a new document." ma:contentTypeScope="" ma:versionID="8359739455c30d0ade33bbdb97507751">
   <xsd:schema xmlns:xsd="http://www.w3.org/2001/XMLSchema" xmlns:xs="http://www.w3.org/2001/XMLSchema" xmlns:p="http://schemas.microsoft.com/office/2006/metadata/properties" xmlns:ns2="891ff61b-a37e-428b-97de-5885e131bfc9" xmlns:ns3="c2f287ea-f326-4de1-b7ed-6aa13388f4ec" targetNamespace="http://schemas.microsoft.com/office/2006/metadata/properties" ma:root="true" ma:fieldsID="9c0b5103d94c3254704a89f755691fbe" ns2:_="" ns3:_="">
     <xsd:import namespace="891ff61b-a37e-428b-97de-5885e131bfc9"/>
@@ -10742,22 +10757,24 @@
 </ct:contentTypeSchema>
 </file>
 
-<file path=customXml/item2.xml><?xml version="1.0" encoding="utf-8"?>
-<?mso-contentType ?>
-<FormTemplates xmlns="http://schemas.microsoft.com/sharepoint/v3/contenttype/forms">
-  <Display>DocumentLibraryForm</Display>
-  <Edit>DocumentLibraryForm</Edit>
-  <New>DocumentLibraryForm</New>
-</FormTemplates>
+<file path=customXml/itemProps1.xml><?xml version="1.0" encoding="utf-8"?>
+<ds:datastoreItem xmlns:ds="http://schemas.openxmlformats.org/officeDocument/2006/customXml" ds:itemID="{D31B9865-90DD-446F-B0D4-4F7283595776}">
+  <ds:schemaRefs>
+    <ds:schemaRef ds:uri="http://schemas.microsoft.com/office/2006/metadata/properties"/>
+    <ds:schemaRef ds:uri="http://schemas.microsoft.com/office/infopath/2007/PartnerControls"/>
+  </ds:schemaRefs>
+</ds:datastoreItem>
 </file>
 
-<file path=customXml/item3.xml><?xml version="1.0" encoding="utf-8"?>
-<p:properties xmlns:p="http://schemas.microsoft.com/office/2006/metadata/properties" xmlns:xsi="http://www.w3.org/2001/XMLSchema-instance" xmlns:pc="http://schemas.microsoft.com/office/infopath/2007/PartnerControls">
-  <documentManagement/>
-</p:properties>
+<file path=customXml/itemProps2.xml><?xml version="1.0" encoding="utf-8"?>
+<ds:datastoreItem xmlns:ds="http://schemas.openxmlformats.org/officeDocument/2006/customXml" ds:itemID="{1960DF31-949B-492E-83A6-C896865A7982}">
+  <ds:schemaRefs>
+    <ds:schemaRef ds:uri="http://schemas.microsoft.com/sharepoint/v3/contenttype/forms"/>
+  </ds:schemaRefs>
+</ds:datastoreItem>
 </file>
 
-<file path=customXml/itemProps1.xml><?xml version="1.0" encoding="utf-8"?>
+<file path=customXml/itemProps3.xml><?xml version="1.0" encoding="utf-8"?>
 <ds:datastoreItem xmlns:ds="http://schemas.openxmlformats.org/officeDocument/2006/customXml" ds:itemID="{2B5E6986-043A-490B-8F69-8ED84B2794ED}">
   <ds:schemaRefs>
     <ds:schemaRef ds:uri="http://schemas.microsoft.com/office/2006/metadata/contentType"/>
@@ -10774,21 +10791,4 @@
     <ds:schemaRef ds:uri="http://schemas.microsoft.com/internal/obd"/>
   </ds:schemaRefs>
 </ds:datastoreItem>
-</file>
-
-<file path=customXml/itemProps2.xml><?xml version="1.0" encoding="utf-8"?>
-<ds:datastoreItem xmlns:ds="http://schemas.openxmlformats.org/officeDocument/2006/customXml" ds:itemID="{1960DF31-949B-492E-83A6-C896865A7982}">
-  <ds:schemaRefs>
-    <ds:schemaRef ds:uri="http://schemas.microsoft.com/sharepoint/v3/contenttype/forms"/>
-  </ds:schemaRefs>
-</ds:datastoreItem>
-</file>
-
-<file path=customXml/itemProps3.xml><?xml version="1.0" encoding="utf-8"?>
-<ds:datastoreItem xmlns:ds="http://schemas.openxmlformats.org/officeDocument/2006/customXml" ds:itemID="{D31B9865-90DD-446F-B0D4-4F7283595776}">
-  <ds:schemaRefs>
-    <ds:schemaRef ds:uri="http://schemas.microsoft.com/office/2006/metadata/properties"/>
-    <ds:schemaRef ds:uri="http://schemas.microsoft.com/office/infopath/2007/PartnerControls"/>
-  </ds:schemaRefs>
-</ds:datastoreItem>
 </file>
--- a/learn-m365-pr/m365/m365-introduction-delivering-virtual-events-using-microsoft-teams-microsoft-365/media/graphix.pptx
+++ b/learn-m365-pr/m365/m365-introduction-delivering-virtual-events-using-microsoft-teams-microsoft-365/media/graphix.pptx
@@ -262,7 +262,7 @@
           <a:p>
             <a:fld id="{E71A2460-FA18-4D24-9179-39CC65D8EBB0}" type="datetimeFigureOut">
               <a:rPr lang="en-US" smtClean="0"/>
-              <a:t>5/27/2021</a:t>
+              <a:t>5/28/2021</a:t>
             </a:fld>
             <a:endParaRPr lang="en-US"/>
           </a:p>
@@ -460,7 +460,7 @@
           <a:p>
             <a:fld id="{E71A2460-FA18-4D24-9179-39CC65D8EBB0}" type="datetimeFigureOut">
               <a:rPr lang="en-US" smtClean="0"/>
-              <a:t>5/27/2021</a:t>
+              <a:t>5/28/2021</a:t>
             </a:fld>
             <a:endParaRPr lang="en-US"/>
           </a:p>
@@ -668,7 +668,7 @@
           <a:p>
             <a:fld id="{E71A2460-FA18-4D24-9179-39CC65D8EBB0}" type="datetimeFigureOut">
               <a:rPr lang="en-US" smtClean="0"/>
-              <a:t>5/27/2021</a:t>
+              <a:t>5/28/2021</a:t>
             </a:fld>
             <a:endParaRPr lang="en-US"/>
           </a:p>
@@ -866,7 +866,7 @@
           <a:p>
             <a:fld id="{E71A2460-FA18-4D24-9179-39CC65D8EBB0}" type="datetimeFigureOut">
               <a:rPr lang="en-US" smtClean="0"/>
-              <a:t>5/27/2021</a:t>
+              <a:t>5/28/2021</a:t>
             </a:fld>
             <a:endParaRPr lang="en-US"/>
           </a:p>
@@ -1141,7 +1141,7 @@
           <a:p>
             <a:fld id="{E71A2460-FA18-4D24-9179-39CC65D8EBB0}" type="datetimeFigureOut">
               <a:rPr lang="en-US" smtClean="0"/>
-              <a:t>5/27/2021</a:t>
+              <a:t>5/28/2021</a:t>
             </a:fld>
             <a:endParaRPr lang="en-US"/>
           </a:p>
@@ -1406,7 +1406,7 @@
           <a:p>
             <a:fld id="{E71A2460-FA18-4D24-9179-39CC65D8EBB0}" type="datetimeFigureOut">
               <a:rPr lang="en-US" smtClean="0"/>
-              <a:t>5/27/2021</a:t>
+              <a:t>5/28/2021</a:t>
             </a:fld>
             <a:endParaRPr lang="en-US"/>
           </a:p>
@@ -1818,7 +1818,7 @@
           <a:p>
             <a:fld id="{E71A2460-FA18-4D24-9179-39CC65D8EBB0}" type="datetimeFigureOut">
               <a:rPr lang="en-US" smtClean="0"/>
-              <a:t>5/27/2021</a:t>
+              <a:t>5/28/2021</a:t>
             </a:fld>
             <a:endParaRPr lang="en-US"/>
           </a:p>
@@ -1959,7 +1959,7 @@
           <a:p>
             <a:fld id="{E71A2460-FA18-4D24-9179-39CC65D8EBB0}" type="datetimeFigureOut">
               <a:rPr lang="en-US" smtClean="0"/>
-              <a:t>5/27/2021</a:t>
+              <a:t>5/28/2021</a:t>
             </a:fld>
             <a:endParaRPr lang="en-US"/>
           </a:p>
@@ -2072,7 +2072,7 @@
           <a:p>
             <a:fld id="{E71A2460-FA18-4D24-9179-39CC65D8EBB0}" type="datetimeFigureOut">
               <a:rPr lang="en-US" smtClean="0"/>
-              <a:t>5/27/2021</a:t>
+              <a:t>5/28/2021</a:t>
             </a:fld>
             <a:endParaRPr lang="en-US"/>
           </a:p>
@@ -2383,7 +2383,7 @@
           <a:p>
             <a:fld id="{E71A2460-FA18-4D24-9179-39CC65D8EBB0}" type="datetimeFigureOut">
               <a:rPr lang="en-US" smtClean="0"/>
-              <a:t>5/27/2021</a:t>
+              <a:t>5/28/2021</a:t>
             </a:fld>
             <a:endParaRPr lang="en-US"/>
           </a:p>
@@ -2671,7 +2671,7 @@
           <a:p>
             <a:fld id="{E71A2460-FA18-4D24-9179-39CC65D8EBB0}" type="datetimeFigureOut">
               <a:rPr lang="en-US" smtClean="0"/>
-              <a:t>5/27/2021</a:t>
+              <a:t>5/28/2021</a:t>
             </a:fld>
             <a:endParaRPr lang="en-US"/>
           </a:p>
@@ -2912,7 +2912,7 @@
           <a:p>
             <a:fld id="{E71A2460-FA18-4D24-9179-39CC65D8EBB0}" type="datetimeFigureOut">
               <a:rPr lang="en-US" smtClean="0"/>
-              <a:t>5/27/2021</a:t>
+              <a:t>5/28/2021</a:t>
             </a:fld>
             <a:endParaRPr lang="en-US"/>
           </a:p>
@@ -3329,12 +3329,510 @@
           <a:chExt cx="0" cy="0"/>
         </a:xfrm>
       </p:grpSpPr>
+      <p:sp>
+        <p:nvSpPr>
+          <p:cNvPr id="40" name="Rectangle: Rounded Corners 39">
+            <a:extLst>
+              <a:ext uri="{FF2B5EF4-FFF2-40B4-BE49-F238E27FC236}">
+                <a16:creationId xmlns:a16="http://schemas.microsoft.com/office/drawing/2014/main" id="{3C8EF7AB-73DF-4035-872B-9FDA4AEB6F2B}"/>
+              </a:ext>
+            </a:extLst>
+          </p:cNvPr>
+          <p:cNvSpPr/>
+          <p:nvPr/>
+        </p:nvSpPr>
+        <p:spPr>
+          <a:xfrm>
+            <a:off x="145576" y="197129"/>
+            <a:ext cx="12046424" cy="4938977"/>
+          </a:xfrm>
+          <a:prstGeom prst="roundRect">
+            <a:avLst>
+              <a:gd name="adj" fmla="val 2118"/>
+            </a:avLst>
+          </a:prstGeom>
+          <a:solidFill>
+            <a:schemeClr val="bg1"/>
+          </a:solidFill>
+          <a:ln>
+            <a:noFill/>
+          </a:ln>
+        </p:spPr>
+        <p:style>
+          <a:lnRef idx="2">
+            <a:schemeClr val="accent1">
+              <a:shade val="50000"/>
+            </a:schemeClr>
+          </a:lnRef>
+          <a:fillRef idx="1">
+            <a:schemeClr val="accent1"/>
+          </a:fillRef>
+          <a:effectRef idx="0">
+            <a:schemeClr val="accent1"/>
+          </a:effectRef>
+          <a:fontRef idx="minor">
+            <a:schemeClr val="lt1"/>
+          </a:fontRef>
+        </p:style>
+        <p:txBody>
+          <a:bodyPr rtlCol="0" anchor="ctr"/>
+          <a:lstStyle/>
+          <a:p>
+            <a:pPr algn="ctr"/>
+            <a:endParaRPr lang="en-US"/>
+          </a:p>
+        </p:txBody>
+      </p:sp>
+      <p:sp>
+        <p:nvSpPr>
+          <p:cNvPr id="39" name="Rectangle: Rounded Corners 38">
+            <a:extLst>
+              <a:ext uri="{FF2B5EF4-FFF2-40B4-BE49-F238E27FC236}">
+                <a16:creationId xmlns:a16="http://schemas.microsoft.com/office/drawing/2014/main" id="{91A3BCBA-7E93-43A5-B611-405F0907573C}"/>
+              </a:ext>
+            </a:extLst>
+          </p:cNvPr>
+          <p:cNvSpPr/>
+          <p:nvPr/>
+        </p:nvSpPr>
+        <p:spPr>
+          <a:xfrm>
+            <a:off x="9415786" y="313900"/>
+            <a:ext cx="2676130" cy="4653886"/>
+          </a:xfrm>
+          <a:prstGeom prst="roundRect">
+            <a:avLst>
+              <a:gd name="adj" fmla="val 7092"/>
+            </a:avLst>
+          </a:prstGeom>
+          <a:solidFill>
+            <a:schemeClr val="accent1">
+              <a:lumMod val="20000"/>
+              <a:lumOff val="80000"/>
+            </a:schemeClr>
+          </a:solidFill>
+          <a:ln>
+            <a:noFill/>
+          </a:ln>
+        </p:spPr>
+        <p:style>
+          <a:lnRef idx="2">
+            <a:schemeClr val="accent1">
+              <a:shade val="50000"/>
+            </a:schemeClr>
+          </a:lnRef>
+          <a:fillRef idx="1">
+            <a:schemeClr val="accent1"/>
+          </a:fillRef>
+          <a:effectRef idx="0">
+            <a:schemeClr val="accent1"/>
+          </a:effectRef>
+          <a:fontRef idx="minor">
+            <a:schemeClr val="lt1"/>
+          </a:fontRef>
+        </p:style>
+        <p:txBody>
+          <a:bodyPr rtlCol="0" anchor="ctr"/>
+          <a:lstStyle/>
+          <a:p>
+            <a:pPr algn="ctr"/>
+            <a:endParaRPr lang="en-US"/>
+          </a:p>
+        </p:txBody>
+      </p:sp>
+      <p:sp>
+        <p:nvSpPr>
+          <p:cNvPr id="38" name="Rectangle: Rounded Corners 37">
+            <a:extLst>
+              <a:ext uri="{FF2B5EF4-FFF2-40B4-BE49-F238E27FC236}">
+                <a16:creationId xmlns:a16="http://schemas.microsoft.com/office/drawing/2014/main" id="{56EFB235-9D03-4235-86DA-D22A1C6EE991}"/>
+              </a:ext>
+            </a:extLst>
+          </p:cNvPr>
+          <p:cNvSpPr/>
+          <p:nvPr/>
+        </p:nvSpPr>
+        <p:spPr>
+          <a:xfrm>
+            <a:off x="4593764" y="313900"/>
+            <a:ext cx="2184624" cy="4653886"/>
+          </a:xfrm>
+          <a:prstGeom prst="roundRect">
+            <a:avLst>
+              <a:gd name="adj" fmla="val 7092"/>
+            </a:avLst>
+          </a:prstGeom>
+          <a:solidFill>
+            <a:schemeClr val="accent1">
+              <a:lumMod val="20000"/>
+              <a:lumOff val="80000"/>
+            </a:schemeClr>
+          </a:solidFill>
+          <a:ln>
+            <a:noFill/>
+          </a:ln>
+        </p:spPr>
+        <p:style>
+          <a:lnRef idx="2">
+            <a:schemeClr val="accent1">
+              <a:shade val="50000"/>
+            </a:schemeClr>
+          </a:lnRef>
+          <a:fillRef idx="1">
+            <a:schemeClr val="accent1"/>
+          </a:fillRef>
+          <a:effectRef idx="0">
+            <a:schemeClr val="accent1"/>
+          </a:effectRef>
+          <a:fontRef idx="minor">
+            <a:schemeClr val="lt1"/>
+          </a:fontRef>
+        </p:style>
+        <p:txBody>
+          <a:bodyPr rtlCol="0" anchor="ctr"/>
+          <a:lstStyle/>
+          <a:p>
+            <a:pPr algn="ctr"/>
+            <a:endParaRPr lang="en-US"/>
+          </a:p>
+        </p:txBody>
+      </p:sp>
+      <p:sp>
+        <p:nvSpPr>
+          <p:cNvPr id="25" name="Rectangle: Rounded Corners 24">
+            <a:extLst>
+              <a:ext uri="{FF2B5EF4-FFF2-40B4-BE49-F238E27FC236}">
+                <a16:creationId xmlns:a16="http://schemas.microsoft.com/office/drawing/2014/main" id="{7A03C9AD-67ED-421A-830B-7218373AC4B0}"/>
+              </a:ext>
+            </a:extLst>
+          </p:cNvPr>
+          <p:cNvSpPr/>
+          <p:nvPr/>
+        </p:nvSpPr>
+        <p:spPr>
+          <a:xfrm>
+            <a:off x="250209" y="313900"/>
+            <a:ext cx="1662855" cy="4653886"/>
+          </a:xfrm>
+          <a:prstGeom prst="roundRect">
+            <a:avLst>
+              <a:gd name="adj" fmla="val 7092"/>
+            </a:avLst>
+          </a:prstGeom>
+          <a:solidFill>
+            <a:schemeClr val="accent1">
+              <a:lumMod val="20000"/>
+              <a:lumOff val="80000"/>
+            </a:schemeClr>
+          </a:solidFill>
+          <a:ln>
+            <a:noFill/>
+          </a:ln>
+        </p:spPr>
+        <p:style>
+          <a:lnRef idx="2">
+            <a:schemeClr val="accent1">
+              <a:shade val="50000"/>
+            </a:schemeClr>
+          </a:lnRef>
+          <a:fillRef idx="1">
+            <a:schemeClr val="accent1"/>
+          </a:fillRef>
+          <a:effectRef idx="0">
+            <a:schemeClr val="accent1"/>
+          </a:effectRef>
+          <a:fontRef idx="minor">
+            <a:schemeClr val="lt1"/>
+          </a:fontRef>
+        </p:style>
+        <p:txBody>
+          <a:bodyPr rtlCol="0" anchor="ctr"/>
+          <a:lstStyle/>
+          <a:p>
+            <a:pPr algn="ctr"/>
+            <a:endParaRPr lang="en-US"/>
+          </a:p>
+        </p:txBody>
+      </p:sp>
+      <p:sp>
+        <p:nvSpPr>
+          <p:cNvPr id="5" name="TextBox 4">
+            <a:extLst>
+              <a:ext uri="{FF2B5EF4-FFF2-40B4-BE49-F238E27FC236}">
+                <a16:creationId xmlns:a16="http://schemas.microsoft.com/office/drawing/2014/main" id="{2BB78A5B-1978-4A2D-A9D1-656C2F3B8691}"/>
+              </a:ext>
+            </a:extLst>
+          </p:cNvPr>
+          <p:cNvSpPr txBox="1"/>
+          <p:nvPr/>
+        </p:nvSpPr>
+        <p:spPr>
+          <a:xfrm>
+            <a:off x="2038142" y="2154741"/>
+            <a:ext cx="2417522" cy="369332"/>
+          </a:xfrm>
+          <a:prstGeom prst="rect">
+            <a:avLst/>
+          </a:prstGeom>
+          <a:noFill/>
+        </p:spPr>
+        <p:txBody>
+          <a:bodyPr wrap="square">
+            <a:spAutoFit/>
+          </a:bodyPr>
+          <a:lstStyle/>
+          <a:p>
+            <a:pPr algn="ctr"/>
+            <a:r>
+              <a:rPr lang="en-US" dirty="0">
+                <a:latin typeface="Segoe UI Semibold" panose="020B0702040204020203" pitchFamily="34" charset="0"/>
+                <a:cs typeface="Segoe UI Semibold" panose="020B0702040204020203" pitchFamily="34" charset="0"/>
+              </a:rPr>
+              <a:t>Webinars</a:t>
+            </a:r>
+          </a:p>
+        </p:txBody>
+      </p:sp>
+      <p:sp>
+        <p:nvSpPr>
+          <p:cNvPr id="6" name="TextBox 5">
+            <a:extLst>
+              <a:ext uri="{FF2B5EF4-FFF2-40B4-BE49-F238E27FC236}">
+                <a16:creationId xmlns:a16="http://schemas.microsoft.com/office/drawing/2014/main" id="{37D4EC10-170C-4002-8158-2D8F1DDA269B}"/>
+              </a:ext>
+            </a:extLst>
+          </p:cNvPr>
+          <p:cNvSpPr txBox="1"/>
+          <p:nvPr/>
+        </p:nvSpPr>
+        <p:spPr>
+          <a:xfrm>
+            <a:off x="2038142" y="1482267"/>
+            <a:ext cx="2417522" cy="369332"/>
+          </a:xfrm>
+          <a:prstGeom prst="rect">
+            <a:avLst/>
+          </a:prstGeom>
+          <a:noFill/>
+        </p:spPr>
+        <p:txBody>
+          <a:bodyPr wrap="square">
+            <a:spAutoFit/>
+          </a:bodyPr>
+          <a:lstStyle/>
+          <a:p>
+            <a:pPr algn="ctr"/>
+            <a:r>
+              <a:rPr lang="en-US" dirty="0">
+                <a:latin typeface="Segoe UI Semibold" panose="020B0702040204020203" pitchFamily="34" charset="0"/>
+                <a:cs typeface="Segoe UI Semibold" panose="020B0702040204020203" pitchFamily="34" charset="0"/>
+              </a:rPr>
+              <a:t>Team meetings</a:t>
+            </a:r>
+          </a:p>
+        </p:txBody>
+      </p:sp>
+      <p:sp>
+        <p:nvSpPr>
+          <p:cNvPr id="7" name="TextBox 6">
+            <a:extLst>
+              <a:ext uri="{FF2B5EF4-FFF2-40B4-BE49-F238E27FC236}">
+                <a16:creationId xmlns:a16="http://schemas.microsoft.com/office/drawing/2014/main" id="{9F2D446E-F44A-45B7-BBB8-EA89FDF43F64}"/>
+              </a:ext>
+            </a:extLst>
+          </p:cNvPr>
+          <p:cNvSpPr txBox="1"/>
+          <p:nvPr/>
+        </p:nvSpPr>
+        <p:spPr>
+          <a:xfrm>
+            <a:off x="2038142" y="3499689"/>
+            <a:ext cx="2417522" cy="369332"/>
+          </a:xfrm>
+          <a:prstGeom prst="rect">
+            <a:avLst/>
+          </a:prstGeom>
+          <a:noFill/>
+        </p:spPr>
+        <p:txBody>
+          <a:bodyPr wrap="square">
+            <a:spAutoFit/>
+          </a:bodyPr>
+          <a:lstStyle/>
+          <a:p>
+            <a:pPr algn="ctr"/>
+            <a:r>
+              <a:rPr lang="en-US" dirty="0">
+                <a:latin typeface="Segoe UI Semibold" panose="020B0702040204020203" pitchFamily="34" charset="0"/>
+                <a:cs typeface="Segoe UI Semibold" panose="020B0702040204020203" pitchFamily="34" charset="0"/>
+              </a:rPr>
+              <a:t>Leadership townhall</a:t>
+            </a:r>
+          </a:p>
+        </p:txBody>
+      </p:sp>
+      <p:sp>
+        <p:nvSpPr>
+          <p:cNvPr id="8" name="TextBox 7">
+            <a:extLst>
+              <a:ext uri="{FF2B5EF4-FFF2-40B4-BE49-F238E27FC236}">
+                <a16:creationId xmlns:a16="http://schemas.microsoft.com/office/drawing/2014/main" id="{3D5D04F1-0839-4DF7-B74E-B8308A9FDF9F}"/>
+              </a:ext>
+            </a:extLst>
+          </p:cNvPr>
+          <p:cNvSpPr txBox="1"/>
+          <p:nvPr/>
+        </p:nvSpPr>
+        <p:spPr>
+          <a:xfrm>
+            <a:off x="2038143" y="2827215"/>
+            <a:ext cx="2417522" cy="369332"/>
+          </a:xfrm>
+          <a:prstGeom prst="rect">
+            <a:avLst/>
+          </a:prstGeom>
+          <a:noFill/>
+        </p:spPr>
+        <p:txBody>
+          <a:bodyPr wrap="square">
+            <a:spAutoFit/>
+          </a:bodyPr>
+          <a:lstStyle/>
+          <a:p>
+            <a:pPr algn="ctr"/>
+            <a:r>
+              <a:rPr lang="en-US" dirty="0">
+                <a:latin typeface="Segoe UI Semibold" panose="020B0702040204020203" pitchFamily="34" charset="0"/>
+                <a:cs typeface="Segoe UI Semibold" panose="020B0702040204020203" pitchFamily="34" charset="0"/>
+              </a:rPr>
+              <a:t>Virtual conferences</a:t>
+            </a:r>
+          </a:p>
+        </p:txBody>
+      </p:sp>
+      <p:sp>
+        <p:nvSpPr>
+          <p:cNvPr id="10" name="TextBox 9">
+            <a:extLst>
+              <a:ext uri="{FF2B5EF4-FFF2-40B4-BE49-F238E27FC236}">
+                <a16:creationId xmlns:a16="http://schemas.microsoft.com/office/drawing/2014/main" id="{29BF80D3-FF35-4786-8D4E-A5EA904BDA3F}"/>
+              </a:ext>
+            </a:extLst>
+          </p:cNvPr>
+          <p:cNvSpPr txBox="1"/>
+          <p:nvPr/>
+        </p:nvSpPr>
+        <p:spPr>
+          <a:xfrm>
+            <a:off x="2038142" y="4170361"/>
+            <a:ext cx="2417522" cy="369332"/>
+          </a:xfrm>
+          <a:prstGeom prst="rect">
+            <a:avLst/>
+          </a:prstGeom>
+          <a:noFill/>
+        </p:spPr>
+        <p:txBody>
+          <a:bodyPr wrap="square">
+            <a:spAutoFit/>
+          </a:bodyPr>
+          <a:lstStyle/>
+          <a:p>
+            <a:pPr algn="ctr"/>
+            <a:r>
+              <a:rPr lang="en-US" dirty="0">
+                <a:latin typeface="Segoe UI Semibold" panose="020B0702040204020203" pitchFamily="34" charset="0"/>
+                <a:cs typeface="Segoe UI Semibold" panose="020B0702040204020203" pitchFamily="34" charset="0"/>
+              </a:rPr>
+              <a:t>Public broadcasts</a:t>
+            </a:r>
+          </a:p>
+        </p:txBody>
+      </p:sp>
+      <p:sp>
+        <p:nvSpPr>
+          <p:cNvPr id="13" name="TextBox 12">
+            <a:extLst>
+              <a:ext uri="{FF2B5EF4-FFF2-40B4-BE49-F238E27FC236}">
+                <a16:creationId xmlns:a16="http://schemas.microsoft.com/office/drawing/2014/main" id="{145E1E57-587F-4903-8EBE-A23A5C0208D6}"/>
+              </a:ext>
+            </a:extLst>
+          </p:cNvPr>
+          <p:cNvSpPr txBox="1"/>
+          <p:nvPr/>
+        </p:nvSpPr>
+        <p:spPr>
+          <a:xfrm>
+            <a:off x="6888326" y="1482267"/>
+            <a:ext cx="2417522" cy="369332"/>
+          </a:xfrm>
+          <a:prstGeom prst="rect">
+            <a:avLst/>
+          </a:prstGeom>
+          <a:noFill/>
+        </p:spPr>
+        <p:txBody>
+          <a:bodyPr wrap="square">
+            <a:spAutoFit/>
+          </a:bodyPr>
+          <a:lstStyle/>
+          <a:p>
+            <a:pPr algn="ctr"/>
+            <a:r>
+              <a:rPr lang="en-US" dirty="0">
+                <a:latin typeface="Segoe UI Semibold" panose="020B0702040204020203" pitchFamily="34" charset="0"/>
+                <a:cs typeface="Segoe UI Semibold" panose="020B0702040204020203" pitchFamily="34" charset="0"/>
+              </a:rPr>
+              <a:t>Up to 1,000</a:t>
+            </a:r>
+          </a:p>
+        </p:txBody>
+      </p:sp>
+      <p:sp>
+        <p:nvSpPr>
+          <p:cNvPr id="14" name="TextBox 13">
+            <a:extLst>
+              <a:ext uri="{FF2B5EF4-FFF2-40B4-BE49-F238E27FC236}">
+                <a16:creationId xmlns:a16="http://schemas.microsoft.com/office/drawing/2014/main" id="{27E44A36-2259-404A-A080-C6F7D857CFCB}"/>
+              </a:ext>
+            </a:extLst>
+          </p:cNvPr>
+          <p:cNvSpPr txBox="1"/>
+          <p:nvPr/>
+        </p:nvSpPr>
+        <p:spPr>
+          <a:xfrm>
+            <a:off x="6888326" y="4164457"/>
+            <a:ext cx="2417522" cy="369332"/>
+          </a:xfrm>
+          <a:prstGeom prst="rect">
+            <a:avLst/>
+          </a:prstGeom>
+          <a:noFill/>
+        </p:spPr>
+        <p:txBody>
+          <a:bodyPr wrap="square">
+            <a:spAutoFit/>
+          </a:bodyPr>
+          <a:lstStyle/>
+          <a:p>
+            <a:pPr algn="ctr"/>
+            <a:r>
+              <a:rPr lang="en-US" dirty="0">
+                <a:latin typeface="Segoe UI Semibold" panose="020B0702040204020203" pitchFamily="34" charset="0"/>
+                <a:cs typeface="Segoe UI Semibold" panose="020B0702040204020203" pitchFamily="34" charset="0"/>
+              </a:rPr>
+              <a:t>Up to 100,000</a:t>
+            </a:r>
+          </a:p>
+        </p:txBody>
+      </p:sp>
       <p:grpSp>
         <p:nvGrpSpPr>
-          <p:cNvPr id="2" name="Group 1">
+          <p:cNvPr id="18" name="Group 17">
             <a:extLst>
               <a:ext uri="{FF2B5EF4-FFF2-40B4-BE49-F238E27FC236}">
-                <a16:creationId xmlns:a16="http://schemas.microsoft.com/office/drawing/2014/main" id="{D47EC844-012C-41BC-BE40-F22BA0EBD335}"/>
+                <a16:creationId xmlns:a16="http://schemas.microsoft.com/office/drawing/2014/main" id="{C6C1D376-F014-4C60-9A25-836268EF4D65}"/>
               </a:ext>
             </a:extLst>
           </p:cNvPr>
@@ -3343,18 +3841,96 @@
         </p:nvGrpSpPr>
         <p:grpSpPr>
           <a:xfrm>
-            <a:off x="145576" y="197129"/>
-            <a:ext cx="12046424" cy="4938977"/>
-            <a:chOff x="145576" y="197129"/>
-            <a:chExt cx="12046424" cy="4938977"/>
+            <a:off x="282388" y="1482267"/>
+            <a:ext cx="1617654" cy="3051522"/>
+            <a:chOff x="346179" y="1482267"/>
+            <a:chExt cx="2417522" cy="3051522"/>
           </a:xfrm>
         </p:grpSpPr>
         <p:sp>
           <p:nvSpPr>
-            <p:cNvPr id="40" name="Rectangle: Rounded Corners 39">
+            <p:cNvPr id="11" name="TextBox 10">
               <a:extLst>
                 <a:ext uri="{FF2B5EF4-FFF2-40B4-BE49-F238E27FC236}">
-                  <a16:creationId xmlns:a16="http://schemas.microsoft.com/office/drawing/2014/main" id="{3C8EF7AB-73DF-4035-872B-9FDA4AEB6F2B}"/>
+                  <a16:creationId xmlns:a16="http://schemas.microsoft.com/office/drawing/2014/main" id="{47857491-1AE8-4957-8834-763414EA983F}"/>
+                </a:ext>
+              </a:extLst>
+            </p:cNvPr>
+            <p:cNvSpPr txBox="1"/>
+            <p:nvPr/>
+          </p:nvSpPr>
+          <p:spPr>
+            <a:xfrm>
+              <a:off x="346179" y="1482267"/>
+              <a:ext cx="2417522" cy="369332"/>
+            </a:xfrm>
+            <a:prstGeom prst="rect">
+              <a:avLst/>
+            </a:prstGeom>
+            <a:noFill/>
+          </p:spPr>
+          <p:txBody>
+            <a:bodyPr wrap="square">
+              <a:spAutoFit/>
+            </a:bodyPr>
+            <a:lstStyle/>
+            <a:p>
+              <a:pPr algn="ctr"/>
+              <a:r>
+                <a:rPr lang="en-US" dirty="0">
+                  <a:latin typeface="Segoe UI Semibold" panose="020B0702040204020203" pitchFamily="34" charset="0"/>
+                  <a:cs typeface="Segoe UI Semibold" panose="020B0702040204020203" pitchFamily="34" charset="0"/>
+                </a:rPr>
+                <a:t>Simple</a:t>
+              </a:r>
+            </a:p>
+          </p:txBody>
+        </p:sp>
+        <p:sp>
+          <p:nvSpPr>
+            <p:cNvPr id="12" name="TextBox 11">
+              <a:extLst>
+                <a:ext uri="{FF2B5EF4-FFF2-40B4-BE49-F238E27FC236}">
+                  <a16:creationId xmlns:a16="http://schemas.microsoft.com/office/drawing/2014/main" id="{DD4F6761-95A7-470F-B718-4D1A7A2648F9}"/>
+                </a:ext>
+              </a:extLst>
+            </p:cNvPr>
+            <p:cNvSpPr txBox="1"/>
+            <p:nvPr/>
+          </p:nvSpPr>
+          <p:spPr>
+            <a:xfrm>
+              <a:off x="346179" y="4164457"/>
+              <a:ext cx="2417522" cy="369332"/>
+            </a:xfrm>
+            <a:prstGeom prst="rect">
+              <a:avLst/>
+            </a:prstGeom>
+            <a:noFill/>
+          </p:spPr>
+          <p:txBody>
+            <a:bodyPr wrap="square">
+              <a:spAutoFit/>
+            </a:bodyPr>
+            <a:lstStyle/>
+            <a:p>
+              <a:pPr algn="ctr"/>
+              <a:r>
+                <a:rPr lang="en-US" dirty="0">
+                  <a:latin typeface="Segoe UI Semibold" panose="020B0702040204020203" pitchFamily="34" charset="0"/>
+                  <a:cs typeface="Segoe UI Semibold" panose="020B0702040204020203" pitchFamily="34" charset="0"/>
+                </a:rPr>
+                <a:t>Complex</a:t>
+              </a:r>
+            </a:p>
+          </p:txBody>
+        </p:sp>
+        <p:sp>
+          <p:nvSpPr>
+            <p:cNvPr id="17" name="Arrow: Down 16">
+              <a:extLst>
+                <a:ext uri="{FF2B5EF4-FFF2-40B4-BE49-F238E27FC236}">
+                  <a16:creationId xmlns:a16="http://schemas.microsoft.com/office/drawing/2014/main" id="{A123788B-3BF5-4971-9B27-D89315DFF9B0}"/>
                 </a:ext>
               </a:extLst>
             </p:cNvPr>
@@ -3363,17 +3939,26 @@
           </p:nvSpPr>
           <p:spPr>
             <a:xfrm>
-              <a:off x="145576" y="197129"/>
-              <a:ext cx="12046424" cy="4938977"/>
+              <a:off x="1171548" y="1851599"/>
+              <a:ext cx="766784" cy="2415601"/>
             </a:xfrm>
-            <a:prstGeom prst="roundRect">
-              <a:avLst>
-                <a:gd name="adj" fmla="val 2118"/>
-              </a:avLst>
+            <a:prstGeom prst="downArrow">
+              <a:avLst/>
             </a:prstGeom>
-            <a:solidFill>
-              <a:schemeClr val="bg1"/>
-            </a:solidFill>
+            <a:gradFill>
+              <a:gsLst>
+                <a:gs pos="18000">
+                  <a:srgbClr val="7B83EB"/>
+                </a:gs>
+                <a:gs pos="49000">
+                  <a:srgbClr val="0078D4"/>
+                </a:gs>
+                <a:gs pos="82000">
+                  <a:srgbClr val="BC1948"/>
+                </a:gs>
+              </a:gsLst>
+              <a:lin ang="5400000" scaled="1"/>
+            </a:gradFill>
             <a:ln>
               <a:noFill/>
             </a:ln>
@@ -3399,1339 +3984,739 @@
             <a:lstStyle/>
             <a:p>
               <a:pPr algn="ctr"/>
-              <a:endParaRPr lang="en-US"/>
-            </a:p>
-          </p:txBody>
-        </p:sp>
-        <p:sp>
-          <p:nvSpPr>
-            <p:cNvPr id="39" name="Rectangle: Rounded Corners 38">
-              <a:extLst>
-                <a:ext uri="{FF2B5EF4-FFF2-40B4-BE49-F238E27FC236}">
-                  <a16:creationId xmlns:a16="http://schemas.microsoft.com/office/drawing/2014/main" id="{91A3BCBA-7E93-43A5-B611-405F0907573C}"/>
-                </a:ext>
-              </a:extLst>
-            </p:cNvPr>
-            <p:cNvSpPr/>
-            <p:nvPr/>
-          </p:nvSpPr>
-          <p:spPr>
-            <a:xfrm>
-              <a:off x="9415786" y="313900"/>
-              <a:ext cx="2676130" cy="4653886"/>
-            </a:xfrm>
-            <a:prstGeom prst="roundRect">
-              <a:avLst>
-                <a:gd name="adj" fmla="val 7092"/>
-              </a:avLst>
-            </a:prstGeom>
-            <a:solidFill>
-              <a:schemeClr val="accent1">
-                <a:lumMod val="20000"/>
-                <a:lumOff val="80000"/>
-              </a:schemeClr>
-            </a:solidFill>
-            <a:ln>
-              <a:noFill/>
-            </a:ln>
-          </p:spPr>
-          <p:style>
-            <a:lnRef idx="2">
-              <a:schemeClr val="accent1">
-                <a:shade val="50000"/>
-              </a:schemeClr>
-            </a:lnRef>
-            <a:fillRef idx="1">
-              <a:schemeClr val="accent1"/>
-            </a:fillRef>
-            <a:effectRef idx="0">
-              <a:schemeClr val="accent1"/>
-            </a:effectRef>
-            <a:fontRef idx="minor">
-              <a:schemeClr val="lt1"/>
-            </a:fontRef>
-          </p:style>
-          <p:txBody>
-            <a:bodyPr rtlCol="0" anchor="ctr"/>
-            <a:lstStyle/>
-            <a:p>
-              <a:pPr algn="ctr"/>
-              <a:endParaRPr lang="en-US"/>
-            </a:p>
-          </p:txBody>
-        </p:sp>
-        <p:sp>
-          <p:nvSpPr>
-            <p:cNvPr id="38" name="Rectangle: Rounded Corners 37">
-              <a:extLst>
-                <a:ext uri="{FF2B5EF4-FFF2-40B4-BE49-F238E27FC236}">
-                  <a16:creationId xmlns:a16="http://schemas.microsoft.com/office/drawing/2014/main" id="{56EFB235-9D03-4235-86DA-D22A1C6EE991}"/>
-                </a:ext>
-              </a:extLst>
-            </p:cNvPr>
-            <p:cNvSpPr/>
-            <p:nvPr/>
-          </p:nvSpPr>
-          <p:spPr>
-            <a:xfrm>
-              <a:off x="4593764" y="313900"/>
-              <a:ext cx="2184624" cy="4653886"/>
-            </a:xfrm>
-            <a:prstGeom prst="roundRect">
-              <a:avLst>
-                <a:gd name="adj" fmla="val 7092"/>
-              </a:avLst>
-            </a:prstGeom>
-            <a:solidFill>
-              <a:schemeClr val="accent1">
-                <a:lumMod val="20000"/>
-                <a:lumOff val="80000"/>
-              </a:schemeClr>
-            </a:solidFill>
-            <a:ln>
-              <a:noFill/>
-            </a:ln>
-          </p:spPr>
-          <p:style>
-            <a:lnRef idx="2">
-              <a:schemeClr val="accent1">
-                <a:shade val="50000"/>
-              </a:schemeClr>
-            </a:lnRef>
-            <a:fillRef idx="1">
-              <a:schemeClr val="accent1"/>
-            </a:fillRef>
-            <a:effectRef idx="0">
-              <a:schemeClr val="accent1"/>
-            </a:effectRef>
-            <a:fontRef idx="minor">
-              <a:schemeClr val="lt1"/>
-            </a:fontRef>
-          </p:style>
-          <p:txBody>
-            <a:bodyPr rtlCol="0" anchor="ctr"/>
-            <a:lstStyle/>
-            <a:p>
-              <a:pPr algn="ctr"/>
-              <a:endParaRPr lang="en-US"/>
-            </a:p>
-          </p:txBody>
-        </p:sp>
-        <p:sp>
-          <p:nvSpPr>
-            <p:cNvPr id="25" name="Rectangle: Rounded Corners 24">
-              <a:extLst>
-                <a:ext uri="{FF2B5EF4-FFF2-40B4-BE49-F238E27FC236}">
-                  <a16:creationId xmlns:a16="http://schemas.microsoft.com/office/drawing/2014/main" id="{7A03C9AD-67ED-421A-830B-7218373AC4B0}"/>
-                </a:ext>
-              </a:extLst>
-            </p:cNvPr>
-            <p:cNvSpPr/>
-            <p:nvPr/>
-          </p:nvSpPr>
-          <p:spPr>
-            <a:xfrm>
-              <a:off x="250209" y="313900"/>
-              <a:ext cx="1662855" cy="4653886"/>
-            </a:xfrm>
-            <a:prstGeom prst="roundRect">
-              <a:avLst>
-                <a:gd name="adj" fmla="val 7092"/>
-              </a:avLst>
-            </a:prstGeom>
-            <a:solidFill>
-              <a:schemeClr val="accent1">
-                <a:lumMod val="20000"/>
-                <a:lumOff val="80000"/>
-              </a:schemeClr>
-            </a:solidFill>
-            <a:ln>
-              <a:noFill/>
-            </a:ln>
-          </p:spPr>
-          <p:style>
-            <a:lnRef idx="2">
-              <a:schemeClr val="accent1">
-                <a:shade val="50000"/>
-              </a:schemeClr>
-            </a:lnRef>
-            <a:fillRef idx="1">
-              <a:schemeClr val="accent1"/>
-            </a:fillRef>
-            <a:effectRef idx="0">
-              <a:schemeClr val="accent1"/>
-            </a:effectRef>
-            <a:fontRef idx="minor">
-              <a:schemeClr val="lt1"/>
-            </a:fontRef>
-          </p:style>
-          <p:txBody>
-            <a:bodyPr rtlCol="0" anchor="ctr"/>
-            <a:lstStyle/>
-            <a:p>
-              <a:pPr algn="ctr"/>
-              <a:endParaRPr lang="en-US"/>
-            </a:p>
-          </p:txBody>
-        </p:sp>
-        <p:sp>
-          <p:nvSpPr>
-            <p:cNvPr id="5" name="TextBox 4">
-              <a:extLst>
-                <a:ext uri="{FF2B5EF4-FFF2-40B4-BE49-F238E27FC236}">
-                  <a16:creationId xmlns:a16="http://schemas.microsoft.com/office/drawing/2014/main" id="{2BB78A5B-1978-4A2D-A9D1-656C2F3B8691}"/>
-                </a:ext>
-              </a:extLst>
-            </p:cNvPr>
-            <p:cNvSpPr txBox="1"/>
-            <p:nvPr/>
-          </p:nvSpPr>
-          <p:spPr>
-            <a:xfrm>
-              <a:off x="2038142" y="2154741"/>
-              <a:ext cx="2417522" cy="369332"/>
-            </a:xfrm>
-            <a:prstGeom prst="rect">
-              <a:avLst/>
-            </a:prstGeom>
-            <a:noFill/>
-          </p:spPr>
-          <p:txBody>
-            <a:bodyPr wrap="square">
-              <a:spAutoFit/>
-            </a:bodyPr>
-            <a:lstStyle/>
-            <a:p>
-              <a:pPr algn="ctr"/>
-              <a:r>
-                <a:rPr lang="en-US" dirty="0">
-                  <a:latin typeface="Segoe UI Semibold" panose="020B0702040204020203" pitchFamily="34" charset="0"/>
-                  <a:cs typeface="Segoe UI Semibold" panose="020B0702040204020203" pitchFamily="34" charset="0"/>
-                </a:rPr>
-                <a:t>Webinars</a:t>
-              </a:r>
-            </a:p>
-          </p:txBody>
-        </p:sp>
-        <p:sp>
-          <p:nvSpPr>
-            <p:cNvPr id="6" name="TextBox 5">
-              <a:extLst>
-                <a:ext uri="{FF2B5EF4-FFF2-40B4-BE49-F238E27FC236}">
-                  <a16:creationId xmlns:a16="http://schemas.microsoft.com/office/drawing/2014/main" id="{37D4EC10-170C-4002-8158-2D8F1DDA269B}"/>
-                </a:ext>
-              </a:extLst>
-            </p:cNvPr>
-            <p:cNvSpPr txBox="1"/>
-            <p:nvPr/>
-          </p:nvSpPr>
-          <p:spPr>
-            <a:xfrm>
-              <a:off x="2038142" y="1482267"/>
-              <a:ext cx="2417522" cy="369332"/>
-            </a:xfrm>
-            <a:prstGeom prst="rect">
-              <a:avLst/>
-            </a:prstGeom>
-            <a:noFill/>
-          </p:spPr>
-          <p:txBody>
-            <a:bodyPr wrap="square">
-              <a:spAutoFit/>
-            </a:bodyPr>
-            <a:lstStyle/>
-            <a:p>
-              <a:pPr algn="ctr"/>
-              <a:r>
-                <a:rPr lang="en-US" dirty="0">
-                  <a:latin typeface="Segoe UI Semibold" panose="020B0702040204020203" pitchFamily="34" charset="0"/>
-                  <a:cs typeface="Segoe UI Semibold" panose="020B0702040204020203" pitchFamily="34" charset="0"/>
-                </a:rPr>
-                <a:t>Team meetings</a:t>
-              </a:r>
-            </a:p>
-          </p:txBody>
-        </p:sp>
-        <p:sp>
-          <p:nvSpPr>
-            <p:cNvPr id="7" name="TextBox 6">
-              <a:extLst>
-                <a:ext uri="{FF2B5EF4-FFF2-40B4-BE49-F238E27FC236}">
-                  <a16:creationId xmlns:a16="http://schemas.microsoft.com/office/drawing/2014/main" id="{9F2D446E-F44A-45B7-BBB8-EA89FDF43F64}"/>
-                </a:ext>
-              </a:extLst>
-            </p:cNvPr>
-            <p:cNvSpPr txBox="1"/>
-            <p:nvPr/>
-          </p:nvSpPr>
-          <p:spPr>
-            <a:xfrm>
-              <a:off x="2038142" y="3499689"/>
-              <a:ext cx="2417522" cy="369332"/>
-            </a:xfrm>
-            <a:prstGeom prst="rect">
-              <a:avLst/>
-            </a:prstGeom>
-            <a:noFill/>
-          </p:spPr>
-          <p:txBody>
-            <a:bodyPr wrap="square">
-              <a:spAutoFit/>
-            </a:bodyPr>
-            <a:lstStyle/>
-            <a:p>
-              <a:pPr algn="ctr"/>
-              <a:r>
-                <a:rPr lang="en-US" dirty="0">
-                  <a:latin typeface="Segoe UI Semibold" panose="020B0702040204020203" pitchFamily="34" charset="0"/>
-                  <a:cs typeface="Segoe UI Semibold" panose="020B0702040204020203" pitchFamily="34" charset="0"/>
-                </a:rPr>
-                <a:t>Leadership townhall</a:t>
-              </a:r>
-            </a:p>
-          </p:txBody>
-        </p:sp>
-        <p:sp>
-          <p:nvSpPr>
-            <p:cNvPr id="8" name="TextBox 7">
-              <a:extLst>
-                <a:ext uri="{FF2B5EF4-FFF2-40B4-BE49-F238E27FC236}">
-                  <a16:creationId xmlns:a16="http://schemas.microsoft.com/office/drawing/2014/main" id="{3D5D04F1-0839-4DF7-B74E-B8308A9FDF9F}"/>
-                </a:ext>
-              </a:extLst>
-            </p:cNvPr>
-            <p:cNvSpPr txBox="1"/>
-            <p:nvPr/>
-          </p:nvSpPr>
-          <p:spPr>
-            <a:xfrm>
-              <a:off x="2038143" y="2827215"/>
-              <a:ext cx="2417522" cy="369332"/>
-            </a:xfrm>
-            <a:prstGeom prst="rect">
-              <a:avLst/>
-            </a:prstGeom>
-            <a:noFill/>
-          </p:spPr>
-          <p:txBody>
-            <a:bodyPr wrap="square">
-              <a:spAutoFit/>
-            </a:bodyPr>
-            <a:lstStyle/>
-            <a:p>
-              <a:pPr algn="ctr"/>
-              <a:r>
-                <a:rPr lang="en-US" dirty="0">
-                  <a:latin typeface="Segoe UI Semibold" panose="020B0702040204020203" pitchFamily="34" charset="0"/>
-                  <a:cs typeface="Segoe UI Semibold" panose="020B0702040204020203" pitchFamily="34" charset="0"/>
-                </a:rPr>
-                <a:t>Virtual conferences</a:t>
-              </a:r>
-            </a:p>
-          </p:txBody>
-        </p:sp>
-        <p:sp>
-          <p:nvSpPr>
-            <p:cNvPr id="10" name="TextBox 9">
-              <a:extLst>
-                <a:ext uri="{FF2B5EF4-FFF2-40B4-BE49-F238E27FC236}">
-                  <a16:creationId xmlns:a16="http://schemas.microsoft.com/office/drawing/2014/main" id="{29BF80D3-FF35-4786-8D4E-A5EA904BDA3F}"/>
-                </a:ext>
-              </a:extLst>
-            </p:cNvPr>
-            <p:cNvSpPr txBox="1"/>
-            <p:nvPr/>
-          </p:nvSpPr>
-          <p:spPr>
-            <a:xfrm>
-              <a:off x="2038142" y="4170361"/>
-              <a:ext cx="2417522" cy="369332"/>
-            </a:xfrm>
-            <a:prstGeom prst="rect">
-              <a:avLst/>
-            </a:prstGeom>
-            <a:noFill/>
-          </p:spPr>
-          <p:txBody>
-            <a:bodyPr wrap="square">
-              <a:spAutoFit/>
-            </a:bodyPr>
-            <a:lstStyle/>
-            <a:p>
-              <a:pPr algn="ctr"/>
-              <a:r>
-                <a:rPr lang="en-US" dirty="0">
-                  <a:latin typeface="Segoe UI Semibold" panose="020B0702040204020203" pitchFamily="34" charset="0"/>
-                  <a:cs typeface="Segoe UI Semibold" panose="020B0702040204020203" pitchFamily="34" charset="0"/>
-                </a:rPr>
-                <a:t>Public broadcasts</a:t>
-              </a:r>
-            </a:p>
-          </p:txBody>
-        </p:sp>
-        <p:sp>
-          <p:nvSpPr>
-            <p:cNvPr id="13" name="TextBox 12">
-              <a:extLst>
-                <a:ext uri="{FF2B5EF4-FFF2-40B4-BE49-F238E27FC236}">
-                  <a16:creationId xmlns:a16="http://schemas.microsoft.com/office/drawing/2014/main" id="{145E1E57-587F-4903-8EBE-A23A5C0208D6}"/>
-                </a:ext>
-              </a:extLst>
-            </p:cNvPr>
-            <p:cNvSpPr txBox="1"/>
-            <p:nvPr/>
-          </p:nvSpPr>
-          <p:spPr>
-            <a:xfrm>
-              <a:off x="6888326" y="1482267"/>
-              <a:ext cx="2417522" cy="369332"/>
-            </a:xfrm>
-            <a:prstGeom prst="rect">
-              <a:avLst/>
-            </a:prstGeom>
-            <a:noFill/>
-          </p:spPr>
-          <p:txBody>
-            <a:bodyPr wrap="square">
-              <a:spAutoFit/>
-            </a:bodyPr>
-            <a:lstStyle/>
-            <a:p>
-              <a:pPr algn="ctr"/>
-              <a:r>
-                <a:rPr lang="en-US" dirty="0">
-                  <a:latin typeface="Segoe UI Semibold" panose="020B0702040204020203" pitchFamily="34" charset="0"/>
-                  <a:cs typeface="Segoe UI Semibold" panose="020B0702040204020203" pitchFamily="34" charset="0"/>
-                </a:rPr>
-                <a:t>Up to 1,000</a:t>
-              </a:r>
-            </a:p>
-          </p:txBody>
-        </p:sp>
-        <p:sp>
-          <p:nvSpPr>
-            <p:cNvPr id="14" name="TextBox 13">
-              <a:extLst>
-                <a:ext uri="{FF2B5EF4-FFF2-40B4-BE49-F238E27FC236}">
-                  <a16:creationId xmlns:a16="http://schemas.microsoft.com/office/drawing/2014/main" id="{27E44A36-2259-404A-A080-C6F7D857CFCB}"/>
-                </a:ext>
-              </a:extLst>
-            </p:cNvPr>
-            <p:cNvSpPr txBox="1"/>
-            <p:nvPr/>
-          </p:nvSpPr>
-          <p:spPr>
-            <a:xfrm>
-              <a:off x="6888326" y="4164457"/>
-              <a:ext cx="2417522" cy="369332"/>
-            </a:xfrm>
-            <a:prstGeom prst="rect">
-              <a:avLst/>
-            </a:prstGeom>
-            <a:noFill/>
-          </p:spPr>
-          <p:txBody>
-            <a:bodyPr wrap="square">
-              <a:spAutoFit/>
-            </a:bodyPr>
-            <a:lstStyle/>
-            <a:p>
-              <a:pPr algn="ctr"/>
-              <a:r>
-                <a:rPr lang="en-US" dirty="0">
-                  <a:latin typeface="Segoe UI Semibold" panose="020B0702040204020203" pitchFamily="34" charset="0"/>
-                  <a:cs typeface="Segoe UI Semibold" panose="020B0702040204020203" pitchFamily="34" charset="0"/>
-                </a:rPr>
-                <a:t>Up to 100,000</a:t>
-              </a:r>
-            </a:p>
-          </p:txBody>
-        </p:sp>
-        <p:grpSp>
-          <p:nvGrpSpPr>
-            <p:cNvPr id="18" name="Group 17">
-              <a:extLst>
-                <a:ext uri="{FF2B5EF4-FFF2-40B4-BE49-F238E27FC236}">
-                  <a16:creationId xmlns:a16="http://schemas.microsoft.com/office/drawing/2014/main" id="{C6C1D376-F014-4C60-9A25-836268EF4D65}"/>
-                </a:ext>
-              </a:extLst>
-            </p:cNvPr>
-            <p:cNvGrpSpPr/>
-            <p:nvPr/>
-          </p:nvGrpSpPr>
-          <p:grpSpPr>
-            <a:xfrm>
-              <a:off x="282388" y="1482267"/>
-              <a:ext cx="1617654" cy="3051522"/>
-              <a:chOff x="346179" y="1482267"/>
-              <a:chExt cx="2417522" cy="3051522"/>
-            </a:xfrm>
-          </p:grpSpPr>
-          <p:sp>
-            <p:nvSpPr>
-              <p:cNvPr id="11" name="TextBox 10">
-                <a:extLst>
-                  <a:ext uri="{FF2B5EF4-FFF2-40B4-BE49-F238E27FC236}">
-                    <a16:creationId xmlns:a16="http://schemas.microsoft.com/office/drawing/2014/main" id="{47857491-1AE8-4957-8834-763414EA983F}"/>
-                  </a:ext>
-                </a:extLst>
-              </p:cNvPr>
-              <p:cNvSpPr txBox="1"/>
-              <p:nvPr/>
-            </p:nvSpPr>
-            <p:spPr>
-              <a:xfrm>
-                <a:off x="346179" y="1482267"/>
-                <a:ext cx="2417522" cy="369332"/>
-              </a:xfrm>
-              <a:prstGeom prst="rect">
-                <a:avLst/>
-              </a:prstGeom>
-              <a:noFill/>
-            </p:spPr>
-            <p:txBody>
-              <a:bodyPr wrap="square">
-                <a:spAutoFit/>
-              </a:bodyPr>
-              <a:lstStyle/>
-              <a:p>
-                <a:pPr algn="ctr"/>
-                <a:r>
-                  <a:rPr lang="en-US" dirty="0">
-                    <a:latin typeface="Segoe UI Semibold" panose="020B0702040204020203" pitchFamily="34" charset="0"/>
-                    <a:cs typeface="Segoe UI Semibold" panose="020B0702040204020203" pitchFamily="34" charset="0"/>
-                  </a:rPr>
-                  <a:t>Simple</a:t>
-                </a:r>
-              </a:p>
-            </p:txBody>
-          </p:sp>
-          <p:sp>
-            <p:nvSpPr>
-              <p:cNvPr id="12" name="TextBox 11">
-                <a:extLst>
-                  <a:ext uri="{FF2B5EF4-FFF2-40B4-BE49-F238E27FC236}">
-                    <a16:creationId xmlns:a16="http://schemas.microsoft.com/office/drawing/2014/main" id="{DD4F6761-95A7-470F-B718-4D1A7A2648F9}"/>
-                  </a:ext>
-                </a:extLst>
-              </p:cNvPr>
-              <p:cNvSpPr txBox="1"/>
-              <p:nvPr/>
-            </p:nvSpPr>
-            <p:spPr>
-              <a:xfrm>
-                <a:off x="346179" y="4164457"/>
-                <a:ext cx="2417522" cy="369332"/>
-              </a:xfrm>
-              <a:prstGeom prst="rect">
-                <a:avLst/>
-              </a:prstGeom>
-              <a:noFill/>
-            </p:spPr>
-            <p:txBody>
-              <a:bodyPr wrap="square">
-                <a:spAutoFit/>
-              </a:bodyPr>
-              <a:lstStyle/>
-              <a:p>
-                <a:pPr algn="ctr"/>
-                <a:r>
-                  <a:rPr lang="en-US" dirty="0">
-                    <a:latin typeface="Segoe UI Semibold" panose="020B0702040204020203" pitchFamily="34" charset="0"/>
-                    <a:cs typeface="Segoe UI Semibold" panose="020B0702040204020203" pitchFamily="34" charset="0"/>
-                  </a:rPr>
-                  <a:t>Complex</a:t>
-                </a:r>
-              </a:p>
-            </p:txBody>
-          </p:sp>
-          <p:sp>
-            <p:nvSpPr>
-              <p:cNvPr id="17" name="Arrow: Down 16">
-                <a:extLst>
-                  <a:ext uri="{FF2B5EF4-FFF2-40B4-BE49-F238E27FC236}">
-                    <a16:creationId xmlns:a16="http://schemas.microsoft.com/office/drawing/2014/main" id="{A123788B-3BF5-4971-9B27-D89315DFF9B0}"/>
-                  </a:ext>
-                </a:extLst>
-              </p:cNvPr>
-              <p:cNvSpPr/>
-              <p:nvPr/>
-            </p:nvSpPr>
-            <p:spPr>
-              <a:xfrm>
-                <a:off x="1171548" y="1851599"/>
-                <a:ext cx="766784" cy="2415601"/>
-              </a:xfrm>
-              <a:prstGeom prst="downArrow">
-                <a:avLst/>
-              </a:prstGeom>
-              <a:gradFill>
-                <a:gsLst>
-                  <a:gs pos="18000">
-                    <a:srgbClr val="7B83EB"/>
-                  </a:gs>
-                  <a:gs pos="49000">
-                    <a:srgbClr val="0078D4"/>
-                  </a:gs>
-                  <a:gs pos="82000">
-                    <a:srgbClr val="BC1948"/>
-                  </a:gs>
-                </a:gsLst>
-                <a:lin ang="5400000" scaled="1"/>
-              </a:gradFill>
-              <a:ln>
-                <a:noFill/>
-              </a:ln>
-            </p:spPr>
-            <p:style>
-              <a:lnRef idx="2">
-                <a:schemeClr val="accent1">
-                  <a:shade val="50000"/>
-                </a:schemeClr>
-              </a:lnRef>
-              <a:fillRef idx="1">
-                <a:schemeClr val="accent1"/>
-              </a:fillRef>
-              <a:effectRef idx="0">
-                <a:schemeClr val="accent1"/>
-              </a:effectRef>
-              <a:fontRef idx="minor">
-                <a:schemeClr val="lt1"/>
-              </a:fontRef>
-            </p:style>
-            <p:txBody>
-              <a:bodyPr rtlCol="0" anchor="ctr"/>
-              <a:lstStyle/>
-              <a:p>
-                <a:pPr algn="ctr"/>
-                <a:endParaRPr lang="en-US" dirty="0"/>
-              </a:p>
-            </p:txBody>
-          </p:sp>
-        </p:grpSp>
-        <p:grpSp>
-          <p:nvGrpSpPr>
-            <p:cNvPr id="21" name="Group 20">
-              <a:extLst>
-                <a:ext uri="{FF2B5EF4-FFF2-40B4-BE49-F238E27FC236}">
-                  <a16:creationId xmlns:a16="http://schemas.microsoft.com/office/drawing/2014/main" id="{3E612C0A-7704-4156-AD2A-AC5DFEBC69CA}"/>
-                </a:ext>
-              </a:extLst>
-            </p:cNvPr>
-            <p:cNvGrpSpPr/>
-            <p:nvPr/>
-          </p:nvGrpSpPr>
-          <p:grpSpPr>
-            <a:xfrm>
-              <a:off x="9614357" y="4016833"/>
-              <a:ext cx="2477559" cy="664579"/>
-              <a:chOff x="9614357" y="4069652"/>
-              <a:chExt cx="2477559" cy="664579"/>
-            </a:xfrm>
-          </p:grpSpPr>
-          <p:pic>
-            <p:nvPicPr>
-              <p:cNvPr id="1030" name="Picture 6">
-                <a:extLst>
-                  <a:ext uri="{FF2B5EF4-FFF2-40B4-BE49-F238E27FC236}">
-                    <a16:creationId xmlns:a16="http://schemas.microsoft.com/office/drawing/2014/main" id="{F0C0ADF2-32AD-464C-AEF8-1EB3D32ED9F6}"/>
-                  </a:ext>
-                </a:extLst>
-              </p:cNvPr>
-              <p:cNvPicPr>
-                <a:picLocks noChangeAspect="1" noChangeArrowheads="1"/>
-              </p:cNvPicPr>
-              <p:nvPr/>
-            </p:nvPicPr>
-            <p:blipFill>
-              <a:blip r:embed="rId2">
-                <a:extLst>
-                  <a:ext uri="{28A0092B-C50C-407E-A947-70E740481C1C}">
-                    <a14:useLocalDpi xmlns:a14="http://schemas.microsoft.com/office/drawing/2010/main" val="0"/>
-                  </a:ext>
-                </a:extLst>
-              </a:blip>
-              <a:srcRect/>
-              <a:stretch>
-                <a:fillRect/>
-              </a:stretch>
-            </p:blipFill>
-            <p:spPr bwMode="auto">
-              <a:xfrm>
-                <a:off x="9614357" y="4069652"/>
-                <a:ext cx="664579" cy="664579"/>
-              </a:xfrm>
-              <a:prstGeom prst="rect">
-                <a:avLst/>
-              </a:prstGeom>
-              <a:noFill/>
-              <a:extLst>
-                <a:ext uri="{909E8E84-426E-40DD-AFC4-6F175D3DCCD1}">
-                  <a14:hiddenFill xmlns:a14="http://schemas.microsoft.com/office/drawing/2010/main">
-                    <a:solidFill>
-                      <a:srgbClr val="FFFFFF"/>
-                    </a:solidFill>
-                  </a14:hiddenFill>
-                </a:ext>
-              </a:extLst>
-            </p:spPr>
-          </p:pic>
-          <p:sp>
-            <p:nvSpPr>
-              <p:cNvPr id="22" name="TextBox 21">
-                <a:extLst>
-                  <a:ext uri="{FF2B5EF4-FFF2-40B4-BE49-F238E27FC236}">
-                    <a16:creationId xmlns:a16="http://schemas.microsoft.com/office/drawing/2014/main" id="{2AFDC7C3-834C-4CEC-87E1-7AC43532B6CB}"/>
-                  </a:ext>
-                </a:extLst>
-              </p:cNvPr>
-              <p:cNvSpPr txBox="1"/>
-              <p:nvPr/>
-            </p:nvSpPr>
-            <p:spPr>
-              <a:xfrm>
-                <a:off x="10157893" y="4078775"/>
-                <a:ext cx="1934023" cy="646331"/>
-              </a:xfrm>
-              <a:prstGeom prst="rect">
-                <a:avLst/>
-              </a:prstGeom>
-              <a:noFill/>
-            </p:spPr>
-            <p:txBody>
-              <a:bodyPr wrap="square">
-                <a:spAutoFit/>
-              </a:bodyPr>
-              <a:lstStyle/>
-              <a:p>
-                <a:pPr algn="ctr"/>
-                <a:r>
-                  <a:rPr lang="en-US" dirty="0">
-                    <a:latin typeface="Segoe UI Semibold" panose="020B0702040204020203" pitchFamily="34" charset="0"/>
-                    <a:cs typeface="Segoe UI Semibold" panose="020B0702040204020203" pitchFamily="34" charset="0"/>
-                  </a:rPr>
-                  <a:t>Live event in</a:t>
-                </a:r>
-              </a:p>
-              <a:p>
-                <a:pPr algn="ctr"/>
-                <a:r>
-                  <a:rPr lang="en-US" dirty="0">
-                    <a:latin typeface="Segoe UI Semibold" panose="020B0702040204020203" pitchFamily="34" charset="0"/>
-                    <a:cs typeface="Segoe UI Semibold" panose="020B0702040204020203" pitchFamily="34" charset="0"/>
-                  </a:rPr>
-                  <a:t>Stream</a:t>
-                </a:r>
-              </a:p>
-            </p:txBody>
-          </p:sp>
-        </p:grpSp>
-        <p:grpSp>
-          <p:nvGrpSpPr>
-            <p:cNvPr id="20" name="Group 19">
-              <a:extLst>
-                <a:ext uri="{FF2B5EF4-FFF2-40B4-BE49-F238E27FC236}">
-                  <a16:creationId xmlns:a16="http://schemas.microsoft.com/office/drawing/2014/main" id="{FC6A09E0-F35A-42A6-82F6-61E2560E87FA}"/>
-                </a:ext>
-              </a:extLst>
-            </p:cNvPr>
-            <p:cNvGrpSpPr/>
-            <p:nvPr/>
-          </p:nvGrpSpPr>
-          <p:grpSpPr>
-            <a:xfrm>
-              <a:off x="9614357" y="2668132"/>
-              <a:ext cx="2477559" cy="676577"/>
-              <a:chOff x="9614357" y="2684026"/>
-              <a:chExt cx="2477559" cy="676577"/>
-            </a:xfrm>
-          </p:grpSpPr>
-          <p:pic>
-            <p:nvPicPr>
-              <p:cNvPr id="1028" name="Picture 4">
-                <a:extLst>
-                  <a:ext uri="{FF2B5EF4-FFF2-40B4-BE49-F238E27FC236}">
-                    <a16:creationId xmlns:a16="http://schemas.microsoft.com/office/drawing/2014/main" id="{510C268B-822E-4B24-A9D1-7E1371FDBAB4}"/>
-                  </a:ext>
-                </a:extLst>
-              </p:cNvPr>
-              <p:cNvPicPr>
-                <a:picLocks noChangeAspect="1" noChangeArrowheads="1"/>
-              </p:cNvPicPr>
-              <p:nvPr/>
-            </p:nvPicPr>
-            <p:blipFill>
-              <a:blip r:embed="rId3">
-                <a:extLst>
-                  <a:ext uri="{28A0092B-C50C-407E-A947-70E740481C1C}">
-                    <a14:useLocalDpi xmlns:a14="http://schemas.microsoft.com/office/drawing/2010/main" val="0"/>
-                  </a:ext>
-                </a:extLst>
-              </a:blip>
-              <a:srcRect/>
-              <a:stretch>
-                <a:fillRect/>
-              </a:stretch>
-            </p:blipFill>
-            <p:spPr bwMode="auto">
-              <a:xfrm>
-                <a:off x="9614357" y="2684026"/>
-                <a:ext cx="676577" cy="676577"/>
-              </a:xfrm>
-              <a:prstGeom prst="rect">
-                <a:avLst/>
-              </a:prstGeom>
-              <a:noFill/>
-              <a:extLst>
-                <a:ext uri="{909E8E84-426E-40DD-AFC4-6F175D3DCCD1}">
-                  <a14:hiddenFill xmlns:a14="http://schemas.microsoft.com/office/drawing/2010/main">
-                    <a:solidFill>
-                      <a:srgbClr val="FFFFFF"/>
-                    </a:solidFill>
-                  </a14:hiddenFill>
-                </a:ext>
-              </a:extLst>
-            </p:spPr>
-          </p:pic>
-          <p:sp>
-            <p:nvSpPr>
-              <p:cNvPr id="23" name="TextBox 22">
-                <a:extLst>
-                  <a:ext uri="{FF2B5EF4-FFF2-40B4-BE49-F238E27FC236}">
-                    <a16:creationId xmlns:a16="http://schemas.microsoft.com/office/drawing/2014/main" id="{7CF8C7AD-2BAA-46DA-8C4C-DEC002626C46}"/>
-                  </a:ext>
-                </a:extLst>
-              </p:cNvPr>
-              <p:cNvSpPr txBox="1"/>
-              <p:nvPr/>
-            </p:nvSpPr>
-            <p:spPr>
-              <a:xfrm>
-                <a:off x="10157893" y="2691608"/>
-                <a:ext cx="1934023" cy="646331"/>
-              </a:xfrm>
-              <a:prstGeom prst="rect">
-                <a:avLst/>
-              </a:prstGeom>
-              <a:noFill/>
-            </p:spPr>
-            <p:txBody>
-              <a:bodyPr wrap="square">
-                <a:spAutoFit/>
-              </a:bodyPr>
-              <a:lstStyle/>
-              <a:p>
-                <a:pPr algn="ctr"/>
-                <a:r>
-                  <a:rPr lang="en-US" dirty="0">
-                    <a:latin typeface="Segoe UI Semibold" panose="020B0702040204020203" pitchFamily="34" charset="0"/>
-                    <a:cs typeface="Segoe UI Semibold" panose="020B0702040204020203" pitchFamily="34" charset="0"/>
-                  </a:rPr>
-                  <a:t>Live event in</a:t>
-                </a:r>
-              </a:p>
-              <a:p>
-                <a:pPr algn="ctr"/>
-                <a:r>
-                  <a:rPr lang="en-US" dirty="0">
-                    <a:latin typeface="Segoe UI Semibold" panose="020B0702040204020203" pitchFamily="34" charset="0"/>
-                    <a:cs typeface="Segoe UI Semibold" panose="020B0702040204020203" pitchFamily="34" charset="0"/>
-                  </a:rPr>
-                  <a:t>Yammer</a:t>
-                </a:r>
-              </a:p>
-            </p:txBody>
-          </p:sp>
-        </p:grpSp>
-        <p:grpSp>
-          <p:nvGrpSpPr>
-            <p:cNvPr id="19" name="Group 18">
-              <a:extLst>
-                <a:ext uri="{FF2B5EF4-FFF2-40B4-BE49-F238E27FC236}">
-                  <a16:creationId xmlns:a16="http://schemas.microsoft.com/office/drawing/2014/main" id="{42B05C17-173A-487F-A286-DA42904C38D4}"/>
-                </a:ext>
-              </a:extLst>
-            </p:cNvPr>
-            <p:cNvGrpSpPr/>
-            <p:nvPr/>
-          </p:nvGrpSpPr>
-          <p:grpSpPr>
-            <a:xfrm>
-              <a:off x="9614357" y="1349678"/>
-              <a:ext cx="2477559" cy="646331"/>
-              <a:chOff x="9614357" y="1343767"/>
-              <a:chExt cx="2477559" cy="646331"/>
-            </a:xfrm>
-          </p:grpSpPr>
-          <p:pic>
-            <p:nvPicPr>
-              <p:cNvPr id="1032" name="Picture 8">
-                <a:extLst>
-                  <a:ext uri="{FF2B5EF4-FFF2-40B4-BE49-F238E27FC236}">
-                    <a16:creationId xmlns:a16="http://schemas.microsoft.com/office/drawing/2014/main" id="{78677F64-53F5-4247-930B-360A4BCA6130}"/>
-                  </a:ext>
-                </a:extLst>
-              </p:cNvPr>
-              <p:cNvPicPr>
-                <a:picLocks noChangeAspect="1" noChangeArrowheads="1"/>
-              </p:cNvPicPr>
-              <p:nvPr/>
-            </p:nvPicPr>
-            <p:blipFill>
-              <a:blip r:embed="rId4">
-                <a:extLst>
-                  <a:ext uri="{28A0092B-C50C-407E-A947-70E740481C1C}">
-                    <a14:useLocalDpi xmlns:a14="http://schemas.microsoft.com/office/drawing/2010/main" val="0"/>
-                  </a:ext>
-                </a:extLst>
-              </a:blip>
-              <a:srcRect/>
-              <a:stretch>
-                <a:fillRect/>
-              </a:stretch>
-            </p:blipFill>
-            <p:spPr bwMode="auto">
-              <a:xfrm>
-                <a:off x="9614357" y="1358888"/>
-                <a:ext cx="664579" cy="616090"/>
-              </a:xfrm>
-              <a:prstGeom prst="rect">
-                <a:avLst/>
-              </a:prstGeom>
-              <a:noFill/>
-              <a:extLst>
-                <a:ext uri="{909E8E84-426E-40DD-AFC4-6F175D3DCCD1}">
-                  <a14:hiddenFill xmlns:a14="http://schemas.microsoft.com/office/drawing/2010/main">
-                    <a:solidFill>
-                      <a:srgbClr val="FFFFFF"/>
-                    </a:solidFill>
-                  </a14:hiddenFill>
-                </a:ext>
-              </a:extLst>
-            </p:spPr>
-          </p:pic>
-          <p:sp>
-            <p:nvSpPr>
-              <p:cNvPr id="24" name="TextBox 23">
-                <a:extLst>
-                  <a:ext uri="{FF2B5EF4-FFF2-40B4-BE49-F238E27FC236}">
-                    <a16:creationId xmlns:a16="http://schemas.microsoft.com/office/drawing/2014/main" id="{19E87826-0829-4EDC-A2DB-F93610FA66B5}"/>
-                  </a:ext>
-                </a:extLst>
-              </p:cNvPr>
-              <p:cNvSpPr txBox="1"/>
-              <p:nvPr/>
-            </p:nvSpPr>
-            <p:spPr>
-              <a:xfrm>
-                <a:off x="10157893" y="1343767"/>
-                <a:ext cx="1934023" cy="646331"/>
-              </a:xfrm>
-              <a:prstGeom prst="rect">
-                <a:avLst/>
-              </a:prstGeom>
-              <a:noFill/>
-            </p:spPr>
-            <p:txBody>
-              <a:bodyPr wrap="square">
-                <a:spAutoFit/>
-              </a:bodyPr>
-              <a:lstStyle/>
-              <a:p>
-                <a:pPr algn="ctr"/>
-                <a:r>
-                  <a:rPr lang="en-US" dirty="0">
-                    <a:latin typeface="Segoe UI Semibold" panose="020B0702040204020203" pitchFamily="34" charset="0"/>
-                    <a:cs typeface="Segoe UI Semibold" panose="020B0702040204020203" pitchFamily="34" charset="0"/>
-                  </a:rPr>
-                  <a:t>Live event in</a:t>
-                </a:r>
-              </a:p>
-              <a:p>
-                <a:pPr algn="ctr"/>
-                <a:r>
-                  <a:rPr lang="en-US" dirty="0">
-                    <a:latin typeface="Segoe UI Semibold" panose="020B0702040204020203" pitchFamily="34" charset="0"/>
-                    <a:cs typeface="Segoe UI Semibold" panose="020B0702040204020203" pitchFamily="34" charset="0"/>
-                  </a:rPr>
-                  <a:t>Teams</a:t>
-                </a:r>
-              </a:p>
-            </p:txBody>
-          </p:sp>
-        </p:grpSp>
-        <p:sp>
-          <p:nvSpPr>
-            <p:cNvPr id="29" name="TextBox 28">
-              <a:extLst>
-                <a:ext uri="{FF2B5EF4-FFF2-40B4-BE49-F238E27FC236}">
-                  <a16:creationId xmlns:a16="http://schemas.microsoft.com/office/drawing/2014/main" id="{CCFB7C2A-9F76-4137-AAE0-6958951B438A}"/>
-                </a:ext>
-              </a:extLst>
-            </p:cNvPr>
-            <p:cNvSpPr txBox="1"/>
-            <p:nvPr/>
-          </p:nvSpPr>
-          <p:spPr>
-            <a:xfrm>
-              <a:off x="250209" y="389183"/>
-              <a:ext cx="1649834" cy="369332"/>
-            </a:xfrm>
-            <a:prstGeom prst="rect">
-              <a:avLst/>
-            </a:prstGeom>
-            <a:noFill/>
-          </p:spPr>
-          <p:txBody>
-            <a:bodyPr wrap="square">
-              <a:spAutoFit/>
-            </a:bodyPr>
-            <a:lstStyle/>
-            <a:p>
-              <a:pPr algn="ctr"/>
-              <a:r>
-                <a:rPr lang="en-US" b="1" dirty="0">
-                  <a:latin typeface="Segoe UI" panose="020B0502040204020203" pitchFamily="34" charset="0"/>
-                  <a:cs typeface="Segoe UI" panose="020B0502040204020203" pitchFamily="34" charset="0"/>
-                </a:rPr>
-                <a:t>Complexity</a:t>
-              </a:r>
-            </a:p>
-          </p:txBody>
-        </p:sp>
-        <p:sp>
-          <p:nvSpPr>
-            <p:cNvPr id="30" name="TextBox 29">
-              <a:extLst>
-                <a:ext uri="{FF2B5EF4-FFF2-40B4-BE49-F238E27FC236}">
-                  <a16:creationId xmlns:a16="http://schemas.microsoft.com/office/drawing/2014/main" id="{FD1A08DE-EB63-4583-B436-45494A1BD619}"/>
-                </a:ext>
-              </a:extLst>
-            </p:cNvPr>
-            <p:cNvSpPr txBox="1"/>
-            <p:nvPr/>
-          </p:nvSpPr>
-          <p:spPr>
-            <a:xfrm>
-              <a:off x="2038142" y="389183"/>
-              <a:ext cx="2417522" cy="369332"/>
-            </a:xfrm>
-            <a:prstGeom prst="rect">
-              <a:avLst/>
-            </a:prstGeom>
-            <a:noFill/>
-          </p:spPr>
-          <p:txBody>
-            <a:bodyPr wrap="square">
-              <a:spAutoFit/>
-            </a:bodyPr>
-            <a:lstStyle/>
-            <a:p>
-              <a:pPr algn="ctr"/>
-              <a:r>
-                <a:rPr lang="en-GB" b="1" dirty="0">
-                  <a:latin typeface="Segoe UI" panose="020B0502040204020203" pitchFamily="34" charset="0"/>
-                  <a:cs typeface="Segoe UI" panose="020B0502040204020203" pitchFamily="34" charset="0"/>
-                </a:rPr>
-                <a:t>E</a:t>
-              </a:r>
-              <a:r>
-                <a:rPr lang="en-US" b="1" dirty="0">
-                  <a:latin typeface="Segoe UI" panose="020B0502040204020203" pitchFamily="34" charset="0"/>
-                  <a:cs typeface="Segoe UI" panose="020B0502040204020203" pitchFamily="34" charset="0"/>
-                </a:rPr>
-                <a:t>vent scenario</a:t>
-              </a:r>
-            </a:p>
-          </p:txBody>
-        </p:sp>
-        <p:sp>
-          <p:nvSpPr>
-            <p:cNvPr id="31" name="TextBox 30">
-              <a:extLst>
-                <a:ext uri="{FF2B5EF4-FFF2-40B4-BE49-F238E27FC236}">
-                  <a16:creationId xmlns:a16="http://schemas.microsoft.com/office/drawing/2014/main" id="{EEEE0359-4F96-4974-B2A7-02EA42A78F2E}"/>
-                </a:ext>
-              </a:extLst>
-            </p:cNvPr>
-            <p:cNvSpPr txBox="1"/>
-            <p:nvPr/>
-          </p:nvSpPr>
-          <p:spPr>
-            <a:xfrm>
-              <a:off x="4455664" y="389183"/>
-              <a:ext cx="2417522" cy="369332"/>
-            </a:xfrm>
-            <a:prstGeom prst="rect">
-              <a:avLst/>
-            </a:prstGeom>
-            <a:noFill/>
-          </p:spPr>
-          <p:txBody>
-            <a:bodyPr wrap="square">
-              <a:spAutoFit/>
-            </a:bodyPr>
-            <a:lstStyle/>
-            <a:p>
-              <a:pPr algn="ctr"/>
-              <a:r>
-                <a:rPr lang="en-GB" b="1" dirty="0">
-                  <a:latin typeface="Segoe UI" panose="020B0502040204020203" pitchFamily="34" charset="0"/>
-                  <a:cs typeface="Segoe UI" panose="020B0502040204020203" pitchFamily="34" charset="0"/>
-                </a:rPr>
-                <a:t>Production level</a:t>
-              </a:r>
-              <a:endParaRPr lang="en-US" b="1" dirty="0">
-                <a:latin typeface="Segoe UI" panose="020B0502040204020203" pitchFamily="34" charset="0"/>
-                <a:cs typeface="Segoe UI" panose="020B0502040204020203" pitchFamily="34" charset="0"/>
-              </a:endParaRPr>
-            </a:p>
-          </p:txBody>
-        </p:sp>
-        <p:sp>
-          <p:nvSpPr>
-            <p:cNvPr id="32" name="TextBox 31">
-              <a:extLst>
-                <a:ext uri="{FF2B5EF4-FFF2-40B4-BE49-F238E27FC236}">
-                  <a16:creationId xmlns:a16="http://schemas.microsoft.com/office/drawing/2014/main" id="{2A20AE1D-773C-410E-8527-D9D33690397A}"/>
-                </a:ext>
-              </a:extLst>
-            </p:cNvPr>
-            <p:cNvSpPr txBox="1"/>
-            <p:nvPr/>
-          </p:nvSpPr>
-          <p:spPr>
-            <a:xfrm>
-              <a:off x="6888326" y="389183"/>
-              <a:ext cx="2417522" cy="369332"/>
-            </a:xfrm>
-            <a:prstGeom prst="rect">
-              <a:avLst/>
-            </a:prstGeom>
-            <a:noFill/>
-          </p:spPr>
-          <p:txBody>
-            <a:bodyPr wrap="square">
-              <a:spAutoFit/>
-            </a:bodyPr>
-            <a:lstStyle/>
-            <a:p>
-              <a:pPr algn="ctr"/>
-              <a:r>
-                <a:rPr lang="en-GB" b="1" dirty="0">
-                  <a:latin typeface="Segoe UI" panose="020B0502040204020203" pitchFamily="34" charset="0"/>
-                  <a:cs typeface="Segoe UI" panose="020B0502040204020203" pitchFamily="34" charset="0"/>
-                </a:rPr>
-                <a:t>Attendees</a:t>
-              </a:r>
-              <a:endParaRPr lang="en-US" b="1" dirty="0">
-                <a:latin typeface="Segoe UI" panose="020B0502040204020203" pitchFamily="34" charset="0"/>
-                <a:cs typeface="Segoe UI" panose="020B0502040204020203" pitchFamily="34" charset="0"/>
-              </a:endParaRPr>
-            </a:p>
-          </p:txBody>
-        </p:sp>
-        <p:sp>
-          <p:nvSpPr>
-            <p:cNvPr id="33" name="TextBox 32">
-              <a:extLst>
-                <a:ext uri="{FF2B5EF4-FFF2-40B4-BE49-F238E27FC236}">
-                  <a16:creationId xmlns:a16="http://schemas.microsoft.com/office/drawing/2014/main" id="{E22BB1FA-7C52-4C40-B411-4B42F73ED3A1}"/>
-                </a:ext>
-              </a:extLst>
-            </p:cNvPr>
-            <p:cNvSpPr txBox="1"/>
-            <p:nvPr/>
-          </p:nvSpPr>
-          <p:spPr>
-            <a:xfrm>
-              <a:off x="9547606" y="389183"/>
-              <a:ext cx="2417522" cy="369332"/>
-            </a:xfrm>
-            <a:prstGeom prst="rect">
-              <a:avLst/>
-            </a:prstGeom>
-            <a:noFill/>
-          </p:spPr>
-          <p:txBody>
-            <a:bodyPr wrap="square">
-              <a:spAutoFit/>
-            </a:bodyPr>
-            <a:lstStyle/>
-            <a:p>
-              <a:pPr algn="ctr"/>
-              <a:r>
-                <a:rPr lang="en-GB" b="1" dirty="0">
-                  <a:latin typeface="Segoe UI" panose="020B0502040204020203" pitchFamily="34" charset="0"/>
-                  <a:cs typeface="Segoe UI" panose="020B0502040204020203" pitchFamily="34" charset="0"/>
-                </a:rPr>
-                <a:t>Solution</a:t>
-              </a:r>
-              <a:endParaRPr lang="en-US" b="1" dirty="0">
-                <a:latin typeface="Segoe UI" panose="020B0502040204020203" pitchFamily="34" charset="0"/>
-                <a:cs typeface="Segoe UI" panose="020B0502040204020203" pitchFamily="34" charset="0"/>
-              </a:endParaRPr>
-            </a:p>
-          </p:txBody>
-        </p:sp>
-        <p:sp>
-          <p:nvSpPr>
-            <p:cNvPr id="34" name="TextBox 33">
-              <a:extLst>
-                <a:ext uri="{FF2B5EF4-FFF2-40B4-BE49-F238E27FC236}">
-                  <a16:creationId xmlns:a16="http://schemas.microsoft.com/office/drawing/2014/main" id="{EAE82C39-430B-42C1-8F88-25BB323F2A3E}"/>
-                </a:ext>
-              </a:extLst>
-            </p:cNvPr>
-            <p:cNvSpPr txBox="1"/>
-            <p:nvPr/>
-          </p:nvSpPr>
-          <p:spPr>
-            <a:xfrm>
-              <a:off x="4455664" y="1482267"/>
-              <a:ext cx="2417522" cy="646331"/>
-            </a:xfrm>
-            <a:prstGeom prst="rect">
-              <a:avLst/>
-            </a:prstGeom>
-            <a:noFill/>
-          </p:spPr>
-          <p:txBody>
-            <a:bodyPr wrap="square">
-              <a:spAutoFit/>
-            </a:bodyPr>
-            <a:lstStyle/>
-            <a:p>
-              <a:pPr algn="ctr"/>
-              <a:r>
-                <a:rPr lang="en-US" dirty="0">
-                  <a:latin typeface="Segoe UI Semibold" panose="020B0702040204020203" pitchFamily="34" charset="0"/>
-                  <a:cs typeface="Segoe UI Semibold" panose="020B0702040204020203" pitchFamily="34" charset="0"/>
-                </a:rPr>
-                <a:t>Webcams or</a:t>
-              </a:r>
-            </a:p>
-            <a:p>
-              <a:pPr algn="ctr"/>
-              <a:r>
-                <a:rPr lang="en-US" dirty="0">
-                  <a:latin typeface="Segoe UI Semibold" panose="020B0702040204020203" pitchFamily="34" charset="0"/>
-                  <a:cs typeface="Segoe UI Semibold" panose="020B0702040204020203" pitchFamily="34" charset="0"/>
-                </a:rPr>
-                <a:t>screen share</a:t>
-              </a:r>
-            </a:p>
-          </p:txBody>
-        </p:sp>
-        <p:sp>
-          <p:nvSpPr>
-            <p:cNvPr id="35" name="TextBox 34">
-              <a:extLst>
-                <a:ext uri="{FF2B5EF4-FFF2-40B4-BE49-F238E27FC236}">
-                  <a16:creationId xmlns:a16="http://schemas.microsoft.com/office/drawing/2014/main" id="{47081560-CE46-4EBA-AECC-B1C89D39610C}"/>
-                </a:ext>
-              </a:extLst>
-            </p:cNvPr>
-            <p:cNvSpPr txBox="1"/>
-            <p:nvPr/>
-          </p:nvSpPr>
-          <p:spPr>
-            <a:xfrm>
-              <a:off x="4455664" y="2683257"/>
-              <a:ext cx="2417522" cy="646331"/>
-            </a:xfrm>
-            <a:prstGeom prst="rect">
-              <a:avLst/>
-            </a:prstGeom>
-            <a:noFill/>
-          </p:spPr>
-          <p:txBody>
-            <a:bodyPr wrap="square">
-              <a:spAutoFit/>
-            </a:bodyPr>
-            <a:lstStyle/>
-            <a:p>
-              <a:pPr algn="ctr"/>
-              <a:r>
-                <a:rPr lang="en-US" dirty="0">
-                  <a:latin typeface="Segoe UI Semibold" panose="020B0702040204020203" pitchFamily="34" charset="0"/>
-                  <a:cs typeface="Segoe UI Semibold" panose="020B0702040204020203" pitchFamily="34" charset="0"/>
-                </a:rPr>
-                <a:t>Could be custom </a:t>
-              </a:r>
-            </a:p>
-            <a:p>
-              <a:pPr algn="ctr"/>
-              <a:r>
-                <a:rPr lang="en-US" dirty="0">
-                  <a:latin typeface="Segoe UI Semibold" panose="020B0702040204020203" pitchFamily="34" charset="0"/>
-                  <a:cs typeface="Segoe UI Semibold" panose="020B0702040204020203" pitchFamily="34" charset="0"/>
-                </a:rPr>
-                <a:t>production</a:t>
-              </a:r>
-            </a:p>
-          </p:txBody>
-        </p:sp>
-        <p:sp>
-          <p:nvSpPr>
-            <p:cNvPr id="36" name="TextBox 35">
-              <a:extLst>
-                <a:ext uri="{FF2B5EF4-FFF2-40B4-BE49-F238E27FC236}">
-                  <a16:creationId xmlns:a16="http://schemas.microsoft.com/office/drawing/2014/main" id="{4C2A7302-0C8A-4A43-9681-466D42F2943D}"/>
-                </a:ext>
-              </a:extLst>
-            </p:cNvPr>
-            <p:cNvSpPr txBox="1"/>
-            <p:nvPr/>
-          </p:nvSpPr>
-          <p:spPr>
-            <a:xfrm>
-              <a:off x="4455664" y="3887456"/>
-              <a:ext cx="2417522" cy="923330"/>
-            </a:xfrm>
-            <a:prstGeom prst="rect">
-              <a:avLst/>
-            </a:prstGeom>
-            <a:noFill/>
-          </p:spPr>
-          <p:txBody>
-            <a:bodyPr wrap="square">
-              <a:spAutoFit/>
-            </a:bodyPr>
-            <a:lstStyle/>
-            <a:p>
-              <a:pPr algn="ctr"/>
-              <a:r>
-                <a:rPr lang="en-US" dirty="0">
-                  <a:latin typeface="Segoe UI Semibold" panose="020B0702040204020203" pitchFamily="34" charset="0"/>
-                  <a:cs typeface="Segoe UI Semibold" panose="020B0702040204020203" pitchFamily="34" charset="0"/>
-                </a:rPr>
-                <a:t>Custom </a:t>
-              </a:r>
-            </a:p>
-            <a:p>
-              <a:pPr algn="ctr"/>
-              <a:r>
-                <a:rPr lang="en-US" dirty="0">
-                  <a:latin typeface="Segoe UI Semibold" panose="020B0702040204020203" pitchFamily="34" charset="0"/>
-                  <a:cs typeface="Segoe UI Semibold" panose="020B0702040204020203" pitchFamily="34" charset="0"/>
-                </a:rPr>
-                <a:t>Production </a:t>
-              </a:r>
-            </a:p>
-            <a:p>
-              <a:pPr algn="ctr"/>
-              <a:r>
-                <a:rPr lang="en-US" dirty="0">
-                  <a:latin typeface="Segoe UI Semibold" panose="020B0702040204020203" pitchFamily="34" charset="0"/>
-                  <a:cs typeface="Segoe UI Semibold" panose="020B0702040204020203" pitchFamily="34" charset="0"/>
-                </a:rPr>
-                <a:t>only</a:t>
-              </a:r>
+              <a:endParaRPr lang="en-US" dirty="0"/>
             </a:p>
           </p:txBody>
         </p:sp>
       </p:grpSp>
+      <p:pic>
+        <p:nvPicPr>
+          <p:cNvPr id="1030" name="Picture 6">
+            <a:extLst>
+              <a:ext uri="{FF2B5EF4-FFF2-40B4-BE49-F238E27FC236}">
+                <a16:creationId xmlns:a16="http://schemas.microsoft.com/office/drawing/2014/main" id="{F0C0ADF2-32AD-464C-AEF8-1EB3D32ED9F6}"/>
+              </a:ext>
+            </a:extLst>
+          </p:cNvPr>
+          <p:cNvPicPr>
+            <a:picLocks noChangeAspect="1" noChangeArrowheads="1"/>
+          </p:cNvPicPr>
+          <p:nvPr/>
+        </p:nvPicPr>
+        <p:blipFill>
+          <a:blip r:embed="rId2">
+            <a:extLst>
+              <a:ext uri="{28A0092B-C50C-407E-A947-70E740481C1C}">
+                <a14:useLocalDpi xmlns:a14="http://schemas.microsoft.com/office/drawing/2010/main" val="0"/>
+              </a:ext>
+            </a:extLst>
+          </a:blip>
+          <a:srcRect/>
+          <a:stretch>
+            <a:fillRect/>
+          </a:stretch>
+        </p:blipFill>
+        <p:spPr bwMode="auto">
+          <a:xfrm>
+            <a:off x="9614357" y="4016833"/>
+            <a:ext cx="664579" cy="664579"/>
+          </a:xfrm>
+          <a:prstGeom prst="rect">
+            <a:avLst/>
+          </a:prstGeom>
+          <a:noFill/>
+          <a:extLst>
+            <a:ext uri="{909E8E84-426E-40DD-AFC4-6F175D3DCCD1}">
+              <a14:hiddenFill xmlns:a14="http://schemas.microsoft.com/office/drawing/2010/main">
+                <a:solidFill>
+                  <a:srgbClr val="FFFFFF"/>
+                </a:solidFill>
+              </a14:hiddenFill>
+            </a:ext>
+          </a:extLst>
+        </p:spPr>
+      </p:pic>
+      <p:sp>
+        <p:nvSpPr>
+          <p:cNvPr id="22" name="TextBox 21">
+            <a:extLst>
+              <a:ext uri="{FF2B5EF4-FFF2-40B4-BE49-F238E27FC236}">
+                <a16:creationId xmlns:a16="http://schemas.microsoft.com/office/drawing/2014/main" id="{2AFDC7C3-834C-4CEC-87E1-7AC43532B6CB}"/>
+              </a:ext>
+            </a:extLst>
+          </p:cNvPr>
+          <p:cNvSpPr txBox="1"/>
+          <p:nvPr/>
+        </p:nvSpPr>
+        <p:spPr>
+          <a:xfrm>
+            <a:off x="10153858" y="4164457"/>
+            <a:ext cx="1934023" cy="369332"/>
+          </a:xfrm>
+          <a:prstGeom prst="rect">
+            <a:avLst/>
+          </a:prstGeom>
+          <a:noFill/>
+        </p:spPr>
+        <p:txBody>
+          <a:bodyPr wrap="square">
+            <a:spAutoFit/>
+          </a:bodyPr>
+          <a:lstStyle/>
+          <a:p>
+            <a:pPr algn="ctr"/>
+            <a:r>
+              <a:rPr lang="en-US" dirty="0">
+                <a:latin typeface="Segoe UI Semibold" panose="020B0702040204020203" pitchFamily="34" charset="0"/>
+                <a:cs typeface="Segoe UI Semibold" panose="020B0702040204020203" pitchFamily="34" charset="0"/>
+              </a:rPr>
+              <a:t>Live Event</a:t>
+            </a:r>
+          </a:p>
+        </p:txBody>
+      </p:sp>
+      <p:pic>
+        <p:nvPicPr>
+          <p:cNvPr id="1028" name="Picture 4">
+            <a:extLst>
+              <a:ext uri="{FF2B5EF4-FFF2-40B4-BE49-F238E27FC236}">
+                <a16:creationId xmlns:a16="http://schemas.microsoft.com/office/drawing/2014/main" id="{510C268B-822E-4B24-A9D1-7E1371FDBAB4}"/>
+              </a:ext>
+            </a:extLst>
+          </p:cNvPr>
+          <p:cNvPicPr>
+            <a:picLocks noChangeAspect="1" noChangeArrowheads="1"/>
+          </p:cNvPicPr>
+          <p:nvPr/>
+        </p:nvPicPr>
+        <p:blipFill>
+          <a:blip r:embed="rId3">
+            <a:extLst>
+              <a:ext uri="{28A0092B-C50C-407E-A947-70E740481C1C}">
+                <a14:useLocalDpi xmlns:a14="http://schemas.microsoft.com/office/drawing/2010/main" val="0"/>
+              </a:ext>
+            </a:extLst>
+          </a:blip>
+          <a:srcRect/>
+          <a:stretch>
+            <a:fillRect/>
+          </a:stretch>
+        </p:blipFill>
+        <p:spPr bwMode="auto">
+          <a:xfrm>
+            <a:off x="9614357" y="3312305"/>
+            <a:ext cx="676577" cy="676577"/>
+          </a:xfrm>
+          <a:prstGeom prst="rect">
+            <a:avLst/>
+          </a:prstGeom>
+          <a:noFill/>
+          <a:extLst>
+            <a:ext uri="{909E8E84-426E-40DD-AFC4-6F175D3DCCD1}">
+              <a14:hiddenFill xmlns:a14="http://schemas.microsoft.com/office/drawing/2010/main">
+                <a:solidFill>
+                  <a:srgbClr val="FFFFFF"/>
+                </a:solidFill>
+              </a14:hiddenFill>
+            </a:ext>
+          </a:extLst>
+        </p:spPr>
+      </p:pic>
+      <p:sp>
+        <p:nvSpPr>
+          <p:cNvPr id="23" name="TextBox 22">
+            <a:extLst>
+              <a:ext uri="{FF2B5EF4-FFF2-40B4-BE49-F238E27FC236}">
+                <a16:creationId xmlns:a16="http://schemas.microsoft.com/office/drawing/2014/main" id="{7CF8C7AD-2BAA-46DA-8C4C-DEC002626C46}"/>
+              </a:ext>
+            </a:extLst>
+          </p:cNvPr>
+          <p:cNvSpPr txBox="1"/>
+          <p:nvPr/>
+        </p:nvSpPr>
+        <p:spPr>
+          <a:xfrm>
+            <a:off x="10153858" y="3465927"/>
+            <a:ext cx="1934023" cy="369332"/>
+          </a:xfrm>
+          <a:prstGeom prst="rect">
+            <a:avLst/>
+          </a:prstGeom>
+          <a:noFill/>
+        </p:spPr>
+        <p:txBody>
+          <a:bodyPr wrap="square">
+            <a:spAutoFit/>
+          </a:bodyPr>
+          <a:lstStyle/>
+          <a:p>
+            <a:pPr algn="ctr"/>
+            <a:r>
+              <a:rPr lang="en-US" dirty="0">
+                <a:latin typeface="Segoe UI Semibold" panose="020B0702040204020203" pitchFamily="34" charset="0"/>
+                <a:cs typeface="Segoe UI Semibold" panose="020B0702040204020203" pitchFamily="34" charset="0"/>
+              </a:rPr>
+              <a:t>Live Event</a:t>
+            </a:r>
+          </a:p>
+        </p:txBody>
+      </p:sp>
+      <p:pic>
+        <p:nvPicPr>
+          <p:cNvPr id="1032" name="Picture 8">
+            <a:extLst>
+              <a:ext uri="{FF2B5EF4-FFF2-40B4-BE49-F238E27FC236}">
+                <a16:creationId xmlns:a16="http://schemas.microsoft.com/office/drawing/2014/main" id="{78677F64-53F5-4247-930B-360A4BCA6130}"/>
+              </a:ext>
+            </a:extLst>
+          </p:cNvPr>
+          <p:cNvPicPr>
+            <a:picLocks noChangeAspect="1" noChangeArrowheads="1"/>
+          </p:cNvPicPr>
+          <p:nvPr/>
+        </p:nvPicPr>
+        <p:blipFill>
+          <a:blip r:embed="rId4">
+            <a:extLst>
+              <a:ext uri="{28A0092B-C50C-407E-A947-70E740481C1C}">
+                <a14:useLocalDpi xmlns:a14="http://schemas.microsoft.com/office/drawing/2010/main" val="0"/>
+              </a:ext>
+            </a:extLst>
+          </a:blip>
+          <a:srcRect/>
+          <a:stretch>
+            <a:fillRect/>
+          </a:stretch>
+        </p:blipFill>
+        <p:spPr bwMode="auto">
+          <a:xfrm>
+            <a:off x="9614357" y="2651226"/>
+            <a:ext cx="664579" cy="616090"/>
+          </a:xfrm>
+          <a:prstGeom prst="rect">
+            <a:avLst/>
+          </a:prstGeom>
+          <a:noFill/>
+          <a:extLst>
+            <a:ext uri="{909E8E84-426E-40DD-AFC4-6F175D3DCCD1}">
+              <a14:hiddenFill xmlns:a14="http://schemas.microsoft.com/office/drawing/2010/main">
+                <a:solidFill>
+                  <a:srgbClr val="FFFFFF"/>
+                </a:solidFill>
+              </a14:hiddenFill>
+            </a:ext>
+          </a:extLst>
+        </p:spPr>
+      </p:pic>
+      <p:sp>
+        <p:nvSpPr>
+          <p:cNvPr id="24" name="TextBox 23">
+            <a:extLst>
+              <a:ext uri="{FF2B5EF4-FFF2-40B4-BE49-F238E27FC236}">
+                <a16:creationId xmlns:a16="http://schemas.microsoft.com/office/drawing/2014/main" id="{19E87826-0829-4EDC-A2DB-F93610FA66B5}"/>
+              </a:ext>
+            </a:extLst>
+          </p:cNvPr>
+          <p:cNvSpPr txBox="1"/>
+          <p:nvPr/>
+        </p:nvSpPr>
+        <p:spPr>
+          <a:xfrm>
+            <a:off x="10153857" y="2778069"/>
+            <a:ext cx="1934023" cy="369332"/>
+          </a:xfrm>
+          <a:prstGeom prst="rect">
+            <a:avLst/>
+          </a:prstGeom>
+          <a:noFill/>
+        </p:spPr>
+        <p:txBody>
+          <a:bodyPr wrap="square">
+            <a:spAutoFit/>
+          </a:bodyPr>
+          <a:lstStyle/>
+          <a:p>
+            <a:pPr algn="ctr"/>
+            <a:r>
+              <a:rPr lang="en-US" dirty="0">
+                <a:latin typeface="Segoe UI Semibold" panose="020B0702040204020203" pitchFamily="34" charset="0"/>
+                <a:cs typeface="Segoe UI Semibold" panose="020B0702040204020203" pitchFamily="34" charset="0"/>
+              </a:rPr>
+              <a:t>Live Event</a:t>
+            </a:r>
+          </a:p>
+        </p:txBody>
+      </p:sp>
+      <p:sp>
+        <p:nvSpPr>
+          <p:cNvPr id="29" name="TextBox 28">
+            <a:extLst>
+              <a:ext uri="{FF2B5EF4-FFF2-40B4-BE49-F238E27FC236}">
+                <a16:creationId xmlns:a16="http://schemas.microsoft.com/office/drawing/2014/main" id="{CCFB7C2A-9F76-4137-AAE0-6958951B438A}"/>
+              </a:ext>
+            </a:extLst>
+          </p:cNvPr>
+          <p:cNvSpPr txBox="1"/>
+          <p:nvPr/>
+        </p:nvSpPr>
+        <p:spPr>
+          <a:xfrm>
+            <a:off x="250209" y="389183"/>
+            <a:ext cx="1649834" cy="369332"/>
+          </a:xfrm>
+          <a:prstGeom prst="rect">
+            <a:avLst/>
+          </a:prstGeom>
+          <a:noFill/>
+        </p:spPr>
+        <p:txBody>
+          <a:bodyPr wrap="square">
+            <a:spAutoFit/>
+          </a:bodyPr>
+          <a:lstStyle/>
+          <a:p>
+            <a:pPr algn="ctr"/>
+            <a:r>
+              <a:rPr lang="en-US" b="1" dirty="0">
+                <a:latin typeface="Segoe UI" panose="020B0502040204020203" pitchFamily="34" charset="0"/>
+                <a:cs typeface="Segoe UI" panose="020B0502040204020203" pitchFamily="34" charset="0"/>
+              </a:rPr>
+              <a:t>Complexity</a:t>
+            </a:r>
+          </a:p>
+        </p:txBody>
+      </p:sp>
+      <p:sp>
+        <p:nvSpPr>
+          <p:cNvPr id="30" name="TextBox 29">
+            <a:extLst>
+              <a:ext uri="{FF2B5EF4-FFF2-40B4-BE49-F238E27FC236}">
+                <a16:creationId xmlns:a16="http://schemas.microsoft.com/office/drawing/2014/main" id="{FD1A08DE-EB63-4583-B436-45494A1BD619}"/>
+              </a:ext>
+            </a:extLst>
+          </p:cNvPr>
+          <p:cNvSpPr txBox="1"/>
+          <p:nvPr/>
+        </p:nvSpPr>
+        <p:spPr>
+          <a:xfrm>
+            <a:off x="2038142" y="389183"/>
+            <a:ext cx="2417522" cy="369332"/>
+          </a:xfrm>
+          <a:prstGeom prst="rect">
+            <a:avLst/>
+          </a:prstGeom>
+          <a:noFill/>
+        </p:spPr>
+        <p:txBody>
+          <a:bodyPr wrap="square">
+            <a:spAutoFit/>
+          </a:bodyPr>
+          <a:lstStyle/>
+          <a:p>
+            <a:pPr algn="ctr"/>
+            <a:r>
+              <a:rPr lang="en-GB" b="1" dirty="0">
+                <a:latin typeface="Segoe UI" panose="020B0502040204020203" pitchFamily="34" charset="0"/>
+                <a:cs typeface="Segoe UI" panose="020B0502040204020203" pitchFamily="34" charset="0"/>
+              </a:rPr>
+              <a:t>E</a:t>
+            </a:r>
+            <a:r>
+              <a:rPr lang="en-US" b="1" dirty="0">
+                <a:latin typeface="Segoe UI" panose="020B0502040204020203" pitchFamily="34" charset="0"/>
+                <a:cs typeface="Segoe UI" panose="020B0502040204020203" pitchFamily="34" charset="0"/>
+              </a:rPr>
+              <a:t>vent scenario</a:t>
+            </a:r>
+          </a:p>
+        </p:txBody>
+      </p:sp>
+      <p:sp>
+        <p:nvSpPr>
+          <p:cNvPr id="31" name="TextBox 30">
+            <a:extLst>
+              <a:ext uri="{FF2B5EF4-FFF2-40B4-BE49-F238E27FC236}">
+                <a16:creationId xmlns:a16="http://schemas.microsoft.com/office/drawing/2014/main" id="{EEEE0359-4F96-4974-B2A7-02EA42A78F2E}"/>
+              </a:ext>
+            </a:extLst>
+          </p:cNvPr>
+          <p:cNvSpPr txBox="1"/>
+          <p:nvPr/>
+        </p:nvSpPr>
+        <p:spPr>
+          <a:xfrm>
+            <a:off x="4455664" y="389183"/>
+            <a:ext cx="2417522" cy="369332"/>
+          </a:xfrm>
+          <a:prstGeom prst="rect">
+            <a:avLst/>
+          </a:prstGeom>
+          <a:noFill/>
+        </p:spPr>
+        <p:txBody>
+          <a:bodyPr wrap="square">
+            <a:spAutoFit/>
+          </a:bodyPr>
+          <a:lstStyle/>
+          <a:p>
+            <a:pPr algn="ctr"/>
+            <a:r>
+              <a:rPr lang="en-GB" b="1" dirty="0">
+                <a:latin typeface="Segoe UI" panose="020B0502040204020203" pitchFamily="34" charset="0"/>
+                <a:cs typeface="Segoe UI" panose="020B0502040204020203" pitchFamily="34" charset="0"/>
+              </a:rPr>
+              <a:t>Production level</a:t>
+            </a:r>
+            <a:endParaRPr lang="en-US" b="1" dirty="0">
+              <a:latin typeface="Segoe UI" panose="020B0502040204020203" pitchFamily="34" charset="0"/>
+              <a:cs typeface="Segoe UI" panose="020B0502040204020203" pitchFamily="34" charset="0"/>
+            </a:endParaRPr>
+          </a:p>
+        </p:txBody>
+      </p:sp>
+      <p:sp>
+        <p:nvSpPr>
+          <p:cNvPr id="32" name="TextBox 31">
+            <a:extLst>
+              <a:ext uri="{FF2B5EF4-FFF2-40B4-BE49-F238E27FC236}">
+                <a16:creationId xmlns:a16="http://schemas.microsoft.com/office/drawing/2014/main" id="{2A20AE1D-773C-410E-8527-D9D33690397A}"/>
+              </a:ext>
+            </a:extLst>
+          </p:cNvPr>
+          <p:cNvSpPr txBox="1"/>
+          <p:nvPr/>
+        </p:nvSpPr>
+        <p:spPr>
+          <a:xfrm>
+            <a:off x="6888326" y="389183"/>
+            <a:ext cx="2417522" cy="369332"/>
+          </a:xfrm>
+          <a:prstGeom prst="rect">
+            <a:avLst/>
+          </a:prstGeom>
+          <a:noFill/>
+        </p:spPr>
+        <p:txBody>
+          <a:bodyPr wrap="square">
+            <a:spAutoFit/>
+          </a:bodyPr>
+          <a:lstStyle/>
+          <a:p>
+            <a:pPr algn="ctr"/>
+            <a:r>
+              <a:rPr lang="en-GB" b="1" dirty="0">
+                <a:latin typeface="Segoe UI" panose="020B0502040204020203" pitchFamily="34" charset="0"/>
+                <a:cs typeface="Segoe UI" panose="020B0502040204020203" pitchFamily="34" charset="0"/>
+              </a:rPr>
+              <a:t>Attendees</a:t>
+            </a:r>
+            <a:endParaRPr lang="en-US" b="1" dirty="0">
+              <a:latin typeface="Segoe UI" panose="020B0502040204020203" pitchFamily="34" charset="0"/>
+              <a:cs typeface="Segoe UI" panose="020B0502040204020203" pitchFamily="34" charset="0"/>
+            </a:endParaRPr>
+          </a:p>
+        </p:txBody>
+      </p:sp>
+      <p:sp>
+        <p:nvSpPr>
+          <p:cNvPr id="33" name="TextBox 32">
+            <a:extLst>
+              <a:ext uri="{FF2B5EF4-FFF2-40B4-BE49-F238E27FC236}">
+                <a16:creationId xmlns:a16="http://schemas.microsoft.com/office/drawing/2014/main" id="{E22BB1FA-7C52-4C40-B411-4B42F73ED3A1}"/>
+              </a:ext>
+            </a:extLst>
+          </p:cNvPr>
+          <p:cNvSpPr txBox="1"/>
+          <p:nvPr/>
+        </p:nvSpPr>
+        <p:spPr>
+          <a:xfrm>
+            <a:off x="9547606" y="389183"/>
+            <a:ext cx="2417522" cy="369332"/>
+          </a:xfrm>
+          <a:prstGeom prst="rect">
+            <a:avLst/>
+          </a:prstGeom>
+          <a:noFill/>
+        </p:spPr>
+        <p:txBody>
+          <a:bodyPr wrap="square">
+            <a:spAutoFit/>
+          </a:bodyPr>
+          <a:lstStyle/>
+          <a:p>
+            <a:pPr algn="ctr"/>
+            <a:r>
+              <a:rPr lang="en-GB" b="1" dirty="0">
+                <a:latin typeface="Segoe UI" panose="020B0502040204020203" pitchFamily="34" charset="0"/>
+                <a:cs typeface="Segoe UI" panose="020B0502040204020203" pitchFamily="34" charset="0"/>
+              </a:rPr>
+              <a:t>Solution</a:t>
+            </a:r>
+            <a:endParaRPr lang="en-US" b="1" dirty="0">
+              <a:latin typeface="Segoe UI" panose="020B0502040204020203" pitchFamily="34" charset="0"/>
+              <a:cs typeface="Segoe UI" panose="020B0502040204020203" pitchFamily="34" charset="0"/>
+            </a:endParaRPr>
+          </a:p>
+        </p:txBody>
+      </p:sp>
+      <p:sp>
+        <p:nvSpPr>
+          <p:cNvPr id="34" name="TextBox 33">
+            <a:extLst>
+              <a:ext uri="{FF2B5EF4-FFF2-40B4-BE49-F238E27FC236}">
+                <a16:creationId xmlns:a16="http://schemas.microsoft.com/office/drawing/2014/main" id="{EAE82C39-430B-42C1-8F88-25BB323F2A3E}"/>
+              </a:ext>
+            </a:extLst>
+          </p:cNvPr>
+          <p:cNvSpPr txBox="1"/>
+          <p:nvPr/>
+        </p:nvSpPr>
+        <p:spPr>
+          <a:xfrm>
+            <a:off x="4455664" y="1482267"/>
+            <a:ext cx="2417522" cy="646331"/>
+          </a:xfrm>
+          <a:prstGeom prst="rect">
+            <a:avLst/>
+          </a:prstGeom>
+          <a:noFill/>
+        </p:spPr>
+        <p:txBody>
+          <a:bodyPr wrap="square">
+            <a:spAutoFit/>
+          </a:bodyPr>
+          <a:lstStyle/>
+          <a:p>
+            <a:pPr algn="ctr"/>
+            <a:r>
+              <a:rPr lang="en-US" dirty="0">
+                <a:latin typeface="Segoe UI Semibold" panose="020B0702040204020203" pitchFamily="34" charset="0"/>
+                <a:cs typeface="Segoe UI Semibold" panose="020B0702040204020203" pitchFamily="34" charset="0"/>
+              </a:rPr>
+              <a:t>Webcams or</a:t>
+            </a:r>
+          </a:p>
+          <a:p>
+            <a:pPr algn="ctr"/>
+            <a:r>
+              <a:rPr lang="en-US" dirty="0">
+                <a:latin typeface="Segoe UI Semibold" panose="020B0702040204020203" pitchFamily="34" charset="0"/>
+                <a:cs typeface="Segoe UI Semibold" panose="020B0702040204020203" pitchFamily="34" charset="0"/>
+              </a:rPr>
+              <a:t>screen share</a:t>
+            </a:r>
+          </a:p>
+        </p:txBody>
+      </p:sp>
+      <p:sp>
+        <p:nvSpPr>
+          <p:cNvPr id="35" name="TextBox 34">
+            <a:extLst>
+              <a:ext uri="{FF2B5EF4-FFF2-40B4-BE49-F238E27FC236}">
+                <a16:creationId xmlns:a16="http://schemas.microsoft.com/office/drawing/2014/main" id="{47081560-CE46-4EBA-AECC-B1C89D39610C}"/>
+              </a:ext>
+            </a:extLst>
+          </p:cNvPr>
+          <p:cNvSpPr txBox="1"/>
+          <p:nvPr/>
+        </p:nvSpPr>
+        <p:spPr>
+          <a:xfrm>
+            <a:off x="4455664" y="2683257"/>
+            <a:ext cx="2417522" cy="646331"/>
+          </a:xfrm>
+          <a:prstGeom prst="rect">
+            <a:avLst/>
+          </a:prstGeom>
+          <a:noFill/>
+        </p:spPr>
+        <p:txBody>
+          <a:bodyPr wrap="square">
+            <a:spAutoFit/>
+          </a:bodyPr>
+          <a:lstStyle/>
+          <a:p>
+            <a:pPr algn="ctr"/>
+            <a:r>
+              <a:rPr lang="en-US" dirty="0">
+                <a:latin typeface="Segoe UI Semibold" panose="020B0702040204020203" pitchFamily="34" charset="0"/>
+                <a:cs typeface="Segoe UI Semibold" panose="020B0702040204020203" pitchFamily="34" charset="0"/>
+              </a:rPr>
+              <a:t>Could be custom </a:t>
+            </a:r>
+          </a:p>
+          <a:p>
+            <a:pPr algn="ctr"/>
+            <a:r>
+              <a:rPr lang="en-US" dirty="0">
+                <a:latin typeface="Segoe UI Semibold" panose="020B0702040204020203" pitchFamily="34" charset="0"/>
+                <a:cs typeface="Segoe UI Semibold" panose="020B0702040204020203" pitchFamily="34" charset="0"/>
+              </a:rPr>
+              <a:t>production</a:t>
+            </a:r>
+          </a:p>
+        </p:txBody>
+      </p:sp>
+      <p:sp>
+        <p:nvSpPr>
+          <p:cNvPr id="36" name="TextBox 35">
+            <a:extLst>
+              <a:ext uri="{FF2B5EF4-FFF2-40B4-BE49-F238E27FC236}">
+                <a16:creationId xmlns:a16="http://schemas.microsoft.com/office/drawing/2014/main" id="{4C2A7302-0C8A-4A43-9681-466D42F2943D}"/>
+              </a:ext>
+            </a:extLst>
+          </p:cNvPr>
+          <p:cNvSpPr txBox="1"/>
+          <p:nvPr/>
+        </p:nvSpPr>
+        <p:spPr>
+          <a:xfrm>
+            <a:off x="4455664" y="3887456"/>
+            <a:ext cx="2417522" cy="923330"/>
+          </a:xfrm>
+          <a:prstGeom prst="rect">
+            <a:avLst/>
+          </a:prstGeom>
+          <a:noFill/>
+        </p:spPr>
+        <p:txBody>
+          <a:bodyPr wrap="square">
+            <a:spAutoFit/>
+          </a:bodyPr>
+          <a:lstStyle/>
+          <a:p>
+            <a:pPr algn="ctr"/>
+            <a:r>
+              <a:rPr lang="en-US" dirty="0">
+                <a:latin typeface="Segoe UI Semibold" panose="020B0702040204020203" pitchFamily="34" charset="0"/>
+                <a:cs typeface="Segoe UI Semibold" panose="020B0702040204020203" pitchFamily="34" charset="0"/>
+              </a:rPr>
+              <a:t>Custom </a:t>
+            </a:r>
+          </a:p>
+          <a:p>
+            <a:pPr algn="ctr"/>
+            <a:r>
+              <a:rPr lang="en-US" dirty="0">
+                <a:latin typeface="Segoe UI Semibold" panose="020B0702040204020203" pitchFamily="34" charset="0"/>
+                <a:cs typeface="Segoe UI Semibold" panose="020B0702040204020203" pitchFamily="34" charset="0"/>
+              </a:rPr>
+              <a:t>Production </a:t>
+            </a:r>
+          </a:p>
+          <a:p>
+            <a:pPr algn="ctr"/>
+            <a:r>
+              <a:rPr lang="en-US" dirty="0">
+                <a:latin typeface="Segoe UI Semibold" panose="020B0702040204020203" pitchFamily="34" charset="0"/>
+                <a:cs typeface="Segoe UI Semibold" panose="020B0702040204020203" pitchFamily="34" charset="0"/>
+              </a:rPr>
+              <a:t>only</a:t>
+            </a:r>
+          </a:p>
+        </p:txBody>
+      </p:sp>
+      <p:pic>
+        <p:nvPicPr>
+          <p:cNvPr id="4" name="Picture 3">
+            <a:extLst>
+              <a:ext uri="{FF2B5EF4-FFF2-40B4-BE49-F238E27FC236}">
+                <a16:creationId xmlns:a16="http://schemas.microsoft.com/office/drawing/2014/main" id="{A5BA569D-1EA2-4ABD-839A-AE48EB937D09}"/>
+              </a:ext>
+            </a:extLst>
+          </p:cNvPr>
+          <p:cNvPicPr>
+            <a:picLocks noChangeAspect="1"/>
+          </p:cNvPicPr>
+          <p:nvPr/>
+        </p:nvPicPr>
+        <p:blipFill>
+          <a:blip r:embed="rId5"/>
+          <a:stretch>
+            <a:fillRect/>
+          </a:stretch>
+        </p:blipFill>
+        <p:spPr>
+          <a:xfrm>
+            <a:off x="8655391" y="5140081"/>
+            <a:ext cx="1520790" cy="1520790"/>
+          </a:xfrm>
+          <a:prstGeom prst="rect">
+            <a:avLst/>
+          </a:prstGeom>
+        </p:spPr>
+      </p:pic>
+      <p:pic>
+        <p:nvPicPr>
+          <p:cNvPr id="15" name="Graphic 14">
+            <a:extLst>
+              <a:ext uri="{FF2B5EF4-FFF2-40B4-BE49-F238E27FC236}">
+                <a16:creationId xmlns:a16="http://schemas.microsoft.com/office/drawing/2014/main" id="{9A8CE44B-5D70-4C1D-853E-2070FBD9604B}"/>
+              </a:ext>
+            </a:extLst>
+          </p:cNvPr>
+          <p:cNvPicPr>
+            <a:picLocks noChangeAspect="1"/>
+          </p:cNvPicPr>
+          <p:nvPr/>
+        </p:nvPicPr>
+        <p:blipFill>
+          <a:blip r:embed="rId6">
+            <a:extLst>
+              <a:ext uri="{28A0092B-C50C-407E-A947-70E740481C1C}">
+                <a14:useLocalDpi xmlns:a14="http://schemas.microsoft.com/office/drawing/2010/main" val="0"/>
+              </a:ext>
+              <a:ext uri="{96DAC541-7B7A-43D3-8B79-37D633B846F1}">
+                <asvg:svgBlip xmlns:asvg="http://schemas.microsoft.com/office/drawing/2016/SVG/main" r:embed="rId7"/>
+              </a:ext>
+            </a:extLst>
+          </a:blip>
+          <a:stretch>
+            <a:fillRect/>
+          </a:stretch>
+        </p:blipFill>
+        <p:spPr>
+          <a:xfrm>
+            <a:off x="9685613" y="5469832"/>
+            <a:ext cx="998985" cy="998985"/>
+          </a:xfrm>
+          <a:prstGeom prst="rect">
+            <a:avLst/>
+          </a:prstGeom>
+        </p:spPr>
+      </p:pic>
+      <p:pic>
+        <p:nvPicPr>
+          <p:cNvPr id="26" name="Picture 25">
+            <a:extLst>
+              <a:ext uri="{FF2B5EF4-FFF2-40B4-BE49-F238E27FC236}">
+                <a16:creationId xmlns:a16="http://schemas.microsoft.com/office/drawing/2014/main" id="{3E91F944-1733-4E6A-ACEC-795FA74371B1}"/>
+              </a:ext>
+            </a:extLst>
+          </p:cNvPr>
+          <p:cNvPicPr>
+            <a:picLocks noChangeAspect="1"/>
+          </p:cNvPicPr>
+          <p:nvPr/>
+        </p:nvPicPr>
+        <p:blipFill>
+          <a:blip r:embed="rId8"/>
+          <a:stretch>
+            <a:fillRect/>
+          </a:stretch>
+        </p:blipFill>
+        <p:spPr>
+          <a:xfrm>
+            <a:off x="5603326" y="4986221"/>
+            <a:ext cx="2857899" cy="1724266"/>
+          </a:xfrm>
+          <a:prstGeom prst="rect">
+            <a:avLst/>
+          </a:prstGeom>
+        </p:spPr>
+      </p:pic>
     </p:spTree>
     <p:extLst>
       <p:ext uri="{BB962C8B-B14F-4D97-AF65-F5344CB8AC3E}">
@@ -10564,21 +10549,6 @@
 </file>
 
 <file path=customXml/item1.xml><?xml version="1.0" encoding="utf-8"?>
-<p:properties xmlns:p="http://schemas.microsoft.com/office/2006/metadata/properties" xmlns:xsi="http://www.w3.org/2001/XMLSchema-instance" xmlns:pc="http://schemas.microsoft.com/office/infopath/2007/PartnerControls">
-  <documentManagement/>
-</p:properties>
-</file>
-
-<file path=customXml/item2.xml><?xml version="1.0" encoding="utf-8"?>
-<?mso-contentType ?>
-<FormTemplates xmlns="http://schemas.microsoft.com/sharepoint/v3/contenttype/forms">
-  <Display>DocumentLibraryForm</Display>
-  <Edit>DocumentLibraryForm</Edit>
-  <New>DocumentLibraryForm</New>
-</FormTemplates>
-</file>
-
-<file path=customXml/item3.xml><?xml version="1.0" encoding="utf-8"?>
 <ct:contentTypeSchema xmlns:ct="http://schemas.microsoft.com/office/2006/metadata/contentType" xmlns:ma="http://schemas.microsoft.com/office/2006/metadata/properties/metaAttributes" ct:_="" ma:_="" ma:contentTypeName="Document" ma:contentTypeID="0x010100F35A24D0774E4548A3F74A1805937787" ma:contentTypeVersion="6" ma:contentTypeDescription="Create a new document." ma:contentTypeScope="" ma:versionID="8359739455c30d0ade33bbdb97507751">
   <xsd:schema xmlns:xsd="http://www.w3.org/2001/XMLSchema" xmlns:xs="http://www.w3.org/2001/XMLSchema" xmlns:p="http://schemas.microsoft.com/office/2006/metadata/properties" xmlns:ns2="891ff61b-a37e-428b-97de-5885e131bfc9" xmlns:ns3="c2f287ea-f326-4de1-b7ed-6aa13388f4ec" targetNamespace="http://schemas.microsoft.com/office/2006/metadata/properties" ma:root="true" ma:fieldsID="9c0b5103d94c3254704a89f755691fbe" ns2:_="" ns3:_="">
     <xsd:import namespace="891ff61b-a37e-428b-97de-5885e131bfc9"/>
@@ -10757,24 +10727,22 @@
 </ct:contentTypeSchema>
 </file>
 
-<file path=customXml/itemProps1.xml><?xml version="1.0" encoding="utf-8"?>
-<ds:datastoreItem xmlns:ds="http://schemas.openxmlformats.org/officeDocument/2006/customXml" ds:itemID="{D31B9865-90DD-446F-B0D4-4F7283595776}">
-  <ds:schemaRefs>
-    <ds:schemaRef ds:uri="http://schemas.microsoft.com/office/2006/metadata/properties"/>
-    <ds:schemaRef ds:uri="http://schemas.microsoft.com/office/infopath/2007/PartnerControls"/>
-  </ds:schemaRefs>
-</ds:datastoreItem>
+<file path=customXml/item2.xml><?xml version="1.0" encoding="utf-8"?>
+<?mso-contentType ?>
+<FormTemplates xmlns="http://schemas.microsoft.com/sharepoint/v3/contenttype/forms">
+  <Display>DocumentLibraryForm</Display>
+  <Edit>DocumentLibraryForm</Edit>
+  <New>DocumentLibraryForm</New>
+</FormTemplates>
 </file>
 
-<file path=customXml/itemProps2.xml><?xml version="1.0" encoding="utf-8"?>
-<ds:datastoreItem xmlns:ds="http://schemas.openxmlformats.org/officeDocument/2006/customXml" ds:itemID="{1960DF31-949B-492E-83A6-C896865A7982}">
-  <ds:schemaRefs>
-    <ds:schemaRef ds:uri="http://schemas.microsoft.com/sharepoint/v3/contenttype/forms"/>
-  </ds:schemaRefs>
-</ds:datastoreItem>
+<file path=customXml/item3.xml><?xml version="1.0" encoding="utf-8"?>
+<p:properties xmlns:p="http://schemas.microsoft.com/office/2006/metadata/properties" xmlns:xsi="http://www.w3.org/2001/XMLSchema-instance" xmlns:pc="http://schemas.microsoft.com/office/infopath/2007/PartnerControls">
+  <documentManagement/>
+</p:properties>
 </file>
 
-<file path=customXml/itemProps3.xml><?xml version="1.0" encoding="utf-8"?>
+<file path=customXml/itemProps1.xml><?xml version="1.0" encoding="utf-8"?>
 <ds:datastoreItem xmlns:ds="http://schemas.openxmlformats.org/officeDocument/2006/customXml" ds:itemID="{2B5E6986-043A-490B-8F69-8ED84B2794ED}">
   <ds:schemaRefs>
     <ds:schemaRef ds:uri="http://schemas.microsoft.com/office/2006/metadata/contentType"/>
@@ -10791,4 +10759,21 @@
     <ds:schemaRef ds:uri="http://schemas.microsoft.com/internal/obd"/>
   </ds:schemaRefs>
 </ds:datastoreItem>
+</file>
+
+<file path=customXml/itemProps2.xml><?xml version="1.0" encoding="utf-8"?>
+<ds:datastoreItem xmlns:ds="http://schemas.openxmlformats.org/officeDocument/2006/customXml" ds:itemID="{1960DF31-949B-492E-83A6-C896865A7982}">
+  <ds:schemaRefs>
+    <ds:schemaRef ds:uri="http://schemas.microsoft.com/sharepoint/v3/contenttype/forms"/>
+  </ds:schemaRefs>
+</ds:datastoreItem>
+</file>
+
+<file path=customXml/itemProps3.xml><?xml version="1.0" encoding="utf-8"?>
+<ds:datastoreItem xmlns:ds="http://schemas.openxmlformats.org/officeDocument/2006/customXml" ds:itemID="{D31B9865-90DD-446F-B0D4-4F7283595776}">
+  <ds:schemaRefs>
+    <ds:schemaRef ds:uri="http://schemas.microsoft.com/office/2006/metadata/properties"/>
+    <ds:schemaRef ds:uri="http://schemas.microsoft.com/office/infopath/2007/PartnerControls"/>
+  </ds:schemaRefs>
+</ds:datastoreItem>
 </file>
--- a/learn-m365-pr/m365/m365-introduction-delivering-virtual-events-using-microsoft-teams-microsoft-365/media/graphix.pptx
+++ b/learn-m365-pr/m365/m365-introduction-delivering-virtual-events-using-microsoft-teams-microsoft-365/media/graphix.pptx
@@ -262,7 +262,7 @@
           <a:p>
             <a:fld id="{E71A2460-FA18-4D24-9179-39CC65D8EBB0}" type="datetimeFigureOut">
               <a:rPr lang="en-US" smtClean="0"/>
-              <a:t>5/28/2021</a:t>
+              <a:t>6/7/2021</a:t>
             </a:fld>
             <a:endParaRPr lang="en-US"/>
           </a:p>
@@ -460,7 +460,7 @@
           <a:p>
             <a:fld id="{E71A2460-FA18-4D24-9179-39CC65D8EBB0}" type="datetimeFigureOut">
               <a:rPr lang="en-US" smtClean="0"/>
-              <a:t>5/28/2021</a:t>
+              <a:t>6/7/2021</a:t>
             </a:fld>
             <a:endParaRPr lang="en-US"/>
           </a:p>
@@ -668,7 +668,7 @@
           <a:p>
             <a:fld id="{E71A2460-FA18-4D24-9179-39CC65D8EBB0}" type="datetimeFigureOut">
               <a:rPr lang="en-US" smtClean="0"/>
-              <a:t>5/28/2021</a:t>
+              <a:t>6/7/2021</a:t>
             </a:fld>
             <a:endParaRPr lang="en-US"/>
           </a:p>
@@ -866,7 +866,7 @@
           <a:p>
             <a:fld id="{E71A2460-FA18-4D24-9179-39CC65D8EBB0}" type="datetimeFigureOut">
               <a:rPr lang="en-US" smtClean="0"/>
-              <a:t>5/28/2021</a:t>
+              <a:t>6/7/2021</a:t>
             </a:fld>
             <a:endParaRPr lang="en-US"/>
           </a:p>
@@ -1141,7 +1141,7 @@
           <a:p>
             <a:fld id="{E71A2460-FA18-4D24-9179-39CC65D8EBB0}" type="datetimeFigureOut">
               <a:rPr lang="en-US" smtClean="0"/>
-              <a:t>5/28/2021</a:t>
+              <a:t>6/7/2021</a:t>
             </a:fld>
             <a:endParaRPr lang="en-US"/>
           </a:p>
@@ -1406,7 +1406,7 @@
           <a:p>
             <a:fld id="{E71A2460-FA18-4D24-9179-39CC65D8EBB0}" type="datetimeFigureOut">
               <a:rPr lang="en-US" smtClean="0"/>
-              <a:t>5/28/2021</a:t>
+              <a:t>6/7/2021</a:t>
             </a:fld>
             <a:endParaRPr lang="en-US"/>
           </a:p>
@@ -1818,7 +1818,7 @@
           <a:p>
             <a:fld id="{E71A2460-FA18-4D24-9179-39CC65D8EBB0}" type="datetimeFigureOut">
               <a:rPr lang="en-US" smtClean="0"/>
-              <a:t>5/28/2021</a:t>
+              <a:t>6/7/2021</a:t>
             </a:fld>
             <a:endParaRPr lang="en-US"/>
           </a:p>
@@ -1959,7 +1959,7 @@
           <a:p>
             <a:fld id="{E71A2460-FA18-4D24-9179-39CC65D8EBB0}" type="datetimeFigureOut">
               <a:rPr lang="en-US" smtClean="0"/>
-              <a:t>5/28/2021</a:t>
+              <a:t>6/7/2021</a:t>
             </a:fld>
             <a:endParaRPr lang="en-US"/>
           </a:p>
@@ -2072,7 +2072,7 @@
           <a:p>
             <a:fld id="{E71A2460-FA18-4D24-9179-39CC65D8EBB0}" type="datetimeFigureOut">
               <a:rPr lang="en-US" smtClean="0"/>
-              <a:t>5/28/2021</a:t>
+              <a:t>6/7/2021</a:t>
             </a:fld>
             <a:endParaRPr lang="en-US"/>
           </a:p>
@@ -2383,7 +2383,7 @@
           <a:p>
             <a:fld id="{E71A2460-FA18-4D24-9179-39CC65D8EBB0}" type="datetimeFigureOut">
               <a:rPr lang="en-US" smtClean="0"/>
-              <a:t>5/28/2021</a:t>
+              <a:t>6/7/2021</a:t>
             </a:fld>
             <a:endParaRPr lang="en-US"/>
           </a:p>
@@ -2671,7 +2671,7 @@
           <a:p>
             <a:fld id="{E71A2460-FA18-4D24-9179-39CC65D8EBB0}" type="datetimeFigureOut">
               <a:rPr lang="en-US" smtClean="0"/>
-              <a:t>5/28/2021</a:t>
+              <a:t>6/7/2021</a:t>
             </a:fld>
             <a:endParaRPr lang="en-US"/>
           </a:p>
@@ -2912,7 +2912,7 @@
           <a:p>
             <a:fld id="{E71A2460-FA18-4D24-9179-39CC65D8EBB0}" type="datetimeFigureOut">
               <a:rPr lang="en-US" smtClean="0"/>
-              <a:t>5/28/2021</a:t>
+              <a:t>6/7/2021</a:t>
             </a:fld>
             <a:endParaRPr lang="en-US"/>
           </a:p>
@@ -3329,510 +3329,12 @@
           <a:chExt cx="0" cy="0"/>
         </a:xfrm>
       </p:grpSpPr>
-      <p:sp>
-        <p:nvSpPr>
-          <p:cNvPr id="40" name="Rectangle: Rounded Corners 39">
+      <p:grpSp>
+        <p:nvGrpSpPr>
+          <p:cNvPr id="2" name="Group 1">
             <a:extLst>
               <a:ext uri="{FF2B5EF4-FFF2-40B4-BE49-F238E27FC236}">
-                <a16:creationId xmlns:a16="http://schemas.microsoft.com/office/drawing/2014/main" id="{3C8EF7AB-73DF-4035-872B-9FDA4AEB6F2B}"/>
-              </a:ext>
-            </a:extLst>
-          </p:cNvPr>
-          <p:cNvSpPr/>
-          <p:nvPr/>
-        </p:nvSpPr>
-        <p:spPr>
-          <a:xfrm>
-            <a:off x="145576" y="197129"/>
-            <a:ext cx="12046424" cy="4938977"/>
-          </a:xfrm>
-          <a:prstGeom prst="roundRect">
-            <a:avLst>
-              <a:gd name="adj" fmla="val 2118"/>
-            </a:avLst>
-          </a:prstGeom>
-          <a:solidFill>
-            <a:schemeClr val="bg1"/>
-          </a:solidFill>
-          <a:ln>
-            <a:noFill/>
-          </a:ln>
-        </p:spPr>
-        <p:style>
-          <a:lnRef idx="2">
-            <a:schemeClr val="accent1">
-              <a:shade val="50000"/>
-            </a:schemeClr>
-          </a:lnRef>
-          <a:fillRef idx="1">
-            <a:schemeClr val="accent1"/>
-          </a:fillRef>
-          <a:effectRef idx="0">
-            <a:schemeClr val="accent1"/>
-          </a:effectRef>
-          <a:fontRef idx="minor">
-            <a:schemeClr val="lt1"/>
-          </a:fontRef>
-        </p:style>
-        <p:txBody>
-          <a:bodyPr rtlCol="0" anchor="ctr"/>
-          <a:lstStyle/>
-          <a:p>
-            <a:pPr algn="ctr"/>
-            <a:endParaRPr lang="en-US"/>
-          </a:p>
-        </p:txBody>
-      </p:sp>
-      <p:sp>
-        <p:nvSpPr>
-          <p:cNvPr id="39" name="Rectangle: Rounded Corners 38">
-            <a:extLst>
-              <a:ext uri="{FF2B5EF4-FFF2-40B4-BE49-F238E27FC236}">
-                <a16:creationId xmlns:a16="http://schemas.microsoft.com/office/drawing/2014/main" id="{91A3BCBA-7E93-43A5-B611-405F0907573C}"/>
-              </a:ext>
-            </a:extLst>
-          </p:cNvPr>
-          <p:cNvSpPr/>
-          <p:nvPr/>
-        </p:nvSpPr>
-        <p:spPr>
-          <a:xfrm>
-            <a:off x="9415786" y="313900"/>
-            <a:ext cx="2676130" cy="4653886"/>
-          </a:xfrm>
-          <a:prstGeom prst="roundRect">
-            <a:avLst>
-              <a:gd name="adj" fmla="val 7092"/>
-            </a:avLst>
-          </a:prstGeom>
-          <a:solidFill>
-            <a:schemeClr val="accent1">
-              <a:lumMod val="20000"/>
-              <a:lumOff val="80000"/>
-            </a:schemeClr>
-          </a:solidFill>
-          <a:ln>
-            <a:noFill/>
-          </a:ln>
-        </p:spPr>
-        <p:style>
-          <a:lnRef idx="2">
-            <a:schemeClr val="accent1">
-              <a:shade val="50000"/>
-            </a:schemeClr>
-          </a:lnRef>
-          <a:fillRef idx="1">
-            <a:schemeClr val="accent1"/>
-          </a:fillRef>
-          <a:effectRef idx="0">
-            <a:schemeClr val="accent1"/>
-          </a:effectRef>
-          <a:fontRef idx="minor">
-            <a:schemeClr val="lt1"/>
-          </a:fontRef>
-        </p:style>
-        <p:txBody>
-          <a:bodyPr rtlCol="0" anchor="ctr"/>
-          <a:lstStyle/>
-          <a:p>
-            <a:pPr algn="ctr"/>
-            <a:endParaRPr lang="en-US"/>
-          </a:p>
-        </p:txBody>
-      </p:sp>
-      <p:sp>
-        <p:nvSpPr>
-          <p:cNvPr id="38" name="Rectangle: Rounded Corners 37">
-            <a:extLst>
-              <a:ext uri="{FF2B5EF4-FFF2-40B4-BE49-F238E27FC236}">
-                <a16:creationId xmlns:a16="http://schemas.microsoft.com/office/drawing/2014/main" id="{56EFB235-9D03-4235-86DA-D22A1C6EE991}"/>
-              </a:ext>
-            </a:extLst>
-          </p:cNvPr>
-          <p:cNvSpPr/>
-          <p:nvPr/>
-        </p:nvSpPr>
-        <p:spPr>
-          <a:xfrm>
-            <a:off x="4593764" y="313900"/>
-            <a:ext cx="2184624" cy="4653886"/>
-          </a:xfrm>
-          <a:prstGeom prst="roundRect">
-            <a:avLst>
-              <a:gd name="adj" fmla="val 7092"/>
-            </a:avLst>
-          </a:prstGeom>
-          <a:solidFill>
-            <a:schemeClr val="accent1">
-              <a:lumMod val="20000"/>
-              <a:lumOff val="80000"/>
-            </a:schemeClr>
-          </a:solidFill>
-          <a:ln>
-            <a:noFill/>
-          </a:ln>
-        </p:spPr>
-        <p:style>
-          <a:lnRef idx="2">
-            <a:schemeClr val="accent1">
-              <a:shade val="50000"/>
-            </a:schemeClr>
-          </a:lnRef>
-          <a:fillRef idx="1">
-            <a:schemeClr val="accent1"/>
-          </a:fillRef>
-          <a:effectRef idx="0">
-            <a:schemeClr val="accent1"/>
-          </a:effectRef>
-          <a:fontRef idx="minor">
-            <a:schemeClr val="lt1"/>
-          </a:fontRef>
-        </p:style>
-        <p:txBody>
-          <a:bodyPr rtlCol="0" anchor="ctr"/>
-          <a:lstStyle/>
-          <a:p>
-            <a:pPr algn="ctr"/>
-            <a:endParaRPr lang="en-US"/>
-          </a:p>
-        </p:txBody>
-      </p:sp>
-      <p:sp>
-        <p:nvSpPr>
-          <p:cNvPr id="25" name="Rectangle: Rounded Corners 24">
-            <a:extLst>
-              <a:ext uri="{FF2B5EF4-FFF2-40B4-BE49-F238E27FC236}">
-                <a16:creationId xmlns:a16="http://schemas.microsoft.com/office/drawing/2014/main" id="{7A03C9AD-67ED-421A-830B-7218373AC4B0}"/>
-              </a:ext>
-            </a:extLst>
-          </p:cNvPr>
-          <p:cNvSpPr/>
-          <p:nvPr/>
-        </p:nvSpPr>
-        <p:spPr>
-          <a:xfrm>
-            <a:off x="250209" y="313900"/>
-            <a:ext cx="1662855" cy="4653886"/>
-          </a:xfrm>
-          <a:prstGeom prst="roundRect">
-            <a:avLst>
-              <a:gd name="adj" fmla="val 7092"/>
-            </a:avLst>
-          </a:prstGeom>
-          <a:solidFill>
-            <a:schemeClr val="accent1">
-              <a:lumMod val="20000"/>
-              <a:lumOff val="80000"/>
-            </a:schemeClr>
-          </a:solidFill>
-          <a:ln>
-            <a:noFill/>
-          </a:ln>
-        </p:spPr>
-        <p:style>
-          <a:lnRef idx="2">
-            <a:schemeClr val="accent1">
-              <a:shade val="50000"/>
-            </a:schemeClr>
-          </a:lnRef>
-          <a:fillRef idx="1">
-            <a:schemeClr val="accent1"/>
-          </a:fillRef>
-          <a:effectRef idx="0">
-            <a:schemeClr val="accent1"/>
-          </a:effectRef>
-          <a:fontRef idx="minor">
-            <a:schemeClr val="lt1"/>
-          </a:fontRef>
-        </p:style>
-        <p:txBody>
-          <a:bodyPr rtlCol="0" anchor="ctr"/>
-          <a:lstStyle/>
-          <a:p>
-            <a:pPr algn="ctr"/>
-            <a:endParaRPr lang="en-US"/>
-          </a:p>
-        </p:txBody>
-      </p:sp>
-      <p:sp>
-        <p:nvSpPr>
-          <p:cNvPr id="5" name="TextBox 4">
-            <a:extLst>
-              <a:ext uri="{FF2B5EF4-FFF2-40B4-BE49-F238E27FC236}">
-                <a16:creationId xmlns:a16="http://schemas.microsoft.com/office/drawing/2014/main" id="{2BB78A5B-1978-4A2D-A9D1-656C2F3B8691}"/>
-              </a:ext>
-            </a:extLst>
-          </p:cNvPr>
-          <p:cNvSpPr txBox="1"/>
-          <p:nvPr/>
-        </p:nvSpPr>
-        <p:spPr>
-          <a:xfrm>
-            <a:off x="2038142" y="2154741"/>
-            <a:ext cx="2417522" cy="369332"/>
-          </a:xfrm>
-          <a:prstGeom prst="rect">
-            <a:avLst/>
-          </a:prstGeom>
-          <a:noFill/>
-        </p:spPr>
-        <p:txBody>
-          <a:bodyPr wrap="square">
-            <a:spAutoFit/>
-          </a:bodyPr>
-          <a:lstStyle/>
-          <a:p>
-            <a:pPr algn="ctr"/>
-            <a:r>
-              <a:rPr lang="en-US" dirty="0">
-                <a:latin typeface="Segoe UI Semibold" panose="020B0702040204020203" pitchFamily="34" charset="0"/>
-                <a:cs typeface="Segoe UI Semibold" panose="020B0702040204020203" pitchFamily="34" charset="0"/>
-              </a:rPr>
-              <a:t>Webinars</a:t>
-            </a:r>
-          </a:p>
-        </p:txBody>
-      </p:sp>
-      <p:sp>
-        <p:nvSpPr>
-          <p:cNvPr id="6" name="TextBox 5">
-            <a:extLst>
-              <a:ext uri="{FF2B5EF4-FFF2-40B4-BE49-F238E27FC236}">
-                <a16:creationId xmlns:a16="http://schemas.microsoft.com/office/drawing/2014/main" id="{37D4EC10-170C-4002-8158-2D8F1DDA269B}"/>
-              </a:ext>
-            </a:extLst>
-          </p:cNvPr>
-          <p:cNvSpPr txBox="1"/>
-          <p:nvPr/>
-        </p:nvSpPr>
-        <p:spPr>
-          <a:xfrm>
-            <a:off x="2038142" y="1482267"/>
-            <a:ext cx="2417522" cy="369332"/>
-          </a:xfrm>
-          <a:prstGeom prst="rect">
-            <a:avLst/>
-          </a:prstGeom>
-          <a:noFill/>
-        </p:spPr>
-        <p:txBody>
-          <a:bodyPr wrap="square">
-            <a:spAutoFit/>
-          </a:bodyPr>
-          <a:lstStyle/>
-          <a:p>
-            <a:pPr algn="ctr"/>
-            <a:r>
-              <a:rPr lang="en-US" dirty="0">
-                <a:latin typeface="Segoe UI Semibold" panose="020B0702040204020203" pitchFamily="34" charset="0"/>
-                <a:cs typeface="Segoe UI Semibold" panose="020B0702040204020203" pitchFamily="34" charset="0"/>
-              </a:rPr>
-              <a:t>Team meetings</a:t>
-            </a:r>
-          </a:p>
-        </p:txBody>
-      </p:sp>
-      <p:sp>
-        <p:nvSpPr>
-          <p:cNvPr id="7" name="TextBox 6">
-            <a:extLst>
-              <a:ext uri="{FF2B5EF4-FFF2-40B4-BE49-F238E27FC236}">
-                <a16:creationId xmlns:a16="http://schemas.microsoft.com/office/drawing/2014/main" id="{9F2D446E-F44A-45B7-BBB8-EA89FDF43F64}"/>
-              </a:ext>
-            </a:extLst>
-          </p:cNvPr>
-          <p:cNvSpPr txBox="1"/>
-          <p:nvPr/>
-        </p:nvSpPr>
-        <p:spPr>
-          <a:xfrm>
-            <a:off x="2038142" y="3499689"/>
-            <a:ext cx="2417522" cy="369332"/>
-          </a:xfrm>
-          <a:prstGeom prst="rect">
-            <a:avLst/>
-          </a:prstGeom>
-          <a:noFill/>
-        </p:spPr>
-        <p:txBody>
-          <a:bodyPr wrap="square">
-            <a:spAutoFit/>
-          </a:bodyPr>
-          <a:lstStyle/>
-          <a:p>
-            <a:pPr algn="ctr"/>
-            <a:r>
-              <a:rPr lang="en-US" dirty="0">
-                <a:latin typeface="Segoe UI Semibold" panose="020B0702040204020203" pitchFamily="34" charset="0"/>
-                <a:cs typeface="Segoe UI Semibold" panose="020B0702040204020203" pitchFamily="34" charset="0"/>
-              </a:rPr>
-              <a:t>Leadership townhall</a:t>
-            </a:r>
-          </a:p>
-        </p:txBody>
-      </p:sp>
-      <p:sp>
-        <p:nvSpPr>
-          <p:cNvPr id="8" name="TextBox 7">
-            <a:extLst>
-              <a:ext uri="{FF2B5EF4-FFF2-40B4-BE49-F238E27FC236}">
-                <a16:creationId xmlns:a16="http://schemas.microsoft.com/office/drawing/2014/main" id="{3D5D04F1-0839-4DF7-B74E-B8308A9FDF9F}"/>
-              </a:ext>
-            </a:extLst>
-          </p:cNvPr>
-          <p:cNvSpPr txBox="1"/>
-          <p:nvPr/>
-        </p:nvSpPr>
-        <p:spPr>
-          <a:xfrm>
-            <a:off x="2038143" y="2827215"/>
-            <a:ext cx="2417522" cy="369332"/>
-          </a:xfrm>
-          <a:prstGeom prst="rect">
-            <a:avLst/>
-          </a:prstGeom>
-          <a:noFill/>
-        </p:spPr>
-        <p:txBody>
-          <a:bodyPr wrap="square">
-            <a:spAutoFit/>
-          </a:bodyPr>
-          <a:lstStyle/>
-          <a:p>
-            <a:pPr algn="ctr"/>
-            <a:r>
-              <a:rPr lang="en-US" dirty="0">
-                <a:latin typeface="Segoe UI Semibold" panose="020B0702040204020203" pitchFamily="34" charset="0"/>
-                <a:cs typeface="Segoe UI Semibold" panose="020B0702040204020203" pitchFamily="34" charset="0"/>
-              </a:rPr>
-              <a:t>Virtual conferences</a:t>
-            </a:r>
-          </a:p>
-        </p:txBody>
-      </p:sp>
-      <p:sp>
-        <p:nvSpPr>
-          <p:cNvPr id="10" name="TextBox 9">
-            <a:extLst>
-              <a:ext uri="{FF2B5EF4-FFF2-40B4-BE49-F238E27FC236}">
-                <a16:creationId xmlns:a16="http://schemas.microsoft.com/office/drawing/2014/main" id="{29BF80D3-FF35-4786-8D4E-A5EA904BDA3F}"/>
-              </a:ext>
-            </a:extLst>
-          </p:cNvPr>
-          <p:cNvSpPr txBox="1"/>
-          <p:nvPr/>
-        </p:nvSpPr>
-        <p:spPr>
-          <a:xfrm>
-            <a:off x="2038142" y="4170361"/>
-            <a:ext cx="2417522" cy="369332"/>
-          </a:xfrm>
-          <a:prstGeom prst="rect">
-            <a:avLst/>
-          </a:prstGeom>
-          <a:noFill/>
-        </p:spPr>
-        <p:txBody>
-          <a:bodyPr wrap="square">
-            <a:spAutoFit/>
-          </a:bodyPr>
-          <a:lstStyle/>
-          <a:p>
-            <a:pPr algn="ctr"/>
-            <a:r>
-              <a:rPr lang="en-US" dirty="0">
-                <a:latin typeface="Segoe UI Semibold" panose="020B0702040204020203" pitchFamily="34" charset="0"/>
-                <a:cs typeface="Segoe UI Semibold" panose="020B0702040204020203" pitchFamily="34" charset="0"/>
-              </a:rPr>
-              <a:t>Public broadcasts</a:t>
-            </a:r>
-          </a:p>
-        </p:txBody>
-      </p:sp>
-      <p:sp>
-        <p:nvSpPr>
-          <p:cNvPr id="13" name="TextBox 12">
-            <a:extLst>
-              <a:ext uri="{FF2B5EF4-FFF2-40B4-BE49-F238E27FC236}">
-                <a16:creationId xmlns:a16="http://schemas.microsoft.com/office/drawing/2014/main" id="{145E1E57-587F-4903-8EBE-A23A5C0208D6}"/>
-              </a:ext>
-            </a:extLst>
-          </p:cNvPr>
-          <p:cNvSpPr txBox="1"/>
-          <p:nvPr/>
-        </p:nvSpPr>
-        <p:spPr>
-          <a:xfrm>
-            <a:off x="6888326" y="1482267"/>
-            <a:ext cx="2417522" cy="369332"/>
-          </a:xfrm>
-          <a:prstGeom prst="rect">
-            <a:avLst/>
-          </a:prstGeom>
-          <a:noFill/>
-        </p:spPr>
-        <p:txBody>
-          <a:bodyPr wrap="square">
-            <a:spAutoFit/>
-          </a:bodyPr>
-          <a:lstStyle/>
-          <a:p>
-            <a:pPr algn="ctr"/>
-            <a:r>
-              <a:rPr lang="en-US" dirty="0">
-                <a:latin typeface="Segoe UI Semibold" panose="020B0702040204020203" pitchFamily="34" charset="0"/>
-                <a:cs typeface="Segoe UI Semibold" panose="020B0702040204020203" pitchFamily="34" charset="0"/>
-              </a:rPr>
-              <a:t>Up to 1,000</a:t>
-            </a:r>
-          </a:p>
-        </p:txBody>
-      </p:sp>
-      <p:sp>
-        <p:nvSpPr>
-          <p:cNvPr id="14" name="TextBox 13">
-            <a:extLst>
-              <a:ext uri="{FF2B5EF4-FFF2-40B4-BE49-F238E27FC236}">
-                <a16:creationId xmlns:a16="http://schemas.microsoft.com/office/drawing/2014/main" id="{27E44A36-2259-404A-A080-C6F7D857CFCB}"/>
-              </a:ext>
-            </a:extLst>
-          </p:cNvPr>
-          <p:cNvSpPr txBox="1"/>
-          <p:nvPr/>
-        </p:nvSpPr>
-        <p:spPr>
-          <a:xfrm>
-            <a:off x="6888326" y="4164457"/>
-            <a:ext cx="2417522" cy="369332"/>
-          </a:xfrm>
-          <a:prstGeom prst="rect">
-            <a:avLst/>
-          </a:prstGeom>
-          <a:noFill/>
-        </p:spPr>
-        <p:txBody>
-          <a:bodyPr wrap="square">
-            <a:spAutoFit/>
-          </a:bodyPr>
-          <a:lstStyle/>
-          <a:p>
-            <a:pPr algn="ctr"/>
-            <a:r>
-              <a:rPr lang="en-US" dirty="0">
-                <a:latin typeface="Segoe UI Semibold" panose="020B0702040204020203" pitchFamily="34" charset="0"/>
-                <a:cs typeface="Segoe UI Semibold" panose="020B0702040204020203" pitchFamily="34" charset="0"/>
-              </a:rPr>
-              <a:t>Up to 100,000</a:t>
-            </a:r>
-          </a:p>
-        </p:txBody>
-      </p:sp>
-      <p:grpSp>
-        <p:nvGrpSpPr>
-          <p:cNvPr id="18" name="Group 17">
-            <a:extLst>
-              <a:ext uri="{FF2B5EF4-FFF2-40B4-BE49-F238E27FC236}">
-                <a16:creationId xmlns:a16="http://schemas.microsoft.com/office/drawing/2014/main" id="{C6C1D376-F014-4C60-9A25-836268EF4D65}"/>
+                <a16:creationId xmlns:a16="http://schemas.microsoft.com/office/drawing/2014/main" id="{C5D8018D-F216-42CB-B7CF-52017E75AB81}"/>
               </a:ext>
             </a:extLst>
           </p:cNvPr>
@@ -3841,12 +3343,510 @@
         </p:nvGrpSpPr>
         <p:grpSpPr>
           <a:xfrm>
-            <a:off x="282388" y="1482267"/>
-            <a:ext cx="1617654" cy="3051522"/>
-            <a:chOff x="346179" y="1482267"/>
-            <a:chExt cx="2417522" cy="3051522"/>
+            <a:off x="145576" y="197129"/>
+            <a:ext cx="12046424" cy="4938977"/>
+            <a:chOff x="145576" y="197129"/>
+            <a:chExt cx="12046424" cy="4938977"/>
           </a:xfrm>
         </p:grpSpPr>
+        <p:sp>
+          <p:nvSpPr>
+            <p:cNvPr id="40" name="Rectangle: Rounded Corners 39">
+              <a:extLst>
+                <a:ext uri="{FF2B5EF4-FFF2-40B4-BE49-F238E27FC236}">
+                  <a16:creationId xmlns:a16="http://schemas.microsoft.com/office/drawing/2014/main" id="{3C8EF7AB-73DF-4035-872B-9FDA4AEB6F2B}"/>
+                </a:ext>
+              </a:extLst>
+            </p:cNvPr>
+            <p:cNvSpPr/>
+            <p:nvPr/>
+          </p:nvSpPr>
+          <p:spPr>
+            <a:xfrm>
+              <a:off x="145576" y="197129"/>
+              <a:ext cx="12046424" cy="4938977"/>
+            </a:xfrm>
+            <a:prstGeom prst="roundRect">
+              <a:avLst>
+                <a:gd name="adj" fmla="val 2118"/>
+              </a:avLst>
+            </a:prstGeom>
+            <a:solidFill>
+              <a:schemeClr val="bg1"/>
+            </a:solidFill>
+            <a:ln>
+              <a:noFill/>
+            </a:ln>
+          </p:spPr>
+          <p:style>
+            <a:lnRef idx="2">
+              <a:schemeClr val="accent1">
+                <a:shade val="50000"/>
+              </a:schemeClr>
+            </a:lnRef>
+            <a:fillRef idx="1">
+              <a:schemeClr val="accent1"/>
+            </a:fillRef>
+            <a:effectRef idx="0">
+              <a:schemeClr val="accent1"/>
+            </a:effectRef>
+            <a:fontRef idx="minor">
+              <a:schemeClr val="lt1"/>
+            </a:fontRef>
+          </p:style>
+          <p:txBody>
+            <a:bodyPr rtlCol="0" anchor="ctr"/>
+            <a:lstStyle/>
+            <a:p>
+              <a:pPr algn="ctr"/>
+              <a:endParaRPr lang="en-US"/>
+            </a:p>
+          </p:txBody>
+        </p:sp>
+        <p:sp>
+          <p:nvSpPr>
+            <p:cNvPr id="39" name="Rectangle: Rounded Corners 38">
+              <a:extLst>
+                <a:ext uri="{FF2B5EF4-FFF2-40B4-BE49-F238E27FC236}">
+                  <a16:creationId xmlns:a16="http://schemas.microsoft.com/office/drawing/2014/main" id="{91A3BCBA-7E93-43A5-B611-405F0907573C}"/>
+                </a:ext>
+              </a:extLst>
+            </p:cNvPr>
+            <p:cNvSpPr/>
+            <p:nvPr/>
+          </p:nvSpPr>
+          <p:spPr>
+            <a:xfrm>
+              <a:off x="9415786" y="313900"/>
+              <a:ext cx="2676130" cy="4653886"/>
+            </a:xfrm>
+            <a:prstGeom prst="roundRect">
+              <a:avLst>
+                <a:gd name="adj" fmla="val 7092"/>
+              </a:avLst>
+            </a:prstGeom>
+            <a:solidFill>
+              <a:schemeClr val="accent1">
+                <a:lumMod val="20000"/>
+                <a:lumOff val="80000"/>
+              </a:schemeClr>
+            </a:solidFill>
+            <a:ln>
+              <a:noFill/>
+            </a:ln>
+          </p:spPr>
+          <p:style>
+            <a:lnRef idx="2">
+              <a:schemeClr val="accent1">
+                <a:shade val="50000"/>
+              </a:schemeClr>
+            </a:lnRef>
+            <a:fillRef idx="1">
+              <a:schemeClr val="accent1"/>
+            </a:fillRef>
+            <a:effectRef idx="0">
+              <a:schemeClr val="accent1"/>
+            </a:effectRef>
+            <a:fontRef idx="minor">
+              <a:schemeClr val="lt1"/>
+            </a:fontRef>
+          </p:style>
+          <p:txBody>
+            <a:bodyPr rtlCol="0" anchor="ctr"/>
+            <a:lstStyle/>
+            <a:p>
+              <a:pPr algn="ctr"/>
+              <a:endParaRPr lang="en-US"/>
+            </a:p>
+          </p:txBody>
+        </p:sp>
+        <p:sp>
+          <p:nvSpPr>
+            <p:cNvPr id="38" name="Rectangle: Rounded Corners 37">
+              <a:extLst>
+                <a:ext uri="{FF2B5EF4-FFF2-40B4-BE49-F238E27FC236}">
+                  <a16:creationId xmlns:a16="http://schemas.microsoft.com/office/drawing/2014/main" id="{56EFB235-9D03-4235-86DA-D22A1C6EE991}"/>
+                </a:ext>
+              </a:extLst>
+            </p:cNvPr>
+            <p:cNvSpPr/>
+            <p:nvPr/>
+          </p:nvSpPr>
+          <p:spPr>
+            <a:xfrm>
+              <a:off x="4593764" y="312749"/>
+              <a:ext cx="2184624" cy="4653886"/>
+            </a:xfrm>
+            <a:prstGeom prst="roundRect">
+              <a:avLst>
+                <a:gd name="adj" fmla="val 7092"/>
+              </a:avLst>
+            </a:prstGeom>
+            <a:solidFill>
+              <a:schemeClr val="accent1">
+                <a:lumMod val="20000"/>
+                <a:lumOff val="80000"/>
+              </a:schemeClr>
+            </a:solidFill>
+            <a:ln>
+              <a:noFill/>
+            </a:ln>
+          </p:spPr>
+          <p:style>
+            <a:lnRef idx="2">
+              <a:schemeClr val="accent1">
+                <a:shade val="50000"/>
+              </a:schemeClr>
+            </a:lnRef>
+            <a:fillRef idx="1">
+              <a:schemeClr val="accent1"/>
+            </a:fillRef>
+            <a:effectRef idx="0">
+              <a:schemeClr val="accent1"/>
+            </a:effectRef>
+            <a:fontRef idx="minor">
+              <a:schemeClr val="lt1"/>
+            </a:fontRef>
+          </p:style>
+          <p:txBody>
+            <a:bodyPr rtlCol="0" anchor="ctr"/>
+            <a:lstStyle/>
+            <a:p>
+              <a:pPr algn="ctr"/>
+              <a:endParaRPr lang="en-US"/>
+            </a:p>
+          </p:txBody>
+        </p:sp>
+        <p:sp>
+          <p:nvSpPr>
+            <p:cNvPr id="25" name="Rectangle: Rounded Corners 24">
+              <a:extLst>
+                <a:ext uri="{FF2B5EF4-FFF2-40B4-BE49-F238E27FC236}">
+                  <a16:creationId xmlns:a16="http://schemas.microsoft.com/office/drawing/2014/main" id="{7A03C9AD-67ED-421A-830B-7218373AC4B0}"/>
+                </a:ext>
+              </a:extLst>
+            </p:cNvPr>
+            <p:cNvSpPr/>
+            <p:nvPr/>
+          </p:nvSpPr>
+          <p:spPr>
+            <a:xfrm>
+              <a:off x="250209" y="313900"/>
+              <a:ext cx="1662855" cy="4653886"/>
+            </a:xfrm>
+            <a:prstGeom prst="roundRect">
+              <a:avLst>
+                <a:gd name="adj" fmla="val 7092"/>
+              </a:avLst>
+            </a:prstGeom>
+            <a:solidFill>
+              <a:schemeClr val="accent1">
+                <a:lumMod val="20000"/>
+                <a:lumOff val="80000"/>
+              </a:schemeClr>
+            </a:solidFill>
+            <a:ln>
+              <a:noFill/>
+            </a:ln>
+          </p:spPr>
+          <p:style>
+            <a:lnRef idx="2">
+              <a:schemeClr val="accent1">
+                <a:shade val="50000"/>
+              </a:schemeClr>
+            </a:lnRef>
+            <a:fillRef idx="1">
+              <a:schemeClr val="accent1"/>
+            </a:fillRef>
+            <a:effectRef idx="0">
+              <a:schemeClr val="accent1"/>
+            </a:effectRef>
+            <a:fontRef idx="minor">
+              <a:schemeClr val="lt1"/>
+            </a:fontRef>
+          </p:style>
+          <p:txBody>
+            <a:bodyPr rtlCol="0" anchor="ctr"/>
+            <a:lstStyle/>
+            <a:p>
+              <a:pPr algn="ctr"/>
+              <a:endParaRPr lang="en-US"/>
+            </a:p>
+          </p:txBody>
+        </p:sp>
+        <p:sp>
+          <p:nvSpPr>
+            <p:cNvPr id="5" name="TextBox 4">
+              <a:extLst>
+                <a:ext uri="{FF2B5EF4-FFF2-40B4-BE49-F238E27FC236}">
+                  <a16:creationId xmlns:a16="http://schemas.microsoft.com/office/drawing/2014/main" id="{2BB78A5B-1978-4A2D-A9D1-656C2F3B8691}"/>
+                </a:ext>
+              </a:extLst>
+            </p:cNvPr>
+            <p:cNvSpPr txBox="1"/>
+            <p:nvPr/>
+          </p:nvSpPr>
+          <p:spPr>
+            <a:xfrm>
+              <a:off x="2038142" y="2154741"/>
+              <a:ext cx="2417522" cy="369332"/>
+            </a:xfrm>
+            <a:prstGeom prst="rect">
+              <a:avLst/>
+            </a:prstGeom>
+            <a:noFill/>
+          </p:spPr>
+          <p:txBody>
+            <a:bodyPr wrap="square">
+              <a:spAutoFit/>
+            </a:bodyPr>
+            <a:lstStyle/>
+            <a:p>
+              <a:pPr algn="ctr"/>
+              <a:r>
+                <a:rPr lang="en-US" dirty="0">
+                  <a:latin typeface="Segoe UI Semibold" panose="020B0702040204020203" pitchFamily="34" charset="0"/>
+                  <a:cs typeface="Segoe UI Semibold" panose="020B0702040204020203" pitchFamily="34" charset="0"/>
+                </a:rPr>
+                <a:t>Webinars</a:t>
+              </a:r>
+            </a:p>
+          </p:txBody>
+        </p:sp>
+        <p:sp>
+          <p:nvSpPr>
+            <p:cNvPr id="6" name="TextBox 5">
+              <a:extLst>
+                <a:ext uri="{FF2B5EF4-FFF2-40B4-BE49-F238E27FC236}">
+                  <a16:creationId xmlns:a16="http://schemas.microsoft.com/office/drawing/2014/main" id="{37D4EC10-170C-4002-8158-2D8F1DDA269B}"/>
+                </a:ext>
+              </a:extLst>
+            </p:cNvPr>
+            <p:cNvSpPr txBox="1"/>
+            <p:nvPr/>
+          </p:nvSpPr>
+          <p:spPr>
+            <a:xfrm>
+              <a:off x="2038142" y="1197412"/>
+              <a:ext cx="2417522" cy="369332"/>
+            </a:xfrm>
+            <a:prstGeom prst="rect">
+              <a:avLst/>
+            </a:prstGeom>
+            <a:noFill/>
+          </p:spPr>
+          <p:txBody>
+            <a:bodyPr wrap="square">
+              <a:spAutoFit/>
+            </a:bodyPr>
+            <a:lstStyle/>
+            <a:p>
+              <a:pPr algn="ctr"/>
+              <a:r>
+                <a:rPr lang="en-US" dirty="0">
+                  <a:latin typeface="Segoe UI Semibold" panose="020B0702040204020203" pitchFamily="34" charset="0"/>
+                  <a:cs typeface="Segoe UI Semibold" panose="020B0702040204020203" pitchFamily="34" charset="0"/>
+                </a:rPr>
+                <a:t>Team meetings</a:t>
+              </a:r>
+            </a:p>
+          </p:txBody>
+        </p:sp>
+        <p:sp>
+          <p:nvSpPr>
+            <p:cNvPr id="7" name="TextBox 6">
+              <a:extLst>
+                <a:ext uri="{FF2B5EF4-FFF2-40B4-BE49-F238E27FC236}">
+                  <a16:creationId xmlns:a16="http://schemas.microsoft.com/office/drawing/2014/main" id="{9F2D446E-F44A-45B7-BBB8-EA89FDF43F64}"/>
+                </a:ext>
+              </a:extLst>
+            </p:cNvPr>
+            <p:cNvSpPr txBox="1"/>
+            <p:nvPr/>
+          </p:nvSpPr>
+          <p:spPr>
+            <a:xfrm>
+              <a:off x="2038142" y="3499689"/>
+              <a:ext cx="2417522" cy="369332"/>
+            </a:xfrm>
+            <a:prstGeom prst="rect">
+              <a:avLst/>
+            </a:prstGeom>
+            <a:noFill/>
+          </p:spPr>
+          <p:txBody>
+            <a:bodyPr wrap="square">
+              <a:spAutoFit/>
+            </a:bodyPr>
+            <a:lstStyle/>
+            <a:p>
+              <a:pPr algn="ctr"/>
+              <a:r>
+                <a:rPr lang="en-US" dirty="0">
+                  <a:latin typeface="Segoe UI Semibold" panose="020B0702040204020203" pitchFamily="34" charset="0"/>
+                  <a:cs typeface="Segoe UI Semibold" panose="020B0702040204020203" pitchFamily="34" charset="0"/>
+                </a:rPr>
+                <a:t>Leadership townhall</a:t>
+              </a:r>
+            </a:p>
+          </p:txBody>
+        </p:sp>
+        <p:sp>
+          <p:nvSpPr>
+            <p:cNvPr id="8" name="TextBox 7">
+              <a:extLst>
+                <a:ext uri="{FF2B5EF4-FFF2-40B4-BE49-F238E27FC236}">
+                  <a16:creationId xmlns:a16="http://schemas.microsoft.com/office/drawing/2014/main" id="{3D5D04F1-0839-4DF7-B74E-B8308A9FDF9F}"/>
+                </a:ext>
+              </a:extLst>
+            </p:cNvPr>
+            <p:cNvSpPr txBox="1"/>
+            <p:nvPr/>
+          </p:nvSpPr>
+          <p:spPr>
+            <a:xfrm>
+              <a:off x="2038143" y="2827215"/>
+              <a:ext cx="2417522" cy="369332"/>
+            </a:xfrm>
+            <a:prstGeom prst="rect">
+              <a:avLst/>
+            </a:prstGeom>
+            <a:noFill/>
+          </p:spPr>
+          <p:txBody>
+            <a:bodyPr wrap="square">
+              <a:spAutoFit/>
+            </a:bodyPr>
+            <a:lstStyle/>
+            <a:p>
+              <a:pPr algn="ctr"/>
+              <a:r>
+                <a:rPr lang="en-US" dirty="0">
+                  <a:latin typeface="Segoe UI Semibold" panose="020B0702040204020203" pitchFamily="34" charset="0"/>
+                  <a:cs typeface="Segoe UI Semibold" panose="020B0702040204020203" pitchFamily="34" charset="0"/>
+                </a:rPr>
+                <a:t>Virtual conferences</a:t>
+              </a:r>
+            </a:p>
+          </p:txBody>
+        </p:sp>
+        <p:sp>
+          <p:nvSpPr>
+            <p:cNvPr id="10" name="TextBox 9">
+              <a:extLst>
+                <a:ext uri="{FF2B5EF4-FFF2-40B4-BE49-F238E27FC236}">
+                  <a16:creationId xmlns:a16="http://schemas.microsoft.com/office/drawing/2014/main" id="{29BF80D3-FF35-4786-8D4E-A5EA904BDA3F}"/>
+                </a:ext>
+              </a:extLst>
+            </p:cNvPr>
+            <p:cNvSpPr txBox="1"/>
+            <p:nvPr/>
+          </p:nvSpPr>
+          <p:spPr>
+            <a:xfrm>
+              <a:off x="2038142" y="4170361"/>
+              <a:ext cx="2417522" cy="369332"/>
+            </a:xfrm>
+            <a:prstGeom prst="rect">
+              <a:avLst/>
+            </a:prstGeom>
+            <a:noFill/>
+          </p:spPr>
+          <p:txBody>
+            <a:bodyPr wrap="square">
+              <a:spAutoFit/>
+            </a:bodyPr>
+            <a:lstStyle/>
+            <a:p>
+              <a:pPr algn="ctr"/>
+              <a:r>
+                <a:rPr lang="en-US" dirty="0">
+                  <a:latin typeface="Segoe UI Semibold" panose="020B0702040204020203" pitchFamily="34" charset="0"/>
+                  <a:cs typeface="Segoe UI Semibold" panose="020B0702040204020203" pitchFamily="34" charset="0"/>
+                </a:rPr>
+                <a:t>Public broadcasts</a:t>
+              </a:r>
+            </a:p>
+          </p:txBody>
+        </p:sp>
+        <p:sp>
+          <p:nvSpPr>
+            <p:cNvPr id="13" name="TextBox 12">
+              <a:extLst>
+                <a:ext uri="{FF2B5EF4-FFF2-40B4-BE49-F238E27FC236}">
+                  <a16:creationId xmlns:a16="http://schemas.microsoft.com/office/drawing/2014/main" id="{145E1E57-587F-4903-8EBE-A23A5C0208D6}"/>
+                </a:ext>
+              </a:extLst>
+            </p:cNvPr>
+            <p:cNvSpPr txBox="1"/>
+            <p:nvPr/>
+          </p:nvSpPr>
+          <p:spPr>
+            <a:xfrm>
+              <a:off x="6888326" y="1197412"/>
+              <a:ext cx="2417522" cy="369332"/>
+            </a:xfrm>
+            <a:prstGeom prst="rect">
+              <a:avLst/>
+            </a:prstGeom>
+            <a:noFill/>
+          </p:spPr>
+          <p:txBody>
+            <a:bodyPr wrap="square">
+              <a:spAutoFit/>
+            </a:bodyPr>
+            <a:lstStyle/>
+            <a:p>
+              <a:pPr algn="ctr"/>
+              <a:r>
+                <a:rPr lang="en-US" dirty="0">
+                  <a:latin typeface="Segoe UI Semibold" panose="020B0702040204020203" pitchFamily="34" charset="0"/>
+                  <a:cs typeface="Segoe UI Semibold" panose="020B0702040204020203" pitchFamily="34" charset="0"/>
+                </a:rPr>
+                <a:t>Up to 1,000</a:t>
+              </a:r>
+            </a:p>
+          </p:txBody>
+        </p:sp>
+        <p:sp>
+          <p:nvSpPr>
+            <p:cNvPr id="14" name="TextBox 13">
+              <a:extLst>
+                <a:ext uri="{FF2B5EF4-FFF2-40B4-BE49-F238E27FC236}">
+                  <a16:creationId xmlns:a16="http://schemas.microsoft.com/office/drawing/2014/main" id="{27E44A36-2259-404A-A080-C6F7D857CFCB}"/>
+                </a:ext>
+              </a:extLst>
+            </p:cNvPr>
+            <p:cNvSpPr txBox="1"/>
+            <p:nvPr/>
+          </p:nvSpPr>
+          <p:spPr>
+            <a:xfrm>
+              <a:off x="6888326" y="4164457"/>
+              <a:ext cx="2417522" cy="369332"/>
+            </a:xfrm>
+            <a:prstGeom prst="rect">
+              <a:avLst/>
+            </a:prstGeom>
+            <a:noFill/>
+          </p:spPr>
+          <p:txBody>
+            <a:bodyPr wrap="square">
+              <a:spAutoFit/>
+            </a:bodyPr>
+            <a:lstStyle/>
+            <a:p>
+              <a:pPr algn="ctr"/>
+              <a:r>
+                <a:rPr lang="en-US" dirty="0">
+                  <a:latin typeface="Segoe UI Semibold" panose="020B0702040204020203" pitchFamily="34" charset="0"/>
+                  <a:cs typeface="Segoe UI Semibold" panose="020B0702040204020203" pitchFamily="34" charset="0"/>
+                </a:rPr>
+                <a:t>Up to 100,000</a:t>
+              </a:r>
+            </a:p>
+          </p:txBody>
+        </p:sp>
         <p:sp>
           <p:nvSpPr>
             <p:cNvPr id="11" name="TextBox 10">
@@ -3861,8 +3861,8 @@
           </p:nvSpPr>
           <p:spPr>
             <a:xfrm>
-              <a:off x="346179" y="1482267"/>
-              <a:ext cx="2417522" cy="369332"/>
+              <a:off x="282388" y="1197412"/>
+              <a:ext cx="1617654" cy="369332"/>
             </a:xfrm>
             <a:prstGeom prst="rect">
               <a:avLst/>
@@ -3900,8 +3900,8 @@
           </p:nvSpPr>
           <p:spPr>
             <a:xfrm>
-              <a:off x="346179" y="4164457"/>
-              <a:ext cx="2417522" cy="369332"/>
+              <a:off x="282388" y="4164457"/>
+              <a:ext cx="1617654" cy="369332"/>
             </a:xfrm>
             <a:prstGeom prst="rect">
               <a:avLst/>
@@ -3939,8 +3939,8 @@
           </p:nvSpPr>
           <p:spPr>
             <a:xfrm>
-              <a:off x="1171548" y="1851599"/>
-              <a:ext cx="766784" cy="2415601"/>
+              <a:off x="834673" y="1683516"/>
+              <a:ext cx="513084" cy="2480940"/>
             </a:xfrm>
             <a:prstGeom prst="downArrow">
               <a:avLst/>
@@ -3988,735 +3988,651 @@
             </a:p>
           </p:txBody>
         </p:sp>
-      </p:grpSp>
-      <p:pic>
-        <p:nvPicPr>
-          <p:cNvPr id="1030" name="Picture 6">
-            <a:extLst>
-              <a:ext uri="{FF2B5EF4-FFF2-40B4-BE49-F238E27FC236}">
-                <a16:creationId xmlns:a16="http://schemas.microsoft.com/office/drawing/2014/main" id="{F0C0ADF2-32AD-464C-AEF8-1EB3D32ED9F6}"/>
-              </a:ext>
-            </a:extLst>
-          </p:cNvPr>
-          <p:cNvPicPr>
-            <a:picLocks noChangeAspect="1" noChangeArrowheads="1"/>
-          </p:cNvPicPr>
-          <p:nvPr/>
-        </p:nvPicPr>
-        <p:blipFill>
-          <a:blip r:embed="rId2">
-            <a:extLst>
-              <a:ext uri="{28A0092B-C50C-407E-A947-70E740481C1C}">
-                <a14:useLocalDpi xmlns:a14="http://schemas.microsoft.com/office/drawing/2010/main" val="0"/>
-              </a:ext>
-            </a:extLst>
-          </a:blip>
-          <a:srcRect/>
-          <a:stretch>
-            <a:fillRect/>
-          </a:stretch>
-        </p:blipFill>
-        <p:spPr bwMode="auto">
-          <a:xfrm>
-            <a:off x="9614357" y="4016833"/>
-            <a:ext cx="664579" cy="664579"/>
-          </a:xfrm>
-          <a:prstGeom prst="rect">
-            <a:avLst/>
-          </a:prstGeom>
-          <a:noFill/>
-          <a:extLst>
-            <a:ext uri="{909E8E84-426E-40DD-AFC4-6F175D3DCCD1}">
-              <a14:hiddenFill xmlns:a14="http://schemas.microsoft.com/office/drawing/2010/main">
-                <a:solidFill>
-                  <a:srgbClr val="FFFFFF"/>
-                </a:solidFill>
-              </a14:hiddenFill>
-            </a:ext>
-          </a:extLst>
-        </p:spPr>
-      </p:pic>
-      <p:sp>
-        <p:nvSpPr>
-          <p:cNvPr id="22" name="TextBox 21">
-            <a:extLst>
-              <a:ext uri="{FF2B5EF4-FFF2-40B4-BE49-F238E27FC236}">
-                <a16:creationId xmlns:a16="http://schemas.microsoft.com/office/drawing/2014/main" id="{2AFDC7C3-834C-4CEC-87E1-7AC43532B6CB}"/>
-              </a:ext>
-            </a:extLst>
-          </p:cNvPr>
-          <p:cNvSpPr txBox="1"/>
-          <p:nvPr/>
-        </p:nvSpPr>
-        <p:spPr>
-          <a:xfrm>
-            <a:off x="10153858" y="4164457"/>
-            <a:ext cx="1934023" cy="369332"/>
-          </a:xfrm>
-          <a:prstGeom prst="rect">
-            <a:avLst/>
-          </a:prstGeom>
-          <a:noFill/>
-        </p:spPr>
-        <p:txBody>
-          <a:bodyPr wrap="square">
-            <a:spAutoFit/>
-          </a:bodyPr>
-          <a:lstStyle/>
-          <a:p>
-            <a:pPr algn="ctr"/>
-            <a:r>
-              <a:rPr lang="en-US" dirty="0">
-                <a:latin typeface="Segoe UI Semibold" panose="020B0702040204020203" pitchFamily="34" charset="0"/>
-                <a:cs typeface="Segoe UI Semibold" panose="020B0702040204020203" pitchFamily="34" charset="0"/>
-              </a:rPr>
-              <a:t>Live Event</a:t>
-            </a:r>
-          </a:p>
-        </p:txBody>
-      </p:sp>
-      <p:pic>
-        <p:nvPicPr>
-          <p:cNvPr id="1028" name="Picture 4">
-            <a:extLst>
-              <a:ext uri="{FF2B5EF4-FFF2-40B4-BE49-F238E27FC236}">
-                <a16:creationId xmlns:a16="http://schemas.microsoft.com/office/drawing/2014/main" id="{510C268B-822E-4B24-A9D1-7E1371FDBAB4}"/>
-              </a:ext>
-            </a:extLst>
-          </p:cNvPr>
-          <p:cNvPicPr>
-            <a:picLocks noChangeAspect="1" noChangeArrowheads="1"/>
-          </p:cNvPicPr>
-          <p:nvPr/>
-        </p:nvPicPr>
-        <p:blipFill>
-          <a:blip r:embed="rId3">
-            <a:extLst>
-              <a:ext uri="{28A0092B-C50C-407E-A947-70E740481C1C}">
-                <a14:useLocalDpi xmlns:a14="http://schemas.microsoft.com/office/drawing/2010/main" val="0"/>
-              </a:ext>
-            </a:extLst>
-          </a:blip>
-          <a:srcRect/>
-          <a:stretch>
-            <a:fillRect/>
-          </a:stretch>
-        </p:blipFill>
-        <p:spPr bwMode="auto">
-          <a:xfrm>
-            <a:off x="9614357" y="3312305"/>
-            <a:ext cx="676577" cy="676577"/>
-          </a:xfrm>
-          <a:prstGeom prst="rect">
-            <a:avLst/>
-          </a:prstGeom>
-          <a:noFill/>
-          <a:extLst>
-            <a:ext uri="{909E8E84-426E-40DD-AFC4-6F175D3DCCD1}">
-              <a14:hiddenFill xmlns:a14="http://schemas.microsoft.com/office/drawing/2010/main">
-                <a:solidFill>
-                  <a:srgbClr val="FFFFFF"/>
-                </a:solidFill>
-              </a14:hiddenFill>
-            </a:ext>
-          </a:extLst>
-        </p:spPr>
-      </p:pic>
-      <p:sp>
-        <p:nvSpPr>
-          <p:cNvPr id="23" name="TextBox 22">
-            <a:extLst>
-              <a:ext uri="{FF2B5EF4-FFF2-40B4-BE49-F238E27FC236}">
-                <a16:creationId xmlns:a16="http://schemas.microsoft.com/office/drawing/2014/main" id="{7CF8C7AD-2BAA-46DA-8C4C-DEC002626C46}"/>
-              </a:ext>
-            </a:extLst>
-          </p:cNvPr>
-          <p:cNvSpPr txBox="1"/>
-          <p:nvPr/>
-        </p:nvSpPr>
-        <p:spPr>
-          <a:xfrm>
-            <a:off x="10153858" y="3465927"/>
-            <a:ext cx="1934023" cy="369332"/>
-          </a:xfrm>
-          <a:prstGeom prst="rect">
-            <a:avLst/>
-          </a:prstGeom>
-          <a:noFill/>
-        </p:spPr>
-        <p:txBody>
-          <a:bodyPr wrap="square">
-            <a:spAutoFit/>
-          </a:bodyPr>
-          <a:lstStyle/>
-          <a:p>
-            <a:pPr algn="ctr"/>
-            <a:r>
-              <a:rPr lang="en-US" dirty="0">
-                <a:latin typeface="Segoe UI Semibold" panose="020B0702040204020203" pitchFamily="34" charset="0"/>
-                <a:cs typeface="Segoe UI Semibold" panose="020B0702040204020203" pitchFamily="34" charset="0"/>
-              </a:rPr>
-              <a:t>Live Event</a:t>
-            </a:r>
-          </a:p>
-        </p:txBody>
-      </p:sp>
-      <p:pic>
-        <p:nvPicPr>
-          <p:cNvPr id="1032" name="Picture 8">
-            <a:extLst>
-              <a:ext uri="{FF2B5EF4-FFF2-40B4-BE49-F238E27FC236}">
-                <a16:creationId xmlns:a16="http://schemas.microsoft.com/office/drawing/2014/main" id="{78677F64-53F5-4247-930B-360A4BCA6130}"/>
-              </a:ext>
-            </a:extLst>
-          </p:cNvPr>
-          <p:cNvPicPr>
-            <a:picLocks noChangeAspect="1" noChangeArrowheads="1"/>
-          </p:cNvPicPr>
-          <p:nvPr/>
-        </p:nvPicPr>
-        <p:blipFill>
-          <a:blip r:embed="rId4">
-            <a:extLst>
-              <a:ext uri="{28A0092B-C50C-407E-A947-70E740481C1C}">
-                <a14:useLocalDpi xmlns:a14="http://schemas.microsoft.com/office/drawing/2010/main" val="0"/>
-              </a:ext>
-            </a:extLst>
-          </a:blip>
-          <a:srcRect/>
-          <a:stretch>
-            <a:fillRect/>
-          </a:stretch>
-        </p:blipFill>
-        <p:spPr bwMode="auto">
-          <a:xfrm>
-            <a:off x="9614357" y="2651226"/>
-            <a:ext cx="664579" cy="616090"/>
-          </a:xfrm>
-          <a:prstGeom prst="rect">
-            <a:avLst/>
-          </a:prstGeom>
-          <a:noFill/>
-          <a:extLst>
-            <a:ext uri="{909E8E84-426E-40DD-AFC4-6F175D3DCCD1}">
-              <a14:hiddenFill xmlns:a14="http://schemas.microsoft.com/office/drawing/2010/main">
-                <a:solidFill>
-                  <a:srgbClr val="FFFFFF"/>
-                </a:solidFill>
-              </a14:hiddenFill>
-            </a:ext>
-          </a:extLst>
-        </p:spPr>
-      </p:pic>
-      <p:sp>
-        <p:nvSpPr>
-          <p:cNvPr id="24" name="TextBox 23">
-            <a:extLst>
-              <a:ext uri="{FF2B5EF4-FFF2-40B4-BE49-F238E27FC236}">
-                <a16:creationId xmlns:a16="http://schemas.microsoft.com/office/drawing/2014/main" id="{19E87826-0829-4EDC-A2DB-F93610FA66B5}"/>
-              </a:ext>
-            </a:extLst>
-          </p:cNvPr>
-          <p:cNvSpPr txBox="1"/>
-          <p:nvPr/>
-        </p:nvSpPr>
-        <p:spPr>
-          <a:xfrm>
-            <a:off x="10153857" y="2778069"/>
-            <a:ext cx="1934023" cy="369332"/>
-          </a:xfrm>
-          <a:prstGeom prst="rect">
-            <a:avLst/>
-          </a:prstGeom>
-          <a:noFill/>
-        </p:spPr>
-        <p:txBody>
-          <a:bodyPr wrap="square">
-            <a:spAutoFit/>
-          </a:bodyPr>
-          <a:lstStyle/>
-          <a:p>
-            <a:pPr algn="ctr"/>
-            <a:r>
-              <a:rPr lang="en-US" dirty="0">
-                <a:latin typeface="Segoe UI Semibold" panose="020B0702040204020203" pitchFamily="34" charset="0"/>
-                <a:cs typeface="Segoe UI Semibold" panose="020B0702040204020203" pitchFamily="34" charset="0"/>
-              </a:rPr>
-              <a:t>Live Event</a:t>
-            </a:r>
-          </a:p>
-        </p:txBody>
-      </p:sp>
-      <p:sp>
-        <p:nvSpPr>
-          <p:cNvPr id="29" name="TextBox 28">
-            <a:extLst>
-              <a:ext uri="{FF2B5EF4-FFF2-40B4-BE49-F238E27FC236}">
-                <a16:creationId xmlns:a16="http://schemas.microsoft.com/office/drawing/2014/main" id="{CCFB7C2A-9F76-4137-AAE0-6958951B438A}"/>
-              </a:ext>
-            </a:extLst>
-          </p:cNvPr>
-          <p:cNvSpPr txBox="1"/>
-          <p:nvPr/>
-        </p:nvSpPr>
-        <p:spPr>
-          <a:xfrm>
-            <a:off x="250209" y="389183"/>
-            <a:ext cx="1649834" cy="369332"/>
-          </a:xfrm>
-          <a:prstGeom prst="rect">
-            <a:avLst/>
-          </a:prstGeom>
-          <a:noFill/>
-        </p:spPr>
-        <p:txBody>
-          <a:bodyPr wrap="square">
-            <a:spAutoFit/>
-          </a:bodyPr>
-          <a:lstStyle/>
-          <a:p>
-            <a:pPr algn="ctr"/>
-            <a:r>
-              <a:rPr lang="en-US" b="1" dirty="0">
+        <p:sp>
+          <p:nvSpPr>
+            <p:cNvPr id="29" name="TextBox 28">
+              <a:extLst>
+                <a:ext uri="{FF2B5EF4-FFF2-40B4-BE49-F238E27FC236}">
+                  <a16:creationId xmlns:a16="http://schemas.microsoft.com/office/drawing/2014/main" id="{CCFB7C2A-9F76-4137-AAE0-6958951B438A}"/>
+                </a:ext>
+              </a:extLst>
+            </p:cNvPr>
+            <p:cNvSpPr txBox="1"/>
+            <p:nvPr/>
+          </p:nvSpPr>
+          <p:spPr>
+            <a:xfrm>
+              <a:off x="250209" y="389183"/>
+              <a:ext cx="1649834" cy="369332"/>
+            </a:xfrm>
+            <a:prstGeom prst="rect">
+              <a:avLst/>
+            </a:prstGeom>
+            <a:noFill/>
+          </p:spPr>
+          <p:txBody>
+            <a:bodyPr wrap="square">
+              <a:spAutoFit/>
+            </a:bodyPr>
+            <a:lstStyle/>
+            <a:p>
+              <a:pPr algn="ctr"/>
+              <a:r>
+                <a:rPr lang="en-US" b="1" dirty="0">
+                  <a:latin typeface="Segoe UI" panose="020B0502040204020203" pitchFamily="34" charset="0"/>
+                  <a:cs typeface="Segoe UI" panose="020B0502040204020203" pitchFamily="34" charset="0"/>
+                </a:rPr>
+                <a:t>Complexity</a:t>
+              </a:r>
+            </a:p>
+          </p:txBody>
+        </p:sp>
+        <p:sp>
+          <p:nvSpPr>
+            <p:cNvPr id="30" name="TextBox 29">
+              <a:extLst>
+                <a:ext uri="{FF2B5EF4-FFF2-40B4-BE49-F238E27FC236}">
+                  <a16:creationId xmlns:a16="http://schemas.microsoft.com/office/drawing/2014/main" id="{FD1A08DE-EB63-4583-B436-45494A1BD619}"/>
+                </a:ext>
+              </a:extLst>
+            </p:cNvPr>
+            <p:cNvSpPr txBox="1"/>
+            <p:nvPr/>
+          </p:nvSpPr>
+          <p:spPr>
+            <a:xfrm>
+              <a:off x="2038142" y="389183"/>
+              <a:ext cx="2417522" cy="369332"/>
+            </a:xfrm>
+            <a:prstGeom prst="rect">
+              <a:avLst/>
+            </a:prstGeom>
+            <a:noFill/>
+          </p:spPr>
+          <p:txBody>
+            <a:bodyPr wrap="square">
+              <a:spAutoFit/>
+            </a:bodyPr>
+            <a:lstStyle/>
+            <a:p>
+              <a:pPr algn="ctr"/>
+              <a:r>
+                <a:rPr lang="en-GB" b="1" dirty="0">
+                  <a:latin typeface="Segoe UI" panose="020B0502040204020203" pitchFamily="34" charset="0"/>
+                  <a:cs typeface="Segoe UI" panose="020B0502040204020203" pitchFamily="34" charset="0"/>
+                </a:rPr>
+                <a:t>E</a:t>
+              </a:r>
+              <a:r>
+                <a:rPr lang="en-US" b="1" dirty="0">
+                  <a:latin typeface="Segoe UI" panose="020B0502040204020203" pitchFamily="34" charset="0"/>
+                  <a:cs typeface="Segoe UI" panose="020B0502040204020203" pitchFamily="34" charset="0"/>
+                </a:rPr>
+                <a:t>vent scenario</a:t>
+              </a:r>
+            </a:p>
+          </p:txBody>
+        </p:sp>
+        <p:sp>
+          <p:nvSpPr>
+            <p:cNvPr id="31" name="TextBox 30">
+              <a:extLst>
+                <a:ext uri="{FF2B5EF4-FFF2-40B4-BE49-F238E27FC236}">
+                  <a16:creationId xmlns:a16="http://schemas.microsoft.com/office/drawing/2014/main" id="{EEEE0359-4F96-4974-B2A7-02EA42A78F2E}"/>
+                </a:ext>
+              </a:extLst>
+            </p:cNvPr>
+            <p:cNvSpPr txBox="1"/>
+            <p:nvPr/>
+          </p:nvSpPr>
+          <p:spPr>
+            <a:xfrm>
+              <a:off x="4455664" y="389183"/>
+              <a:ext cx="2417522" cy="369332"/>
+            </a:xfrm>
+            <a:prstGeom prst="rect">
+              <a:avLst/>
+            </a:prstGeom>
+            <a:noFill/>
+          </p:spPr>
+          <p:txBody>
+            <a:bodyPr wrap="square">
+              <a:spAutoFit/>
+            </a:bodyPr>
+            <a:lstStyle/>
+            <a:p>
+              <a:pPr algn="ctr"/>
+              <a:r>
+                <a:rPr lang="en-GB" b="1" dirty="0">
+                  <a:latin typeface="Segoe UI" panose="020B0502040204020203" pitchFamily="34" charset="0"/>
+                  <a:cs typeface="Segoe UI" panose="020B0502040204020203" pitchFamily="34" charset="0"/>
+                </a:rPr>
+                <a:t>Production level</a:t>
+              </a:r>
+              <a:endParaRPr lang="en-US" b="1" dirty="0">
                 <a:latin typeface="Segoe UI" panose="020B0502040204020203" pitchFamily="34" charset="0"/>
                 <a:cs typeface="Segoe UI" panose="020B0502040204020203" pitchFamily="34" charset="0"/>
-              </a:rPr>
-              <a:t>Complexity</a:t>
-            </a:r>
-          </a:p>
-        </p:txBody>
-      </p:sp>
-      <p:sp>
-        <p:nvSpPr>
-          <p:cNvPr id="30" name="TextBox 29">
-            <a:extLst>
-              <a:ext uri="{FF2B5EF4-FFF2-40B4-BE49-F238E27FC236}">
-                <a16:creationId xmlns:a16="http://schemas.microsoft.com/office/drawing/2014/main" id="{FD1A08DE-EB63-4583-B436-45494A1BD619}"/>
-              </a:ext>
-            </a:extLst>
-          </p:cNvPr>
-          <p:cNvSpPr txBox="1"/>
-          <p:nvPr/>
-        </p:nvSpPr>
-        <p:spPr>
-          <a:xfrm>
-            <a:off x="2038142" y="389183"/>
-            <a:ext cx="2417522" cy="369332"/>
-          </a:xfrm>
-          <a:prstGeom prst="rect">
-            <a:avLst/>
-          </a:prstGeom>
-          <a:noFill/>
-        </p:spPr>
-        <p:txBody>
-          <a:bodyPr wrap="square">
-            <a:spAutoFit/>
-          </a:bodyPr>
-          <a:lstStyle/>
-          <a:p>
-            <a:pPr algn="ctr"/>
-            <a:r>
-              <a:rPr lang="en-GB" b="1" dirty="0">
+              </a:endParaRPr>
+            </a:p>
+          </p:txBody>
+        </p:sp>
+        <p:sp>
+          <p:nvSpPr>
+            <p:cNvPr id="32" name="TextBox 31">
+              <a:extLst>
+                <a:ext uri="{FF2B5EF4-FFF2-40B4-BE49-F238E27FC236}">
+                  <a16:creationId xmlns:a16="http://schemas.microsoft.com/office/drawing/2014/main" id="{2A20AE1D-773C-410E-8527-D9D33690397A}"/>
+                </a:ext>
+              </a:extLst>
+            </p:cNvPr>
+            <p:cNvSpPr txBox="1"/>
+            <p:nvPr/>
+          </p:nvSpPr>
+          <p:spPr>
+            <a:xfrm>
+              <a:off x="6888326" y="389183"/>
+              <a:ext cx="2417522" cy="369332"/>
+            </a:xfrm>
+            <a:prstGeom prst="rect">
+              <a:avLst/>
+            </a:prstGeom>
+            <a:noFill/>
+          </p:spPr>
+          <p:txBody>
+            <a:bodyPr wrap="square">
+              <a:spAutoFit/>
+            </a:bodyPr>
+            <a:lstStyle/>
+            <a:p>
+              <a:pPr algn="ctr"/>
+              <a:r>
+                <a:rPr lang="en-GB" b="1" dirty="0">
+                  <a:latin typeface="Segoe UI" panose="020B0502040204020203" pitchFamily="34" charset="0"/>
+                  <a:cs typeface="Segoe UI" panose="020B0502040204020203" pitchFamily="34" charset="0"/>
+                </a:rPr>
+                <a:t>Attendees</a:t>
+              </a:r>
+              <a:endParaRPr lang="en-US" b="1" dirty="0">
                 <a:latin typeface="Segoe UI" panose="020B0502040204020203" pitchFamily="34" charset="0"/>
                 <a:cs typeface="Segoe UI" panose="020B0502040204020203" pitchFamily="34" charset="0"/>
-              </a:rPr>
-              <a:t>E</a:t>
-            </a:r>
-            <a:r>
-              <a:rPr lang="en-US" b="1" dirty="0">
+              </a:endParaRPr>
+            </a:p>
+          </p:txBody>
+        </p:sp>
+        <p:sp>
+          <p:nvSpPr>
+            <p:cNvPr id="33" name="TextBox 32">
+              <a:extLst>
+                <a:ext uri="{FF2B5EF4-FFF2-40B4-BE49-F238E27FC236}">
+                  <a16:creationId xmlns:a16="http://schemas.microsoft.com/office/drawing/2014/main" id="{E22BB1FA-7C52-4C40-B411-4B42F73ED3A1}"/>
+                </a:ext>
+              </a:extLst>
+            </p:cNvPr>
+            <p:cNvSpPr txBox="1"/>
+            <p:nvPr/>
+          </p:nvSpPr>
+          <p:spPr>
+            <a:xfrm>
+              <a:off x="9547606" y="389183"/>
+              <a:ext cx="2417522" cy="369332"/>
+            </a:xfrm>
+            <a:prstGeom prst="rect">
+              <a:avLst/>
+            </a:prstGeom>
+            <a:noFill/>
+          </p:spPr>
+          <p:txBody>
+            <a:bodyPr wrap="square">
+              <a:spAutoFit/>
+            </a:bodyPr>
+            <a:lstStyle/>
+            <a:p>
+              <a:pPr algn="ctr"/>
+              <a:r>
+                <a:rPr lang="en-GB" b="1" dirty="0">
+                  <a:latin typeface="Segoe UI" panose="020B0502040204020203" pitchFamily="34" charset="0"/>
+                  <a:cs typeface="Segoe UI" panose="020B0502040204020203" pitchFamily="34" charset="0"/>
+                </a:rPr>
+                <a:t>Solution</a:t>
+              </a:r>
+              <a:endParaRPr lang="en-US" b="1" dirty="0">
                 <a:latin typeface="Segoe UI" panose="020B0502040204020203" pitchFamily="34" charset="0"/>
                 <a:cs typeface="Segoe UI" panose="020B0502040204020203" pitchFamily="34" charset="0"/>
-              </a:rPr>
-              <a:t>vent scenario</a:t>
-            </a:r>
-          </a:p>
-        </p:txBody>
-      </p:sp>
-      <p:sp>
-        <p:nvSpPr>
-          <p:cNvPr id="31" name="TextBox 30">
-            <a:extLst>
-              <a:ext uri="{FF2B5EF4-FFF2-40B4-BE49-F238E27FC236}">
-                <a16:creationId xmlns:a16="http://schemas.microsoft.com/office/drawing/2014/main" id="{EEEE0359-4F96-4974-B2A7-02EA42A78F2E}"/>
-              </a:ext>
-            </a:extLst>
-          </p:cNvPr>
-          <p:cNvSpPr txBox="1"/>
-          <p:nvPr/>
-        </p:nvSpPr>
-        <p:spPr>
-          <a:xfrm>
-            <a:off x="4455664" y="389183"/>
-            <a:ext cx="2417522" cy="369332"/>
-          </a:xfrm>
-          <a:prstGeom prst="rect">
-            <a:avLst/>
-          </a:prstGeom>
-          <a:noFill/>
-        </p:spPr>
-        <p:txBody>
-          <a:bodyPr wrap="square">
-            <a:spAutoFit/>
-          </a:bodyPr>
-          <a:lstStyle/>
-          <a:p>
-            <a:pPr algn="ctr"/>
-            <a:r>
-              <a:rPr lang="en-GB" b="1" dirty="0">
-                <a:latin typeface="Segoe UI" panose="020B0502040204020203" pitchFamily="34" charset="0"/>
-                <a:cs typeface="Segoe UI" panose="020B0502040204020203" pitchFamily="34" charset="0"/>
-              </a:rPr>
-              <a:t>Production level</a:t>
-            </a:r>
-            <a:endParaRPr lang="en-US" b="1" dirty="0">
-              <a:latin typeface="Segoe UI" panose="020B0502040204020203" pitchFamily="34" charset="0"/>
-              <a:cs typeface="Segoe UI" panose="020B0502040204020203" pitchFamily="34" charset="0"/>
-            </a:endParaRPr>
-          </a:p>
-        </p:txBody>
-      </p:sp>
-      <p:sp>
-        <p:nvSpPr>
-          <p:cNvPr id="32" name="TextBox 31">
-            <a:extLst>
-              <a:ext uri="{FF2B5EF4-FFF2-40B4-BE49-F238E27FC236}">
-                <a16:creationId xmlns:a16="http://schemas.microsoft.com/office/drawing/2014/main" id="{2A20AE1D-773C-410E-8527-D9D33690397A}"/>
-              </a:ext>
-            </a:extLst>
-          </p:cNvPr>
-          <p:cNvSpPr txBox="1"/>
-          <p:nvPr/>
-        </p:nvSpPr>
-        <p:spPr>
-          <a:xfrm>
-            <a:off x="6888326" y="389183"/>
-            <a:ext cx="2417522" cy="369332"/>
-          </a:xfrm>
-          <a:prstGeom prst="rect">
-            <a:avLst/>
-          </a:prstGeom>
-          <a:noFill/>
-        </p:spPr>
-        <p:txBody>
-          <a:bodyPr wrap="square">
-            <a:spAutoFit/>
-          </a:bodyPr>
-          <a:lstStyle/>
-          <a:p>
-            <a:pPr algn="ctr"/>
-            <a:r>
-              <a:rPr lang="en-GB" b="1" dirty="0">
-                <a:latin typeface="Segoe UI" panose="020B0502040204020203" pitchFamily="34" charset="0"/>
-                <a:cs typeface="Segoe UI" panose="020B0502040204020203" pitchFamily="34" charset="0"/>
-              </a:rPr>
-              <a:t>Attendees</a:t>
-            </a:r>
-            <a:endParaRPr lang="en-US" b="1" dirty="0">
-              <a:latin typeface="Segoe UI" panose="020B0502040204020203" pitchFamily="34" charset="0"/>
-              <a:cs typeface="Segoe UI" panose="020B0502040204020203" pitchFamily="34" charset="0"/>
-            </a:endParaRPr>
-          </a:p>
-        </p:txBody>
-      </p:sp>
-      <p:sp>
-        <p:nvSpPr>
-          <p:cNvPr id="33" name="TextBox 32">
-            <a:extLst>
-              <a:ext uri="{FF2B5EF4-FFF2-40B4-BE49-F238E27FC236}">
-                <a16:creationId xmlns:a16="http://schemas.microsoft.com/office/drawing/2014/main" id="{E22BB1FA-7C52-4C40-B411-4B42F73ED3A1}"/>
-              </a:ext>
-            </a:extLst>
-          </p:cNvPr>
-          <p:cNvSpPr txBox="1"/>
-          <p:nvPr/>
-        </p:nvSpPr>
-        <p:spPr>
-          <a:xfrm>
-            <a:off x="9547606" y="389183"/>
-            <a:ext cx="2417522" cy="369332"/>
-          </a:xfrm>
-          <a:prstGeom prst="rect">
-            <a:avLst/>
-          </a:prstGeom>
-          <a:noFill/>
-        </p:spPr>
-        <p:txBody>
-          <a:bodyPr wrap="square">
-            <a:spAutoFit/>
-          </a:bodyPr>
-          <a:lstStyle/>
-          <a:p>
-            <a:pPr algn="ctr"/>
-            <a:r>
-              <a:rPr lang="en-GB" b="1" dirty="0">
-                <a:latin typeface="Segoe UI" panose="020B0502040204020203" pitchFamily="34" charset="0"/>
-                <a:cs typeface="Segoe UI" panose="020B0502040204020203" pitchFamily="34" charset="0"/>
-              </a:rPr>
-              <a:t>Solution</a:t>
-            </a:r>
-            <a:endParaRPr lang="en-US" b="1" dirty="0">
-              <a:latin typeface="Segoe UI" panose="020B0502040204020203" pitchFamily="34" charset="0"/>
-              <a:cs typeface="Segoe UI" panose="020B0502040204020203" pitchFamily="34" charset="0"/>
-            </a:endParaRPr>
-          </a:p>
-        </p:txBody>
-      </p:sp>
-      <p:sp>
-        <p:nvSpPr>
-          <p:cNvPr id="34" name="TextBox 33">
-            <a:extLst>
-              <a:ext uri="{FF2B5EF4-FFF2-40B4-BE49-F238E27FC236}">
-                <a16:creationId xmlns:a16="http://schemas.microsoft.com/office/drawing/2014/main" id="{EAE82C39-430B-42C1-8F88-25BB323F2A3E}"/>
-              </a:ext>
-            </a:extLst>
-          </p:cNvPr>
-          <p:cNvSpPr txBox="1"/>
-          <p:nvPr/>
-        </p:nvSpPr>
-        <p:spPr>
-          <a:xfrm>
-            <a:off x="4455664" y="1482267"/>
-            <a:ext cx="2417522" cy="646331"/>
-          </a:xfrm>
-          <a:prstGeom prst="rect">
-            <a:avLst/>
-          </a:prstGeom>
-          <a:noFill/>
-        </p:spPr>
-        <p:txBody>
-          <a:bodyPr wrap="square">
-            <a:spAutoFit/>
-          </a:bodyPr>
-          <a:lstStyle/>
-          <a:p>
-            <a:pPr algn="ctr"/>
-            <a:r>
-              <a:rPr lang="en-US" dirty="0">
-                <a:latin typeface="Segoe UI Semibold" panose="020B0702040204020203" pitchFamily="34" charset="0"/>
-                <a:cs typeface="Segoe UI Semibold" panose="020B0702040204020203" pitchFamily="34" charset="0"/>
-              </a:rPr>
-              <a:t>Webcams or</a:t>
-            </a:r>
-          </a:p>
-          <a:p>
-            <a:pPr algn="ctr"/>
-            <a:r>
-              <a:rPr lang="en-US" dirty="0">
-                <a:latin typeface="Segoe UI Semibold" panose="020B0702040204020203" pitchFamily="34" charset="0"/>
-                <a:cs typeface="Segoe UI Semibold" panose="020B0702040204020203" pitchFamily="34" charset="0"/>
-              </a:rPr>
-              <a:t>screen share</a:t>
-            </a:r>
-          </a:p>
-        </p:txBody>
-      </p:sp>
-      <p:sp>
-        <p:nvSpPr>
-          <p:cNvPr id="35" name="TextBox 34">
-            <a:extLst>
-              <a:ext uri="{FF2B5EF4-FFF2-40B4-BE49-F238E27FC236}">
-                <a16:creationId xmlns:a16="http://schemas.microsoft.com/office/drawing/2014/main" id="{47081560-CE46-4EBA-AECC-B1C89D39610C}"/>
-              </a:ext>
-            </a:extLst>
-          </p:cNvPr>
-          <p:cNvSpPr txBox="1"/>
-          <p:nvPr/>
-        </p:nvSpPr>
-        <p:spPr>
-          <a:xfrm>
-            <a:off x="4455664" y="2683257"/>
-            <a:ext cx="2417522" cy="646331"/>
-          </a:xfrm>
-          <a:prstGeom prst="rect">
-            <a:avLst/>
-          </a:prstGeom>
-          <a:noFill/>
-        </p:spPr>
-        <p:txBody>
-          <a:bodyPr wrap="square">
-            <a:spAutoFit/>
-          </a:bodyPr>
-          <a:lstStyle/>
-          <a:p>
-            <a:pPr algn="ctr"/>
-            <a:r>
-              <a:rPr lang="en-US" dirty="0">
-                <a:latin typeface="Segoe UI Semibold" panose="020B0702040204020203" pitchFamily="34" charset="0"/>
-                <a:cs typeface="Segoe UI Semibold" panose="020B0702040204020203" pitchFamily="34" charset="0"/>
-              </a:rPr>
-              <a:t>Could be custom </a:t>
-            </a:r>
-          </a:p>
-          <a:p>
-            <a:pPr algn="ctr"/>
-            <a:r>
-              <a:rPr lang="en-US" dirty="0">
-                <a:latin typeface="Segoe UI Semibold" panose="020B0702040204020203" pitchFamily="34" charset="0"/>
-                <a:cs typeface="Segoe UI Semibold" panose="020B0702040204020203" pitchFamily="34" charset="0"/>
-              </a:rPr>
-              <a:t>production</a:t>
-            </a:r>
-          </a:p>
-        </p:txBody>
-      </p:sp>
-      <p:sp>
-        <p:nvSpPr>
-          <p:cNvPr id="36" name="TextBox 35">
-            <a:extLst>
-              <a:ext uri="{FF2B5EF4-FFF2-40B4-BE49-F238E27FC236}">
-                <a16:creationId xmlns:a16="http://schemas.microsoft.com/office/drawing/2014/main" id="{4C2A7302-0C8A-4A43-9681-466D42F2943D}"/>
-              </a:ext>
-            </a:extLst>
-          </p:cNvPr>
-          <p:cNvSpPr txBox="1"/>
-          <p:nvPr/>
-        </p:nvSpPr>
-        <p:spPr>
-          <a:xfrm>
-            <a:off x="4455664" y="3887456"/>
-            <a:ext cx="2417522" cy="923330"/>
-          </a:xfrm>
-          <a:prstGeom prst="rect">
-            <a:avLst/>
-          </a:prstGeom>
-          <a:noFill/>
-        </p:spPr>
-        <p:txBody>
-          <a:bodyPr wrap="square">
-            <a:spAutoFit/>
-          </a:bodyPr>
-          <a:lstStyle/>
-          <a:p>
-            <a:pPr algn="ctr"/>
-            <a:r>
-              <a:rPr lang="en-US" dirty="0">
-                <a:latin typeface="Segoe UI Semibold" panose="020B0702040204020203" pitchFamily="34" charset="0"/>
-                <a:cs typeface="Segoe UI Semibold" panose="020B0702040204020203" pitchFamily="34" charset="0"/>
-              </a:rPr>
-              <a:t>Custom </a:t>
-            </a:r>
-          </a:p>
-          <a:p>
-            <a:pPr algn="ctr"/>
-            <a:r>
-              <a:rPr lang="en-US" dirty="0">
-                <a:latin typeface="Segoe UI Semibold" panose="020B0702040204020203" pitchFamily="34" charset="0"/>
-                <a:cs typeface="Segoe UI Semibold" panose="020B0702040204020203" pitchFamily="34" charset="0"/>
-              </a:rPr>
-              <a:t>Production </a:t>
-            </a:r>
-          </a:p>
-          <a:p>
-            <a:pPr algn="ctr"/>
-            <a:r>
-              <a:rPr lang="en-US" dirty="0">
-                <a:latin typeface="Segoe UI Semibold" panose="020B0702040204020203" pitchFamily="34" charset="0"/>
-                <a:cs typeface="Segoe UI Semibold" panose="020B0702040204020203" pitchFamily="34" charset="0"/>
-              </a:rPr>
-              <a:t>only</a:t>
-            </a:r>
-          </a:p>
-        </p:txBody>
-      </p:sp>
-      <p:pic>
-        <p:nvPicPr>
-          <p:cNvPr id="4" name="Picture 3">
-            <a:extLst>
-              <a:ext uri="{FF2B5EF4-FFF2-40B4-BE49-F238E27FC236}">
-                <a16:creationId xmlns:a16="http://schemas.microsoft.com/office/drawing/2014/main" id="{A5BA569D-1EA2-4ABD-839A-AE48EB937D09}"/>
-              </a:ext>
-            </a:extLst>
-          </p:cNvPr>
-          <p:cNvPicPr>
-            <a:picLocks noChangeAspect="1"/>
-          </p:cNvPicPr>
-          <p:nvPr/>
-        </p:nvPicPr>
-        <p:blipFill>
-          <a:blip r:embed="rId5"/>
-          <a:stretch>
-            <a:fillRect/>
-          </a:stretch>
-        </p:blipFill>
-        <p:spPr>
-          <a:xfrm>
-            <a:off x="8655391" y="5140081"/>
-            <a:ext cx="1520790" cy="1520790"/>
-          </a:xfrm>
-          <a:prstGeom prst="rect">
-            <a:avLst/>
-          </a:prstGeom>
-        </p:spPr>
-      </p:pic>
-      <p:pic>
-        <p:nvPicPr>
-          <p:cNvPr id="15" name="Graphic 14">
-            <a:extLst>
-              <a:ext uri="{FF2B5EF4-FFF2-40B4-BE49-F238E27FC236}">
-                <a16:creationId xmlns:a16="http://schemas.microsoft.com/office/drawing/2014/main" id="{9A8CE44B-5D70-4C1D-853E-2070FBD9604B}"/>
-              </a:ext>
-            </a:extLst>
-          </p:cNvPr>
-          <p:cNvPicPr>
-            <a:picLocks noChangeAspect="1"/>
-          </p:cNvPicPr>
-          <p:nvPr/>
-        </p:nvPicPr>
-        <p:blipFill>
-          <a:blip r:embed="rId6">
-            <a:extLst>
-              <a:ext uri="{28A0092B-C50C-407E-A947-70E740481C1C}">
-                <a14:useLocalDpi xmlns:a14="http://schemas.microsoft.com/office/drawing/2010/main" val="0"/>
-              </a:ext>
-              <a:ext uri="{96DAC541-7B7A-43D3-8B79-37D633B846F1}">
-                <asvg:svgBlip xmlns:asvg="http://schemas.microsoft.com/office/drawing/2016/SVG/main" r:embed="rId7"/>
-              </a:ext>
-            </a:extLst>
-          </a:blip>
-          <a:stretch>
-            <a:fillRect/>
-          </a:stretch>
-        </p:blipFill>
-        <p:spPr>
-          <a:xfrm>
-            <a:off x="9685613" y="5469832"/>
-            <a:ext cx="998985" cy="998985"/>
-          </a:xfrm>
-          <a:prstGeom prst="rect">
-            <a:avLst/>
-          </a:prstGeom>
-        </p:spPr>
-      </p:pic>
-      <p:pic>
-        <p:nvPicPr>
-          <p:cNvPr id="26" name="Picture 25">
-            <a:extLst>
-              <a:ext uri="{FF2B5EF4-FFF2-40B4-BE49-F238E27FC236}">
-                <a16:creationId xmlns:a16="http://schemas.microsoft.com/office/drawing/2014/main" id="{3E91F944-1733-4E6A-ACEC-795FA74371B1}"/>
-              </a:ext>
-            </a:extLst>
-          </p:cNvPr>
-          <p:cNvPicPr>
-            <a:picLocks noChangeAspect="1"/>
-          </p:cNvPicPr>
-          <p:nvPr/>
-        </p:nvPicPr>
-        <p:blipFill>
-          <a:blip r:embed="rId8"/>
-          <a:stretch>
-            <a:fillRect/>
-          </a:stretch>
-        </p:blipFill>
-        <p:spPr>
-          <a:xfrm>
-            <a:off x="5603326" y="4986221"/>
-            <a:ext cx="2857899" cy="1724266"/>
-          </a:xfrm>
-          <a:prstGeom prst="rect">
-            <a:avLst/>
-          </a:prstGeom>
-        </p:spPr>
-      </p:pic>
+              </a:endParaRPr>
+            </a:p>
+          </p:txBody>
+        </p:sp>
+        <p:sp>
+          <p:nvSpPr>
+            <p:cNvPr id="34" name="TextBox 33">
+              <a:extLst>
+                <a:ext uri="{FF2B5EF4-FFF2-40B4-BE49-F238E27FC236}">
+                  <a16:creationId xmlns:a16="http://schemas.microsoft.com/office/drawing/2014/main" id="{EAE82C39-430B-42C1-8F88-25BB323F2A3E}"/>
+                </a:ext>
+              </a:extLst>
+            </p:cNvPr>
+            <p:cNvSpPr txBox="1"/>
+            <p:nvPr/>
+          </p:nvSpPr>
+          <p:spPr>
+            <a:xfrm>
+              <a:off x="4455664" y="1053454"/>
+              <a:ext cx="2417522" cy="646331"/>
+            </a:xfrm>
+            <a:prstGeom prst="rect">
+              <a:avLst/>
+            </a:prstGeom>
+            <a:noFill/>
+          </p:spPr>
+          <p:txBody>
+            <a:bodyPr wrap="square">
+              <a:spAutoFit/>
+            </a:bodyPr>
+            <a:lstStyle/>
+            <a:p>
+              <a:pPr algn="ctr"/>
+              <a:r>
+                <a:rPr lang="en-US" dirty="0">
+                  <a:latin typeface="Segoe UI Semibold" panose="020B0702040204020203" pitchFamily="34" charset="0"/>
+                  <a:cs typeface="Segoe UI Semibold" panose="020B0702040204020203" pitchFamily="34" charset="0"/>
+                </a:rPr>
+                <a:t>Webcams or</a:t>
+              </a:r>
+            </a:p>
+            <a:p>
+              <a:pPr algn="ctr"/>
+              <a:r>
+                <a:rPr lang="en-US" dirty="0">
+                  <a:latin typeface="Segoe UI Semibold" panose="020B0702040204020203" pitchFamily="34" charset="0"/>
+                  <a:cs typeface="Segoe UI Semibold" panose="020B0702040204020203" pitchFamily="34" charset="0"/>
+                </a:rPr>
+                <a:t>screen share</a:t>
+              </a:r>
+            </a:p>
+          </p:txBody>
+        </p:sp>
+        <p:sp>
+          <p:nvSpPr>
+            <p:cNvPr id="35" name="TextBox 34">
+              <a:extLst>
+                <a:ext uri="{FF2B5EF4-FFF2-40B4-BE49-F238E27FC236}">
+                  <a16:creationId xmlns:a16="http://schemas.microsoft.com/office/drawing/2014/main" id="{47081560-CE46-4EBA-AECC-B1C89D39610C}"/>
+                </a:ext>
+              </a:extLst>
+            </p:cNvPr>
+            <p:cNvSpPr txBox="1"/>
+            <p:nvPr/>
+          </p:nvSpPr>
+          <p:spPr>
+            <a:xfrm>
+              <a:off x="4455664" y="2683257"/>
+              <a:ext cx="2417522" cy="646331"/>
+            </a:xfrm>
+            <a:prstGeom prst="rect">
+              <a:avLst/>
+            </a:prstGeom>
+            <a:noFill/>
+          </p:spPr>
+          <p:txBody>
+            <a:bodyPr wrap="square">
+              <a:spAutoFit/>
+            </a:bodyPr>
+            <a:lstStyle/>
+            <a:p>
+              <a:pPr algn="ctr"/>
+              <a:r>
+                <a:rPr lang="en-US" dirty="0">
+                  <a:latin typeface="Segoe UI Semibold" panose="020B0702040204020203" pitchFamily="34" charset="0"/>
+                  <a:cs typeface="Segoe UI Semibold" panose="020B0702040204020203" pitchFamily="34" charset="0"/>
+                </a:rPr>
+                <a:t>Could be custom </a:t>
+              </a:r>
+            </a:p>
+            <a:p>
+              <a:pPr algn="ctr"/>
+              <a:r>
+                <a:rPr lang="en-US" dirty="0">
+                  <a:latin typeface="Segoe UI Semibold" panose="020B0702040204020203" pitchFamily="34" charset="0"/>
+                  <a:cs typeface="Segoe UI Semibold" panose="020B0702040204020203" pitchFamily="34" charset="0"/>
+                </a:rPr>
+                <a:t>production</a:t>
+              </a:r>
+            </a:p>
+          </p:txBody>
+        </p:sp>
+        <p:sp>
+          <p:nvSpPr>
+            <p:cNvPr id="36" name="TextBox 35">
+              <a:extLst>
+                <a:ext uri="{FF2B5EF4-FFF2-40B4-BE49-F238E27FC236}">
+                  <a16:creationId xmlns:a16="http://schemas.microsoft.com/office/drawing/2014/main" id="{4C2A7302-0C8A-4A43-9681-466D42F2943D}"/>
+                </a:ext>
+              </a:extLst>
+            </p:cNvPr>
+            <p:cNvSpPr txBox="1"/>
+            <p:nvPr/>
+          </p:nvSpPr>
+          <p:spPr>
+            <a:xfrm>
+              <a:off x="4455664" y="3887456"/>
+              <a:ext cx="2417522" cy="923330"/>
+            </a:xfrm>
+            <a:prstGeom prst="rect">
+              <a:avLst/>
+            </a:prstGeom>
+            <a:noFill/>
+          </p:spPr>
+          <p:txBody>
+            <a:bodyPr wrap="square">
+              <a:spAutoFit/>
+            </a:bodyPr>
+            <a:lstStyle/>
+            <a:p>
+              <a:pPr algn="ctr"/>
+              <a:r>
+                <a:rPr lang="en-US" dirty="0">
+                  <a:latin typeface="Segoe UI Semibold" panose="020B0702040204020203" pitchFamily="34" charset="0"/>
+                  <a:cs typeface="Segoe UI Semibold" panose="020B0702040204020203" pitchFamily="34" charset="0"/>
+                </a:rPr>
+                <a:t>Custom </a:t>
+              </a:r>
+            </a:p>
+            <a:p>
+              <a:pPr algn="ctr"/>
+              <a:r>
+                <a:rPr lang="en-US" dirty="0">
+                  <a:latin typeface="Segoe UI Semibold" panose="020B0702040204020203" pitchFamily="34" charset="0"/>
+                  <a:cs typeface="Segoe UI Semibold" panose="020B0702040204020203" pitchFamily="34" charset="0"/>
+                </a:rPr>
+                <a:t>Production </a:t>
+              </a:r>
+            </a:p>
+            <a:p>
+              <a:pPr algn="ctr"/>
+              <a:r>
+                <a:rPr lang="en-US" dirty="0">
+                  <a:latin typeface="Segoe UI Semibold" panose="020B0702040204020203" pitchFamily="34" charset="0"/>
+                  <a:cs typeface="Segoe UI Semibold" panose="020B0702040204020203" pitchFamily="34" charset="0"/>
+                </a:rPr>
+                <a:t>only</a:t>
+              </a:r>
+            </a:p>
+          </p:txBody>
+        </p:sp>
+        <p:pic>
+          <p:nvPicPr>
+            <p:cNvPr id="26" name="Picture 25">
+              <a:extLst>
+                <a:ext uri="{FF2B5EF4-FFF2-40B4-BE49-F238E27FC236}">
+                  <a16:creationId xmlns:a16="http://schemas.microsoft.com/office/drawing/2014/main" id="{3E91F944-1733-4E6A-ACEC-795FA74371B1}"/>
+                </a:ext>
+              </a:extLst>
+            </p:cNvPr>
+            <p:cNvPicPr>
+              <a:picLocks noChangeAspect="1"/>
+            </p:cNvPicPr>
+            <p:nvPr/>
+          </p:nvPicPr>
+          <p:blipFill rotWithShape="1">
+            <a:blip r:embed="rId2">
+              <a:clrChange>
+                <a:clrFrom>
+                  <a:srgbClr val="FFFFFF"/>
+                </a:clrFrom>
+                <a:clrTo>
+                  <a:srgbClr val="FFFFFF">
+                    <a:alpha val="0"/>
+                  </a:srgbClr>
+                </a:clrTo>
+              </a:clrChange>
+            </a:blip>
+            <a:srcRect r="81325" b="64190"/>
+            <a:stretch/>
+          </p:blipFill>
+          <p:spPr>
+            <a:xfrm>
+              <a:off x="9415786" y="932555"/>
+              <a:ext cx="703981" cy="814472"/>
+            </a:xfrm>
+            <a:prstGeom prst="rect">
+              <a:avLst/>
+            </a:prstGeom>
+          </p:spPr>
+        </p:pic>
+        <p:pic>
+          <p:nvPicPr>
+            <p:cNvPr id="44" name="Picture 43">
+              <a:extLst>
+                <a:ext uri="{FF2B5EF4-FFF2-40B4-BE49-F238E27FC236}">
+                  <a16:creationId xmlns:a16="http://schemas.microsoft.com/office/drawing/2014/main" id="{046DEFFF-1A39-40E9-A480-E32E154DE139}"/>
+                </a:ext>
+              </a:extLst>
+            </p:cNvPr>
+            <p:cNvPicPr>
+              <a:picLocks noChangeAspect="1"/>
+            </p:cNvPicPr>
+            <p:nvPr/>
+          </p:nvPicPr>
+          <p:blipFill rotWithShape="1">
+            <a:blip r:embed="rId2">
+              <a:clrChange>
+                <a:clrFrom>
+                  <a:srgbClr val="FFFFFF"/>
+                </a:clrFrom>
+                <a:clrTo>
+                  <a:srgbClr val="FFFFFF">
+                    <a:alpha val="0"/>
+                  </a:srgbClr>
+                </a:clrTo>
+              </a:clrChange>
+            </a:blip>
+            <a:srcRect t="35810" r="81325" b="33670"/>
+            <a:stretch/>
+          </p:blipFill>
+          <p:spPr>
+            <a:xfrm>
+              <a:off x="9415786" y="2358242"/>
+              <a:ext cx="703981" cy="694150"/>
+            </a:xfrm>
+            <a:prstGeom prst="rect">
+              <a:avLst/>
+            </a:prstGeom>
+          </p:spPr>
+        </p:pic>
+        <p:pic>
+          <p:nvPicPr>
+            <p:cNvPr id="45" name="Picture 44">
+              <a:extLst>
+                <a:ext uri="{FF2B5EF4-FFF2-40B4-BE49-F238E27FC236}">
+                  <a16:creationId xmlns:a16="http://schemas.microsoft.com/office/drawing/2014/main" id="{F9F7E327-D8A0-474B-B140-86F832E8F34D}"/>
+                </a:ext>
+              </a:extLst>
+            </p:cNvPr>
+            <p:cNvPicPr>
+              <a:picLocks noChangeAspect="1"/>
+            </p:cNvPicPr>
+            <p:nvPr/>
+          </p:nvPicPr>
+          <p:blipFill rotWithShape="1">
+            <a:blip r:embed="rId2">
+              <a:clrChange>
+                <a:clrFrom>
+                  <a:srgbClr val="FFFFFF"/>
+                </a:clrFrom>
+                <a:clrTo>
+                  <a:srgbClr val="FFFFFF">
+                    <a:alpha val="0"/>
+                  </a:srgbClr>
+                </a:clrTo>
+              </a:clrChange>
+            </a:blip>
+            <a:srcRect t="66331" r="81325" b="6118"/>
+            <a:stretch/>
+          </p:blipFill>
+          <p:spPr>
+            <a:xfrm>
+              <a:off x="9415786" y="4013930"/>
+              <a:ext cx="703981" cy="626632"/>
+            </a:xfrm>
+            <a:prstGeom prst="rect">
+              <a:avLst/>
+            </a:prstGeom>
+          </p:spPr>
+        </p:pic>
+        <p:sp>
+          <p:nvSpPr>
+            <p:cNvPr id="46" name="TextBox 45">
+              <a:extLst>
+                <a:ext uri="{FF2B5EF4-FFF2-40B4-BE49-F238E27FC236}">
+                  <a16:creationId xmlns:a16="http://schemas.microsoft.com/office/drawing/2014/main" id="{1BE13164-3117-4121-BCAD-9D1C0FE12362}"/>
+                </a:ext>
+              </a:extLst>
+            </p:cNvPr>
+            <p:cNvSpPr txBox="1"/>
+            <p:nvPr/>
+          </p:nvSpPr>
+          <p:spPr>
+            <a:xfrm>
+              <a:off x="9931986" y="1187144"/>
+              <a:ext cx="2209972" cy="369332"/>
+            </a:xfrm>
+            <a:prstGeom prst="rect">
+              <a:avLst/>
+            </a:prstGeom>
+            <a:noFill/>
+          </p:spPr>
+          <p:txBody>
+            <a:bodyPr wrap="square">
+              <a:spAutoFit/>
+            </a:bodyPr>
+            <a:lstStyle/>
+            <a:p>
+              <a:r>
+                <a:rPr lang="en-US" dirty="0">
+                  <a:latin typeface="Segoe UI Semibold" panose="020B0702040204020203" pitchFamily="34" charset="0"/>
+                  <a:cs typeface="Segoe UI Semibold" panose="020B0702040204020203" pitchFamily="34" charset="0"/>
+                </a:rPr>
+                <a:t>Schedule meeting</a:t>
+              </a:r>
+            </a:p>
+          </p:txBody>
+        </p:sp>
+        <p:sp>
+          <p:nvSpPr>
+            <p:cNvPr id="47" name="TextBox 46">
+              <a:extLst>
+                <a:ext uri="{FF2B5EF4-FFF2-40B4-BE49-F238E27FC236}">
+                  <a16:creationId xmlns:a16="http://schemas.microsoft.com/office/drawing/2014/main" id="{C5E06BBA-9D39-4B96-91E0-02F9F58974F1}"/>
+                </a:ext>
+              </a:extLst>
+            </p:cNvPr>
+            <p:cNvSpPr txBox="1"/>
+            <p:nvPr/>
+          </p:nvSpPr>
+          <p:spPr>
+            <a:xfrm>
+              <a:off x="9921512" y="2493818"/>
+              <a:ext cx="1988100" cy="369332"/>
+            </a:xfrm>
+            <a:prstGeom prst="rect">
+              <a:avLst/>
+            </a:prstGeom>
+            <a:noFill/>
+          </p:spPr>
+          <p:txBody>
+            <a:bodyPr wrap="square">
+              <a:spAutoFit/>
+            </a:bodyPr>
+            <a:lstStyle/>
+            <a:p>
+              <a:r>
+                <a:rPr lang="en-US" dirty="0">
+                  <a:latin typeface="Segoe UI Semibold" panose="020B0702040204020203" pitchFamily="34" charset="0"/>
+                  <a:cs typeface="Segoe UI Semibold" panose="020B0702040204020203" pitchFamily="34" charset="0"/>
+                </a:rPr>
+                <a:t>Webinar</a:t>
+              </a:r>
+            </a:p>
+          </p:txBody>
+        </p:sp>
+        <p:sp>
+          <p:nvSpPr>
+            <p:cNvPr id="51" name="TextBox 50">
+              <a:extLst>
+                <a:ext uri="{FF2B5EF4-FFF2-40B4-BE49-F238E27FC236}">
+                  <a16:creationId xmlns:a16="http://schemas.microsoft.com/office/drawing/2014/main" id="{EC6023BF-1DC3-48F0-BB53-FF198B522D9E}"/>
+                </a:ext>
+              </a:extLst>
+            </p:cNvPr>
+            <p:cNvSpPr txBox="1"/>
+            <p:nvPr/>
+          </p:nvSpPr>
+          <p:spPr>
+            <a:xfrm>
+              <a:off x="9921512" y="4164455"/>
+              <a:ext cx="1988100" cy="369332"/>
+            </a:xfrm>
+            <a:prstGeom prst="rect">
+              <a:avLst/>
+            </a:prstGeom>
+            <a:noFill/>
+          </p:spPr>
+          <p:txBody>
+            <a:bodyPr wrap="square">
+              <a:spAutoFit/>
+            </a:bodyPr>
+            <a:lstStyle/>
+            <a:p>
+              <a:r>
+                <a:rPr lang="en-US" dirty="0">
+                  <a:latin typeface="Segoe UI Semibold" panose="020B0702040204020203" pitchFamily="34" charset="0"/>
+                  <a:cs typeface="Segoe UI Semibold" panose="020B0702040204020203" pitchFamily="34" charset="0"/>
+                </a:rPr>
+                <a:t>Live event</a:t>
+              </a:r>
+            </a:p>
+          </p:txBody>
+        </p:sp>
+        <p:sp>
+          <p:nvSpPr>
+            <p:cNvPr id="52" name="TextBox 51">
+              <a:extLst>
+                <a:ext uri="{FF2B5EF4-FFF2-40B4-BE49-F238E27FC236}">
+                  <a16:creationId xmlns:a16="http://schemas.microsoft.com/office/drawing/2014/main" id="{AAEB829F-E3C1-4035-A19B-664656AD2792}"/>
+                </a:ext>
+              </a:extLst>
+            </p:cNvPr>
+            <p:cNvSpPr txBox="1"/>
+            <p:nvPr/>
+          </p:nvSpPr>
+          <p:spPr>
+            <a:xfrm>
+              <a:off x="6888326" y="2462709"/>
+              <a:ext cx="2417522" cy="369332"/>
+            </a:xfrm>
+            <a:prstGeom prst="rect">
+              <a:avLst/>
+            </a:prstGeom>
+            <a:noFill/>
+          </p:spPr>
+          <p:txBody>
+            <a:bodyPr wrap="square">
+              <a:spAutoFit/>
+            </a:bodyPr>
+            <a:lstStyle/>
+            <a:p>
+              <a:pPr algn="ctr"/>
+              <a:r>
+                <a:rPr lang="en-US" dirty="0">
+                  <a:latin typeface="Segoe UI Semibold" panose="020B0702040204020203" pitchFamily="34" charset="0"/>
+                  <a:cs typeface="Segoe UI Semibold" panose="020B0702040204020203" pitchFamily="34" charset="0"/>
+                </a:rPr>
+                <a:t>Up to 20,000</a:t>
+              </a:r>
+            </a:p>
+          </p:txBody>
+        </p:sp>
+      </p:grpSp>
     </p:spTree>
     <p:extLst>
       <p:ext uri="{BB962C8B-B14F-4D97-AF65-F5344CB8AC3E}">
@@ -10549,6 +10465,21 @@
 </file>
 
 <file path=customXml/item1.xml><?xml version="1.0" encoding="utf-8"?>
+<p:properties xmlns:p="http://schemas.microsoft.com/office/2006/metadata/properties" xmlns:xsi="http://www.w3.org/2001/XMLSchema-instance" xmlns:pc="http://schemas.microsoft.com/office/infopath/2007/PartnerControls">
+  <documentManagement/>
+</p:properties>
+</file>
+
+<file path=customXml/item2.xml><?xml version="1.0" encoding="utf-8"?>
+<?mso-contentType ?>
+<FormTemplates xmlns="http://schemas.microsoft.com/sharepoint/v3/contenttype/forms">
+  <Display>DocumentLibraryForm</Display>
+  <Edit>DocumentLibraryForm</Edit>
+  <New>DocumentLibraryForm</New>
+</FormTemplates>
+</file>
+
+<file path=customXml/item3.xml><?xml version="1.0" encoding="utf-8"?>
 <ct:contentTypeSchema xmlns:ct="http://schemas.microsoft.com/office/2006/metadata/contentType" xmlns:ma="http://schemas.microsoft.com/office/2006/metadata/properties/metaAttributes" ct:_="" ma:_="" ma:contentTypeName="Document" ma:contentTypeID="0x010100F35A24D0774E4548A3F74A1805937787" ma:contentTypeVersion="6" ma:contentTypeDescription="Create a new document." ma:contentTypeScope="" ma:versionID="8359739455c30d0ade33bbdb97507751">
   <xsd:schema xmlns:xsd="http://www.w3.org/2001/XMLSchema" xmlns:xs="http://www.w3.org/2001/XMLSchema" xmlns:p="http://schemas.microsoft.com/office/2006/metadata/properties" xmlns:ns2="891ff61b-a37e-428b-97de-5885e131bfc9" xmlns:ns3="c2f287ea-f326-4de1-b7ed-6aa13388f4ec" targetNamespace="http://schemas.microsoft.com/office/2006/metadata/properties" ma:root="true" ma:fieldsID="9c0b5103d94c3254704a89f755691fbe" ns2:_="" ns3:_="">
     <xsd:import namespace="891ff61b-a37e-428b-97de-5885e131bfc9"/>
@@ -10727,22 +10658,24 @@
 </ct:contentTypeSchema>
 </file>
 
-<file path=customXml/item2.xml><?xml version="1.0" encoding="utf-8"?>
-<?mso-contentType ?>
-<FormTemplates xmlns="http://schemas.microsoft.com/sharepoint/v3/contenttype/forms">
-  <Display>DocumentLibraryForm</Display>
-  <Edit>DocumentLibraryForm</Edit>
-  <New>DocumentLibraryForm</New>
-</FormTemplates>
+<file path=customXml/itemProps1.xml><?xml version="1.0" encoding="utf-8"?>
+<ds:datastoreItem xmlns:ds="http://schemas.openxmlformats.org/officeDocument/2006/customXml" ds:itemID="{D31B9865-90DD-446F-B0D4-4F7283595776}">
+  <ds:schemaRefs>
+    <ds:schemaRef ds:uri="http://schemas.microsoft.com/office/2006/metadata/properties"/>
+    <ds:schemaRef ds:uri="http://schemas.microsoft.com/office/infopath/2007/PartnerControls"/>
+  </ds:schemaRefs>
+</ds:datastoreItem>
 </file>
 
-<file path=customXml/item3.xml><?xml version="1.0" encoding="utf-8"?>
-<p:properties xmlns:p="http://schemas.microsoft.com/office/2006/metadata/properties" xmlns:xsi="http://www.w3.org/2001/XMLSchema-instance" xmlns:pc="http://schemas.microsoft.com/office/infopath/2007/PartnerControls">
-  <documentManagement/>
-</p:properties>
+<file path=customXml/itemProps2.xml><?xml version="1.0" encoding="utf-8"?>
+<ds:datastoreItem xmlns:ds="http://schemas.openxmlformats.org/officeDocument/2006/customXml" ds:itemID="{1960DF31-949B-492E-83A6-C896865A7982}">
+  <ds:schemaRefs>
+    <ds:schemaRef ds:uri="http://schemas.microsoft.com/sharepoint/v3/contenttype/forms"/>
+  </ds:schemaRefs>
+</ds:datastoreItem>
 </file>
 
-<file path=customXml/itemProps1.xml><?xml version="1.0" encoding="utf-8"?>
+<file path=customXml/itemProps3.xml><?xml version="1.0" encoding="utf-8"?>
 <ds:datastoreItem xmlns:ds="http://schemas.openxmlformats.org/officeDocument/2006/customXml" ds:itemID="{2B5E6986-043A-490B-8F69-8ED84B2794ED}">
   <ds:schemaRefs>
     <ds:schemaRef ds:uri="http://schemas.microsoft.com/office/2006/metadata/contentType"/>
@@ -10759,21 +10692,4 @@
     <ds:schemaRef ds:uri="http://schemas.microsoft.com/internal/obd"/>
   </ds:schemaRefs>
 </ds:datastoreItem>
-</file>
-
-<file path=customXml/itemProps2.xml><?xml version="1.0" encoding="utf-8"?>
-<ds:datastoreItem xmlns:ds="http://schemas.openxmlformats.org/officeDocument/2006/customXml" ds:itemID="{1960DF31-949B-492E-83A6-C896865A7982}">
-  <ds:schemaRefs>
-    <ds:schemaRef ds:uri="http://schemas.microsoft.com/sharepoint/v3/contenttype/forms"/>
-  </ds:schemaRefs>
-</ds:datastoreItem>
-</file>
-
-<file path=customXml/itemProps3.xml><?xml version="1.0" encoding="utf-8"?>
-<ds:datastoreItem xmlns:ds="http://schemas.openxmlformats.org/officeDocument/2006/customXml" ds:itemID="{D31B9865-90DD-446F-B0D4-4F7283595776}">
-  <ds:schemaRefs>
-    <ds:schemaRef ds:uri="http://schemas.microsoft.com/office/2006/metadata/properties"/>
-    <ds:schemaRef ds:uri="http://schemas.microsoft.com/office/infopath/2007/PartnerControls"/>
-  </ds:schemaRefs>
-</ds:datastoreItem>
 </file>
--- a/learn-m365-pr/m365/m365-introduction-delivering-virtual-events-using-microsoft-teams-microsoft-365/media/graphix.pptx
+++ b/learn-m365-pr/m365/m365-introduction-delivering-virtual-events-using-microsoft-teams-microsoft-365/media/graphix.pptx
@@ -9,6 +9,7 @@
     <p:sldId id="257" r:id="rId6"/>
     <p:sldId id="258" r:id="rId7"/>
     <p:sldId id="259" r:id="rId8"/>
+    <p:sldId id="260" r:id="rId9"/>
   </p:sldIdLst>
   <p:sldSz cx="12192000" cy="6858000"/>
   <p:notesSz cx="6858000" cy="9144000"/>
@@ -262,7 +263,7 @@
           <a:p>
             <a:fld id="{E71A2460-FA18-4D24-9179-39CC65D8EBB0}" type="datetimeFigureOut">
               <a:rPr lang="en-US" smtClean="0"/>
-              <a:t>6/7/2021</a:t>
+              <a:t>6/9/2021</a:t>
             </a:fld>
             <a:endParaRPr lang="en-US"/>
           </a:p>
@@ -460,7 +461,7 @@
           <a:p>
             <a:fld id="{E71A2460-FA18-4D24-9179-39CC65D8EBB0}" type="datetimeFigureOut">
               <a:rPr lang="en-US" smtClean="0"/>
-              <a:t>6/7/2021</a:t>
+              <a:t>6/9/2021</a:t>
             </a:fld>
             <a:endParaRPr lang="en-US"/>
           </a:p>
@@ -668,7 +669,7 @@
           <a:p>
             <a:fld id="{E71A2460-FA18-4D24-9179-39CC65D8EBB0}" type="datetimeFigureOut">
               <a:rPr lang="en-US" smtClean="0"/>
-              <a:t>6/7/2021</a:t>
+              <a:t>6/9/2021</a:t>
             </a:fld>
             <a:endParaRPr lang="en-US"/>
           </a:p>
@@ -866,7 +867,7 @@
           <a:p>
             <a:fld id="{E71A2460-FA18-4D24-9179-39CC65D8EBB0}" type="datetimeFigureOut">
               <a:rPr lang="en-US" smtClean="0"/>
-              <a:t>6/7/2021</a:t>
+              <a:t>6/9/2021</a:t>
             </a:fld>
             <a:endParaRPr lang="en-US"/>
           </a:p>
@@ -1141,7 +1142,7 @@
           <a:p>
             <a:fld id="{E71A2460-FA18-4D24-9179-39CC65D8EBB0}" type="datetimeFigureOut">
               <a:rPr lang="en-US" smtClean="0"/>
-              <a:t>6/7/2021</a:t>
+              <a:t>6/9/2021</a:t>
             </a:fld>
             <a:endParaRPr lang="en-US"/>
           </a:p>
@@ -1406,7 +1407,7 @@
           <a:p>
             <a:fld id="{E71A2460-FA18-4D24-9179-39CC65D8EBB0}" type="datetimeFigureOut">
               <a:rPr lang="en-US" smtClean="0"/>
-              <a:t>6/7/2021</a:t>
+              <a:t>6/9/2021</a:t>
             </a:fld>
             <a:endParaRPr lang="en-US"/>
           </a:p>
@@ -1818,7 +1819,7 @@
           <a:p>
             <a:fld id="{E71A2460-FA18-4D24-9179-39CC65D8EBB0}" type="datetimeFigureOut">
               <a:rPr lang="en-US" smtClean="0"/>
-              <a:t>6/7/2021</a:t>
+              <a:t>6/9/2021</a:t>
             </a:fld>
             <a:endParaRPr lang="en-US"/>
           </a:p>
@@ -1959,7 +1960,7 @@
           <a:p>
             <a:fld id="{E71A2460-FA18-4D24-9179-39CC65D8EBB0}" type="datetimeFigureOut">
               <a:rPr lang="en-US" smtClean="0"/>
-              <a:t>6/7/2021</a:t>
+              <a:t>6/9/2021</a:t>
             </a:fld>
             <a:endParaRPr lang="en-US"/>
           </a:p>
@@ -2072,7 +2073,7 @@
           <a:p>
             <a:fld id="{E71A2460-FA18-4D24-9179-39CC65D8EBB0}" type="datetimeFigureOut">
               <a:rPr lang="en-US" smtClean="0"/>
-              <a:t>6/7/2021</a:t>
+              <a:t>6/9/2021</a:t>
             </a:fld>
             <a:endParaRPr lang="en-US"/>
           </a:p>
@@ -2383,7 +2384,7 @@
           <a:p>
             <a:fld id="{E71A2460-FA18-4D24-9179-39CC65D8EBB0}" type="datetimeFigureOut">
               <a:rPr lang="en-US" smtClean="0"/>
-              <a:t>6/7/2021</a:t>
+              <a:t>6/9/2021</a:t>
             </a:fld>
             <a:endParaRPr lang="en-US"/>
           </a:p>
@@ -2671,7 +2672,7 @@
           <a:p>
             <a:fld id="{E71A2460-FA18-4D24-9179-39CC65D8EBB0}" type="datetimeFigureOut">
               <a:rPr lang="en-US" smtClean="0"/>
-              <a:t>6/7/2021</a:t>
+              <a:t>6/9/2021</a:t>
             </a:fld>
             <a:endParaRPr lang="en-US"/>
           </a:p>
@@ -2912,7 +2913,7 @@
           <a:p>
             <a:fld id="{E71A2460-FA18-4D24-9179-39CC65D8EBB0}" type="datetimeFigureOut">
               <a:rPr lang="en-US" smtClean="0"/>
-              <a:t>6/7/2021</a:t>
+              <a:t>6/9/2021</a:t>
             </a:fld>
             <a:endParaRPr lang="en-US"/>
           </a:p>
@@ -3329,12 +3330,936 @@
           <a:chExt cx="0" cy="0"/>
         </a:xfrm>
       </p:grpSpPr>
+      <p:sp>
+        <p:nvSpPr>
+          <p:cNvPr id="83" name="Rectangle: Rounded Corners 82">
+            <a:extLst>
+              <a:ext uri="{FF2B5EF4-FFF2-40B4-BE49-F238E27FC236}">
+                <a16:creationId xmlns:a16="http://schemas.microsoft.com/office/drawing/2014/main" id="{A59D4270-F45C-4F01-94A7-6C6312CF85F1}"/>
+              </a:ext>
+            </a:extLst>
+          </p:cNvPr>
+          <p:cNvSpPr/>
+          <p:nvPr/>
+        </p:nvSpPr>
+        <p:spPr>
+          <a:xfrm>
+            <a:off x="548605" y="5082254"/>
+            <a:ext cx="5318430" cy="1564269"/>
+          </a:xfrm>
+          <a:prstGeom prst="roundRect">
+            <a:avLst>
+              <a:gd name="adj" fmla="val 7092"/>
+            </a:avLst>
+          </a:prstGeom>
+          <a:solidFill>
+            <a:schemeClr val="accent1">
+              <a:lumMod val="20000"/>
+              <a:lumOff val="80000"/>
+            </a:schemeClr>
+          </a:solidFill>
+          <a:ln>
+            <a:noFill/>
+          </a:ln>
+        </p:spPr>
+        <p:style>
+          <a:lnRef idx="2">
+            <a:schemeClr val="accent1">
+              <a:shade val="50000"/>
+            </a:schemeClr>
+          </a:lnRef>
+          <a:fillRef idx="1">
+            <a:schemeClr val="accent1"/>
+          </a:fillRef>
+          <a:effectRef idx="0">
+            <a:schemeClr val="accent1"/>
+          </a:effectRef>
+          <a:fontRef idx="minor">
+            <a:schemeClr val="lt1"/>
+          </a:fontRef>
+        </p:style>
+        <p:txBody>
+          <a:bodyPr rtlCol="0" anchor="ctr"/>
+          <a:lstStyle/>
+          <a:p>
+            <a:pPr algn="ctr"/>
+            <a:endParaRPr lang="en-US"/>
+          </a:p>
+        </p:txBody>
+      </p:sp>
       <p:grpSp>
         <p:nvGrpSpPr>
-          <p:cNvPr id="2" name="Group 1">
+          <p:cNvPr id="16" name="Group 15">
             <a:extLst>
               <a:ext uri="{FF2B5EF4-FFF2-40B4-BE49-F238E27FC236}">
-                <a16:creationId xmlns:a16="http://schemas.microsoft.com/office/drawing/2014/main" id="{C5D8018D-F216-42CB-B7CF-52017E75AB81}"/>
+                <a16:creationId xmlns:a16="http://schemas.microsoft.com/office/drawing/2014/main" id="{AB0D8310-2AD4-4199-A091-92B2C7DA6C8A}"/>
+              </a:ext>
+            </a:extLst>
+          </p:cNvPr>
+          <p:cNvGrpSpPr/>
+          <p:nvPr/>
+        </p:nvGrpSpPr>
+        <p:grpSpPr>
+          <a:xfrm>
+            <a:off x="6182590" y="5302762"/>
+            <a:ext cx="643125" cy="931864"/>
+            <a:chOff x="6182590" y="5302762"/>
+            <a:chExt cx="643125" cy="931864"/>
+          </a:xfrm>
+          <a:noFill/>
+        </p:grpSpPr>
+        <p:sp>
+          <p:nvSpPr>
+            <p:cNvPr id="3" name="Rectangle: Rounded Corners 2">
+              <a:extLst>
+                <a:ext uri="{FF2B5EF4-FFF2-40B4-BE49-F238E27FC236}">
+                  <a16:creationId xmlns:a16="http://schemas.microsoft.com/office/drawing/2014/main" id="{F3C5EB61-3832-4B0E-824C-DC2D30D80E8E}"/>
+                </a:ext>
+              </a:extLst>
+            </p:cNvPr>
+            <p:cNvSpPr/>
+            <p:nvPr/>
+          </p:nvSpPr>
+          <p:spPr>
+            <a:xfrm>
+              <a:off x="6221410" y="5584111"/>
+              <a:ext cx="556978" cy="556978"/>
+            </a:xfrm>
+            <a:prstGeom prst="roundRect">
+              <a:avLst/>
+            </a:prstGeom>
+            <a:grpFill/>
+            <a:ln w="38100">
+              <a:solidFill>
+                <a:srgbClr val="91959E"/>
+              </a:solidFill>
+            </a:ln>
+          </p:spPr>
+          <p:style>
+            <a:lnRef idx="2">
+              <a:schemeClr val="accent1">
+                <a:shade val="50000"/>
+              </a:schemeClr>
+            </a:lnRef>
+            <a:fillRef idx="1">
+              <a:schemeClr val="accent1"/>
+            </a:fillRef>
+            <a:effectRef idx="0">
+              <a:schemeClr val="accent1"/>
+            </a:effectRef>
+            <a:fontRef idx="minor">
+              <a:schemeClr val="lt1"/>
+            </a:fontRef>
+          </p:style>
+          <p:txBody>
+            <a:bodyPr rtlCol="0" anchor="ctr"/>
+            <a:lstStyle/>
+            <a:p>
+              <a:pPr algn="ctr"/>
+              <a:endParaRPr lang="en-US"/>
+            </a:p>
+          </p:txBody>
+        </p:sp>
+        <p:cxnSp>
+          <p:nvCxnSpPr>
+            <p:cNvPr id="9" name="Straight Connector 8">
+              <a:extLst>
+                <a:ext uri="{FF2B5EF4-FFF2-40B4-BE49-F238E27FC236}">
+                  <a16:creationId xmlns:a16="http://schemas.microsoft.com/office/drawing/2014/main" id="{A348796E-E51A-4DFA-A1DE-B3A08E0E2C67}"/>
+                </a:ext>
+              </a:extLst>
+            </p:cNvPr>
+            <p:cNvCxnSpPr/>
+            <p:nvPr/>
+          </p:nvCxnSpPr>
+          <p:spPr>
+            <a:xfrm flipH="1">
+              <a:off x="6212986" y="5700503"/>
+              <a:ext cx="565402" cy="0"/>
+            </a:xfrm>
+            <a:prstGeom prst="line">
+              <a:avLst/>
+            </a:prstGeom>
+            <a:grpFill/>
+            <a:ln w="38100">
+              <a:solidFill>
+                <a:srgbClr val="91959E"/>
+              </a:solidFill>
+            </a:ln>
+          </p:spPr>
+          <p:style>
+            <a:lnRef idx="1">
+              <a:schemeClr val="accent1"/>
+            </a:lnRef>
+            <a:fillRef idx="0">
+              <a:schemeClr val="accent1"/>
+            </a:fillRef>
+            <a:effectRef idx="0">
+              <a:schemeClr val="accent1"/>
+            </a:effectRef>
+            <a:fontRef idx="minor">
+              <a:schemeClr val="tx1"/>
+            </a:fontRef>
+          </p:style>
+        </p:cxnSp>
+        <p:sp>
+          <p:nvSpPr>
+            <p:cNvPr id="15" name="TextBox 14">
+              <a:extLst>
+                <a:ext uri="{FF2B5EF4-FFF2-40B4-BE49-F238E27FC236}">
+                  <a16:creationId xmlns:a16="http://schemas.microsoft.com/office/drawing/2014/main" id="{D6A22542-484B-4D3B-9196-27DCE8B02D1F}"/>
+                </a:ext>
+              </a:extLst>
+            </p:cNvPr>
+            <p:cNvSpPr txBox="1"/>
+            <p:nvPr/>
+          </p:nvSpPr>
+          <p:spPr>
+            <a:xfrm>
+              <a:off x="6182590" y="5302762"/>
+              <a:ext cx="643125" cy="769441"/>
+            </a:xfrm>
+            <a:prstGeom prst="rect">
+              <a:avLst/>
+            </a:prstGeom>
+            <a:grpFill/>
+          </p:spPr>
+          <p:txBody>
+            <a:bodyPr wrap="none" rtlCol="0">
+              <a:spAutoFit/>
+            </a:bodyPr>
+            <a:lstStyle/>
+            <a:p>
+              <a:r>
+                <a:rPr lang="en-GB" sz="4400" b="1" dirty="0">
+                  <a:solidFill>
+                    <a:srgbClr val="91959E"/>
+                  </a:solidFill>
+                  <a:latin typeface="Segoe UI Semibold" panose="020B0702040204020203" pitchFamily="34" charset="0"/>
+                  <a:cs typeface="Segoe UI Semibold" panose="020B0702040204020203" pitchFamily="34" charset="0"/>
+                </a:rPr>
+                <a:t>…</a:t>
+              </a:r>
+              <a:endParaRPr lang="en-US" sz="4400" b="1" dirty="0">
+                <a:solidFill>
+                  <a:srgbClr val="91959E"/>
+                </a:solidFill>
+                <a:latin typeface="Segoe UI Semibold" panose="020B0702040204020203" pitchFamily="34" charset="0"/>
+                <a:cs typeface="Segoe UI Semibold" panose="020B0702040204020203" pitchFamily="34" charset="0"/>
+              </a:endParaRPr>
+            </a:p>
+          </p:txBody>
+        </p:sp>
+        <p:sp>
+          <p:nvSpPr>
+            <p:cNvPr id="37" name="TextBox 36">
+              <a:extLst>
+                <a:ext uri="{FF2B5EF4-FFF2-40B4-BE49-F238E27FC236}">
+                  <a16:creationId xmlns:a16="http://schemas.microsoft.com/office/drawing/2014/main" id="{764836EB-6F8A-4EA4-BF8D-878147660A37}"/>
+                </a:ext>
+              </a:extLst>
+            </p:cNvPr>
+            <p:cNvSpPr txBox="1"/>
+            <p:nvPr/>
+          </p:nvSpPr>
+          <p:spPr>
+            <a:xfrm>
+              <a:off x="6199522" y="5465185"/>
+              <a:ext cx="457176" cy="769441"/>
+            </a:xfrm>
+            <a:prstGeom prst="rect">
+              <a:avLst/>
+            </a:prstGeom>
+            <a:grpFill/>
+          </p:spPr>
+          <p:txBody>
+            <a:bodyPr wrap="none" rtlCol="0">
+              <a:spAutoFit/>
+            </a:bodyPr>
+            <a:lstStyle/>
+            <a:p>
+              <a:r>
+                <a:rPr lang="en-GB" sz="4400" b="1" dirty="0">
+                  <a:solidFill>
+                    <a:srgbClr val="91959E"/>
+                  </a:solidFill>
+                  <a:latin typeface="Segoe UI Semibold" panose="020B0702040204020203" pitchFamily="34" charset="0"/>
+                  <a:cs typeface="Segoe UI Semibold" panose="020B0702040204020203" pitchFamily="34" charset="0"/>
+                </a:rPr>
+                <a:t>..</a:t>
+              </a:r>
+              <a:endParaRPr lang="en-US" sz="4400" b="1" dirty="0">
+                <a:solidFill>
+                  <a:srgbClr val="91959E"/>
+                </a:solidFill>
+                <a:latin typeface="Segoe UI Semibold" panose="020B0702040204020203" pitchFamily="34" charset="0"/>
+                <a:cs typeface="Segoe UI Semibold" panose="020B0702040204020203" pitchFamily="34" charset="0"/>
+              </a:endParaRPr>
+            </a:p>
+          </p:txBody>
+        </p:sp>
+      </p:grpSp>
+      <p:grpSp>
+        <p:nvGrpSpPr>
+          <p:cNvPr id="72" name="Group 71">
+            <a:extLst>
+              <a:ext uri="{FF2B5EF4-FFF2-40B4-BE49-F238E27FC236}">
+                <a16:creationId xmlns:a16="http://schemas.microsoft.com/office/drawing/2014/main" id="{B624E642-C185-4F1B-81A7-71BCFE751FE4}"/>
+              </a:ext>
+            </a:extLst>
+          </p:cNvPr>
+          <p:cNvGrpSpPr/>
+          <p:nvPr/>
+        </p:nvGrpSpPr>
+        <p:grpSpPr>
+          <a:xfrm>
+            <a:off x="7181672" y="5587711"/>
+            <a:ext cx="556978" cy="553378"/>
+            <a:chOff x="7181672" y="5587711"/>
+            <a:chExt cx="556978" cy="553378"/>
+          </a:xfrm>
+        </p:grpSpPr>
+        <p:sp>
+          <p:nvSpPr>
+            <p:cNvPr id="42" name="Trapezoid 41">
+              <a:extLst>
+                <a:ext uri="{FF2B5EF4-FFF2-40B4-BE49-F238E27FC236}">
+                  <a16:creationId xmlns:a16="http://schemas.microsoft.com/office/drawing/2014/main" id="{830116A0-CE1C-436C-AA1E-EC278594808D}"/>
+                </a:ext>
+              </a:extLst>
+            </p:cNvPr>
+            <p:cNvSpPr/>
+            <p:nvPr/>
+          </p:nvSpPr>
+          <p:spPr>
+            <a:xfrm flipV="1">
+              <a:off x="7181672" y="5853505"/>
+              <a:ext cx="556978" cy="287584"/>
+            </a:xfrm>
+            <a:custGeom>
+              <a:avLst/>
+              <a:gdLst>
+                <a:gd name="connsiteX0" fmla="*/ 0 w 556978"/>
+                <a:gd name="connsiteY0" fmla="*/ 274884 h 274884"/>
+                <a:gd name="connsiteX1" fmla="*/ 68721 w 556978"/>
+                <a:gd name="connsiteY1" fmla="*/ 0 h 274884"/>
+                <a:gd name="connsiteX2" fmla="*/ 488257 w 556978"/>
+                <a:gd name="connsiteY2" fmla="*/ 0 h 274884"/>
+                <a:gd name="connsiteX3" fmla="*/ 556978 w 556978"/>
+                <a:gd name="connsiteY3" fmla="*/ 274884 h 274884"/>
+                <a:gd name="connsiteX4" fmla="*/ 0 w 556978"/>
+                <a:gd name="connsiteY4" fmla="*/ 274884 h 274884"/>
+                <a:gd name="connsiteX0" fmla="*/ 0 w 556978"/>
+                <a:gd name="connsiteY0" fmla="*/ 287584 h 287584"/>
+                <a:gd name="connsiteX1" fmla="*/ 199955 w 556978"/>
+                <a:gd name="connsiteY1" fmla="*/ 0 h 287584"/>
+                <a:gd name="connsiteX2" fmla="*/ 488257 w 556978"/>
+                <a:gd name="connsiteY2" fmla="*/ 12700 h 287584"/>
+                <a:gd name="connsiteX3" fmla="*/ 556978 w 556978"/>
+                <a:gd name="connsiteY3" fmla="*/ 287584 h 287584"/>
+                <a:gd name="connsiteX4" fmla="*/ 0 w 556978"/>
+                <a:gd name="connsiteY4" fmla="*/ 287584 h 287584"/>
+                <a:gd name="connsiteX0" fmla="*/ 0 w 556978"/>
+                <a:gd name="connsiteY0" fmla="*/ 287584 h 287584"/>
+                <a:gd name="connsiteX1" fmla="*/ 199955 w 556978"/>
+                <a:gd name="connsiteY1" fmla="*/ 0 h 287584"/>
+                <a:gd name="connsiteX2" fmla="*/ 365490 w 556978"/>
+                <a:gd name="connsiteY2" fmla="*/ 12700 h 287584"/>
+                <a:gd name="connsiteX3" fmla="*/ 556978 w 556978"/>
+                <a:gd name="connsiteY3" fmla="*/ 287584 h 287584"/>
+                <a:gd name="connsiteX4" fmla="*/ 0 w 556978"/>
+                <a:gd name="connsiteY4" fmla="*/ 287584 h 287584"/>
+                <a:gd name="connsiteX0" fmla="*/ 0 w 556978"/>
+                <a:gd name="connsiteY0" fmla="*/ 291817 h 291817"/>
+                <a:gd name="connsiteX1" fmla="*/ 199955 w 556978"/>
+                <a:gd name="connsiteY1" fmla="*/ 4233 h 291817"/>
+                <a:gd name="connsiteX2" fmla="*/ 369723 w 556978"/>
+                <a:gd name="connsiteY2" fmla="*/ 0 h 291817"/>
+                <a:gd name="connsiteX3" fmla="*/ 556978 w 556978"/>
+                <a:gd name="connsiteY3" fmla="*/ 291817 h 291817"/>
+                <a:gd name="connsiteX4" fmla="*/ 0 w 556978"/>
+                <a:gd name="connsiteY4" fmla="*/ 291817 h 291817"/>
+                <a:gd name="connsiteX0" fmla="*/ 0 w 556978"/>
+                <a:gd name="connsiteY0" fmla="*/ 287584 h 287584"/>
+                <a:gd name="connsiteX1" fmla="*/ 199955 w 556978"/>
+                <a:gd name="connsiteY1" fmla="*/ 0 h 287584"/>
+                <a:gd name="connsiteX2" fmla="*/ 368665 w 556978"/>
+                <a:gd name="connsiteY2" fmla="*/ 0 h 287584"/>
+                <a:gd name="connsiteX3" fmla="*/ 556978 w 556978"/>
+                <a:gd name="connsiteY3" fmla="*/ 287584 h 287584"/>
+                <a:gd name="connsiteX4" fmla="*/ 0 w 556978"/>
+                <a:gd name="connsiteY4" fmla="*/ 287584 h 287584"/>
+                <a:gd name="connsiteX0" fmla="*/ 0 w 556978"/>
+                <a:gd name="connsiteY0" fmla="*/ 287584 h 287584"/>
+                <a:gd name="connsiteX1" fmla="*/ 127532 w 556978"/>
+                <a:gd name="connsiteY1" fmla="*/ 102088 h 287584"/>
+                <a:gd name="connsiteX2" fmla="*/ 199955 w 556978"/>
+                <a:gd name="connsiteY2" fmla="*/ 0 h 287584"/>
+                <a:gd name="connsiteX3" fmla="*/ 368665 w 556978"/>
+                <a:gd name="connsiteY3" fmla="*/ 0 h 287584"/>
+                <a:gd name="connsiteX4" fmla="*/ 556978 w 556978"/>
+                <a:gd name="connsiteY4" fmla="*/ 287584 h 287584"/>
+                <a:gd name="connsiteX5" fmla="*/ 0 w 556978"/>
+                <a:gd name="connsiteY5" fmla="*/ 287584 h 287584"/>
+                <a:gd name="connsiteX0" fmla="*/ 0 w 556978"/>
+                <a:gd name="connsiteY0" fmla="*/ 287584 h 287584"/>
+                <a:gd name="connsiteX1" fmla="*/ 127532 w 556978"/>
+                <a:gd name="connsiteY1" fmla="*/ 102088 h 287584"/>
+                <a:gd name="connsiteX2" fmla="*/ 199955 w 556978"/>
+                <a:gd name="connsiteY2" fmla="*/ 0 h 287584"/>
+                <a:gd name="connsiteX3" fmla="*/ 368665 w 556978"/>
+                <a:gd name="connsiteY3" fmla="*/ 0 h 287584"/>
+                <a:gd name="connsiteX4" fmla="*/ 433390 w 556978"/>
+                <a:gd name="connsiteY4" fmla="*/ 99971 h 287584"/>
+                <a:gd name="connsiteX5" fmla="*/ 556978 w 556978"/>
+                <a:gd name="connsiteY5" fmla="*/ 287584 h 287584"/>
+                <a:gd name="connsiteX6" fmla="*/ 0 w 556978"/>
+                <a:gd name="connsiteY6" fmla="*/ 287584 h 287584"/>
+                <a:gd name="connsiteX0" fmla="*/ 0 w 556978"/>
+                <a:gd name="connsiteY0" fmla="*/ 287584 h 287584"/>
+                <a:gd name="connsiteX1" fmla="*/ 195266 w 556978"/>
+                <a:gd name="connsiteY1" fmla="*/ 105263 h 287584"/>
+                <a:gd name="connsiteX2" fmla="*/ 199955 w 556978"/>
+                <a:gd name="connsiteY2" fmla="*/ 0 h 287584"/>
+                <a:gd name="connsiteX3" fmla="*/ 368665 w 556978"/>
+                <a:gd name="connsiteY3" fmla="*/ 0 h 287584"/>
+                <a:gd name="connsiteX4" fmla="*/ 433390 w 556978"/>
+                <a:gd name="connsiteY4" fmla="*/ 99971 h 287584"/>
+                <a:gd name="connsiteX5" fmla="*/ 556978 w 556978"/>
+                <a:gd name="connsiteY5" fmla="*/ 287584 h 287584"/>
+                <a:gd name="connsiteX6" fmla="*/ 0 w 556978"/>
+                <a:gd name="connsiteY6" fmla="*/ 287584 h 287584"/>
+                <a:gd name="connsiteX0" fmla="*/ 0 w 556978"/>
+                <a:gd name="connsiteY0" fmla="*/ 287584 h 287584"/>
+                <a:gd name="connsiteX1" fmla="*/ 195266 w 556978"/>
+                <a:gd name="connsiteY1" fmla="*/ 105263 h 287584"/>
+                <a:gd name="connsiteX2" fmla="*/ 199955 w 556978"/>
+                <a:gd name="connsiteY2" fmla="*/ 0 h 287584"/>
+                <a:gd name="connsiteX3" fmla="*/ 368665 w 556978"/>
+                <a:gd name="connsiteY3" fmla="*/ 0 h 287584"/>
+                <a:gd name="connsiteX4" fmla="*/ 373065 w 556978"/>
+                <a:gd name="connsiteY4" fmla="*/ 107379 h 287584"/>
+                <a:gd name="connsiteX5" fmla="*/ 556978 w 556978"/>
+                <a:gd name="connsiteY5" fmla="*/ 287584 h 287584"/>
+                <a:gd name="connsiteX6" fmla="*/ 0 w 556978"/>
+                <a:gd name="connsiteY6" fmla="*/ 287584 h 287584"/>
+              </a:gdLst>
+              <a:ahLst/>
+              <a:cxnLst>
+                <a:cxn ang="0">
+                  <a:pos x="connsiteX0" y="connsiteY0"/>
+                </a:cxn>
+                <a:cxn ang="0">
+                  <a:pos x="connsiteX1" y="connsiteY1"/>
+                </a:cxn>
+                <a:cxn ang="0">
+                  <a:pos x="connsiteX2" y="connsiteY2"/>
+                </a:cxn>
+                <a:cxn ang="0">
+                  <a:pos x="connsiteX3" y="connsiteY3"/>
+                </a:cxn>
+                <a:cxn ang="0">
+                  <a:pos x="connsiteX4" y="connsiteY4"/>
+                </a:cxn>
+                <a:cxn ang="0">
+                  <a:pos x="connsiteX5" y="connsiteY5"/>
+                </a:cxn>
+                <a:cxn ang="0">
+                  <a:pos x="connsiteX6" y="connsiteY6"/>
+                </a:cxn>
+              </a:cxnLst>
+              <a:rect l="l" t="t" r="r" b="b"/>
+              <a:pathLst>
+                <a:path w="556978" h="287584">
+                  <a:moveTo>
+                    <a:pt x="0" y="287584"/>
+                  </a:moveTo>
+                  <a:lnTo>
+                    <a:pt x="195266" y="105263"/>
+                  </a:lnTo>
+                  <a:lnTo>
+                    <a:pt x="199955" y="0"/>
+                  </a:lnTo>
+                  <a:lnTo>
+                    <a:pt x="368665" y="0"/>
+                  </a:lnTo>
+                  <a:lnTo>
+                    <a:pt x="373065" y="107379"/>
+                  </a:lnTo>
+                  <a:lnTo>
+                    <a:pt x="556978" y="287584"/>
+                  </a:lnTo>
+                  <a:lnTo>
+                    <a:pt x="0" y="287584"/>
+                  </a:lnTo>
+                  <a:close/>
+                </a:path>
+              </a:pathLst>
+            </a:custGeom>
+            <a:noFill/>
+            <a:ln w="38100">
+              <a:solidFill>
+                <a:srgbClr val="91959E"/>
+              </a:solidFill>
+            </a:ln>
+          </p:spPr>
+          <p:style>
+            <a:lnRef idx="2">
+              <a:schemeClr val="accent1">
+                <a:shade val="50000"/>
+              </a:schemeClr>
+            </a:lnRef>
+            <a:fillRef idx="1">
+              <a:schemeClr val="accent1"/>
+            </a:fillRef>
+            <a:effectRef idx="0">
+              <a:schemeClr val="accent1"/>
+            </a:effectRef>
+            <a:fontRef idx="minor">
+              <a:schemeClr val="lt1"/>
+            </a:fontRef>
+          </p:style>
+          <p:txBody>
+            <a:bodyPr rtlCol="0" anchor="ctr"/>
+            <a:lstStyle/>
+            <a:p>
+              <a:pPr algn="ctr"/>
+              <a:endParaRPr lang="en-US" dirty="0"/>
+            </a:p>
+          </p:txBody>
+        </p:sp>
+        <p:grpSp>
+          <p:nvGrpSpPr>
+            <p:cNvPr id="21" name="Group 20">
+              <a:extLst>
+                <a:ext uri="{FF2B5EF4-FFF2-40B4-BE49-F238E27FC236}">
+                  <a16:creationId xmlns:a16="http://schemas.microsoft.com/office/drawing/2014/main" id="{C3FEC772-E2AE-482E-B1C6-CB517BA66A6F}"/>
+                </a:ext>
+              </a:extLst>
+            </p:cNvPr>
+            <p:cNvGrpSpPr/>
+            <p:nvPr/>
+          </p:nvGrpSpPr>
+          <p:grpSpPr>
+            <a:xfrm>
+              <a:off x="7331573" y="5587711"/>
+              <a:ext cx="257176" cy="232649"/>
+              <a:chOff x="8488208" y="5584111"/>
+              <a:chExt cx="257176" cy="232649"/>
+            </a:xfrm>
+          </p:grpSpPr>
+          <p:sp>
+            <p:nvSpPr>
+              <p:cNvPr id="43" name="Trapezoid 41">
+                <a:extLst>
+                  <a:ext uri="{FF2B5EF4-FFF2-40B4-BE49-F238E27FC236}">
+                    <a16:creationId xmlns:a16="http://schemas.microsoft.com/office/drawing/2014/main" id="{DC266CC6-FEFA-4788-AC57-15688C5414AC}"/>
+                  </a:ext>
+                </a:extLst>
+              </p:cNvPr>
+              <p:cNvSpPr/>
+              <p:nvPr/>
+            </p:nvSpPr>
+            <p:spPr>
+              <a:xfrm flipV="1">
+                <a:off x="8557451" y="5584111"/>
+                <a:ext cx="118691" cy="116392"/>
+              </a:xfrm>
+              <a:prstGeom prst="ellipse">
+                <a:avLst/>
+              </a:prstGeom>
+              <a:noFill/>
+              <a:ln w="38100">
+                <a:solidFill>
+                  <a:srgbClr val="91959E"/>
+                </a:solidFill>
+              </a:ln>
+            </p:spPr>
+            <p:style>
+              <a:lnRef idx="2">
+                <a:schemeClr val="accent1">
+                  <a:shade val="50000"/>
+                </a:schemeClr>
+              </a:lnRef>
+              <a:fillRef idx="1">
+                <a:schemeClr val="accent1"/>
+              </a:fillRef>
+              <a:effectRef idx="0">
+                <a:schemeClr val="accent1"/>
+              </a:effectRef>
+              <a:fontRef idx="minor">
+                <a:schemeClr val="lt1"/>
+              </a:fontRef>
+            </p:style>
+            <p:txBody>
+              <a:bodyPr rtlCol="0" anchor="ctr"/>
+              <a:lstStyle/>
+              <a:p>
+                <a:pPr algn="ctr"/>
+                <a:endParaRPr lang="en-US" dirty="0"/>
+              </a:p>
+            </p:txBody>
+          </p:sp>
+          <p:sp>
+            <p:nvSpPr>
+              <p:cNvPr id="18" name="Double Bracket 17">
+                <a:extLst>
+                  <a:ext uri="{FF2B5EF4-FFF2-40B4-BE49-F238E27FC236}">
+                    <a16:creationId xmlns:a16="http://schemas.microsoft.com/office/drawing/2014/main" id="{D59D47A7-5195-4A97-A5B4-16F2A4E67EB5}"/>
+                  </a:ext>
+                </a:extLst>
+              </p:cNvPr>
+              <p:cNvSpPr/>
+              <p:nvPr/>
+            </p:nvSpPr>
+            <p:spPr>
+              <a:xfrm rot="5400000">
+                <a:off x="8586555" y="5657931"/>
+                <a:ext cx="60482" cy="257176"/>
+              </a:xfrm>
+              <a:custGeom>
+                <a:avLst/>
+                <a:gdLst>
+                  <a:gd name="connsiteX0" fmla="*/ 0 w 556978"/>
+                  <a:gd name="connsiteY0" fmla="*/ 92832 h 601470"/>
+                  <a:gd name="connsiteX1" fmla="*/ 92832 w 556978"/>
+                  <a:gd name="connsiteY1" fmla="*/ 0 h 601470"/>
+                  <a:gd name="connsiteX2" fmla="*/ 464146 w 556978"/>
+                  <a:gd name="connsiteY2" fmla="*/ 0 h 601470"/>
+                  <a:gd name="connsiteX3" fmla="*/ 556978 w 556978"/>
+                  <a:gd name="connsiteY3" fmla="*/ 92832 h 601470"/>
+                  <a:gd name="connsiteX4" fmla="*/ 556978 w 556978"/>
+                  <a:gd name="connsiteY4" fmla="*/ 508638 h 601470"/>
+                  <a:gd name="connsiteX5" fmla="*/ 464146 w 556978"/>
+                  <a:gd name="connsiteY5" fmla="*/ 601470 h 601470"/>
+                  <a:gd name="connsiteX6" fmla="*/ 92832 w 556978"/>
+                  <a:gd name="connsiteY6" fmla="*/ 601470 h 601470"/>
+                  <a:gd name="connsiteX7" fmla="*/ 0 w 556978"/>
+                  <a:gd name="connsiteY7" fmla="*/ 508638 h 601470"/>
+                  <a:gd name="connsiteX8" fmla="*/ 0 w 556978"/>
+                  <a:gd name="connsiteY8" fmla="*/ 92832 h 601470"/>
+                  <a:gd name="connsiteX0" fmla="*/ 92832 w 556978"/>
+                  <a:gd name="connsiteY0" fmla="*/ 601470 h 601470"/>
+                  <a:gd name="connsiteX1" fmla="*/ 0 w 556978"/>
+                  <a:gd name="connsiteY1" fmla="*/ 508638 h 601470"/>
+                  <a:gd name="connsiteX2" fmla="*/ 0 w 556978"/>
+                  <a:gd name="connsiteY2" fmla="*/ 92832 h 601470"/>
+                  <a:gd name="connsiteX3" fmla="*/ 92832 w 556978"/>
+                  <a:gd name="connsiteY3" fmla="*/ 0 h 601470"/>
+                  <a:gd name="connsiteX4" fmla="*/ 464146 w 556978"/>
+                  <a:gd name="connsiteY4" fmla="*/ 0 h 601470"/>
+                  <a:gd name="connsiteX5" fmla="*/ 556978 w 556978"/>
+                  <a:gd name="connsiteY5" fmla="*/ 92832 h 601470"/>
+                  <a:gd name="connsiteX6" fmla="*/ 556978 w 556978"/>
+                  <a:gd name="connsiteY6" fmla="*/ 508638 h 601470"/>
+                  <a:gd name="connsiteX7" fmla="*/ 464146 w 556978"/>
+                  <a:gd name="connsiteY7" fmla="*/ 601470 h 601470"/>
+                  <a:gd name="connsiteX0" fmla="*/ 0 w 556978"/>
+                  <a:gd name="connsiteY0" fmla="*/ 92832 h 601470"/>
+                  <a:gd name="connsiteX1" fmla="*/ 92832 w 556978"/>
+                  <a:gd name="connsiteY1" fmla="*/ 0 h 601470"/>
+                  <a:gd name="connsiteX2" fmla="*/ 464146 w 556978"/>
+                  <a:gd name="connsiteY2" fmla="*/ 0 h 601470"/>
+                  <a:gd name="connsiteX3" fmla="*/ 556978 w 556978"/>
+                  <a:gd name="connsiteY3" fmla="*/ 92832 h 601470"/>
+                  <a:gd name="connsiteX4" fmla="*/ 556978 w 556978"/>
+                  <a:gd name="connsiteY4" fmla="*/ 508638 h 601470"/>
+                  <a:gd name="connsiteX5" fmla="*/ 464146 w 556978"/>
+                  <a:gd name="connsiteY5" fmla="*/ 601470 h 601470"/>
+                  <a:gd name="connsiteX6" fmla="*/ 92832 w 556978"/>
+                  <a:gd name="connsiteY6" fmla="*/ 601470 h 601470"/>
+                  <a:gd name="connsiteX7" fmla="*/ 0 w 556978"/>
+                  <a:gd name="connsiteY7" fmla="*/ 508638 h 601470"/>
+                  <a:gd name="connsiteX8" fmla="*/ 0 w 556978"/>
+                  <a:gd name="connsiteY8" fmla="*/ 92832 h 601470"/>
+                  <a:gd name="connsiteX0" fmla="*/ 92832 w 556978"/>
+                  <a:gd name="connsiteY0" fmla="*/ 601470 h 601470"/>
+                  <a:gd name="connsiteX1" fmla="*/ 0 w 556978"/>
+                  <a:gd name="connsiteY1" fmla="*/ 508638 h 601470"/>
+                  <a:gd name="connsiteX2" fmla="*/ 0 w 556978"/>
+                  <a:gd name="connsiteY2" fmla="*/ 92832 h 601470"/>
+                  <a:gd name="connsiteX3" fmla="*/ 92832 w 556978"/>
+                  <a:gd name="connsiteY3" fmla="*/ 0 h 601470"/>
+                  <a:gd name="connsiteX4" fmla="*/ 464146 w 556978"/>
+                  <a:gd name="connsiteY4" fmla="*/ 0 h 601470"/>
+                  <a:gd name="connsiteX5" fmla="*/ 556978 w 556978"/>
+                  <a:gd name="connsiteY5" fmla="*/ 92832 h 601470"/>
+                  <a:gd name="connsiteX6" fmla="*/ 556978 w 556978"/>
+                  <a:gd name="connsiteY6" fmla="*/ 508638 h 601470"/>
+                  <a:gd name="connsiteX0" fmla="*/ 0 w 556978"/>
+                  <a:gd name="connsiteY0" fmla="*/ 92832 h 601470"/>
+                  <a:gd name="connsiteX1" fmla="*/ 92832 w 556978"/>
+                  <a:gd name="connsiteY1" fmla="*/ 0 h 601470"/>
+                  <a:gd name="connsiteX2" fmla="*/ 464146 w 556978"/>
+                  <a:gd name="connsiteY2" fmla="*/ 0 h 601470"/>
+                  <a:gd name="connsiteX3" fmla="*/ 556978 w 556978"/>
+                  <a:gd name="connsiteY3" fmla="*/ 92832 h 601470"/>
+                  <a:gd name="connsiteX4" fmla="*/ 556978 w 556978"/>
+                  <a:gd name="connsiteY4" fmla="*/ 508638 h 601470"/>
+                  <a:gd name="connsiteX5" fmla="*/ 464146 w 556978"/>
+                  <a:gd name="connsiteY5" fmla="*/ 601470 h 601470"/>
+                  <a:gd name="connsiteX6" fmla="*/ 92832 w 556978"/>
+                  <a:gd name="connsiteY6" fmla="*/ 601470 h 601470"/>
+                  <a:gd name="connsiteX7" fmla="*/ 0 w 556978"/>
+                  <a:gd name="connsiteY7" fmla="*/ 508638 h 601470"/>
+                  <a:gd name="connsiteX8" fmla="*/ 0 w 556978"/>
+                  <a:gd name="connsiteY8" fmla="*/ 92832 h 601470"/>
+                  <a:gd name="connsiteX0" fmla="*/ 92832 w 556978"/>
+                  <a:gd name="connsiteY0" fmla="*/ 601470 h 601470"/>
+                  <a:gd name="connsiteX1" fmla="*/ 0 w 556978"/>
+                  <a:gd name="connsiteY1" fmla="*/ 508638 h 601470"/>
+                  <a:gd name="connsiteX2" fmla="*/ 0 w 556978"/>
+                  <a:gd name="connsiteY2" fmla="*/ 92832 h 601470"/>
+                  <a:gd name="connsiteX3" fmla="*/ 92832 w 556978"/>
+                  <a:gd name="connsiteY3" fmla="*/ 0 h 601470"/>
+                  <a:gd name="connsiteX4" fmla="*/ 464146 w 556978"/>
+                  <a:gd name="connsiteY4" fmla="*/ 0 h 601470"/>
+                  <a:gd name="connsiteX5" fmla="*/ 556978 w 556978"/>
+                  <a:gd name="connsiteY5" fmla="*/ 92832 h 601470"/>
+                  <a:gd name="connsiteX0" fmla="*/ 0 w 556978"/>
+                  <a:gd name="connsiteY0" fmla="*/ 92832 h 601470"/>
+                  <a:gd name="connsiteX1" fmla="*/ 92832 w 556978"/>
+                  <a:gd name="connsiteY1" fmla="*/ 0 h 601470"/>
+                  <a:gd name="connsiteX2" fmla="*/ 464146 w 556978"/>
+                  <a:gd name="connsiteY2" fmla="*/ 0 h 601470"/>
+                  <a:gd name="connsiteX3" fmla="*/ 556978 w 556978"/>
+                  <a:gd name="connsiteY3" fmla="*/ 92832 h 601470"/>
+                  <a:gd name="connsiteX4" fmla="*/ 556978 w 556978"/>
+                  <a:gd name="connsiteY4" fmla="*/ 508638 h 601470"/>
+                  <a:gd name="connsiteX5" fmla="*/ 464146 w 556978"/>
+                  <a:gd name="connsiteY5" fmla="*/ 601470 h 601470"/>
+                  <a:gd name="connsiteX6" fmla="*/ 92832 w 556978"/>
+                  <a:gd name="connsiteY6" fmla="*/ 601470 h 601470"/>
+                  <a:gd name="connsiteX7" fmla="*/ 0 w 556978"/>
+                  <a:gd name="connsiteY7" fmla="*/ 508638 h 601470"/>
+                  <a:gd name="connsiteX8" fmla="*/ 0 w 556978"/>
+                  <a:gd name="connsiteY8" fmla="*/ 92832 h 601470"/>
+                  <a:gd name="connsiteX0" fmla="*/ 92832 w 556978"/>
+                  <a:gd name="connsiteY0" fmla="*/ 601470 h 601470"/>
+                  <a:gd name="connsiteX1" fmla="*/ 0 w 556978"/>
+                  <a:gd name="connsiteY1" fmla="*/ 508638 h 601470"/>
+                  <a:gd name="connsiteX2" fmla="*/ 0 w 556978"/>
+                  <a:gd name="connsiteY2" fmla="*/ 92832 h 601470"/>
+                  <a:gd name="connsiteX3" fmla="*/ 92832 w 556978"/>
+                  <a:gd name="connsiteY3" fmla="*/ 0 h 601470"/>
+                  <a:gd name="connsiteX0" fmla="*/ 0 w 556978"/>
+                  <a:gd name="connsiteY0" fmla="*/ 92832 h 601470"/>
+                  <a:gd name="connsiteX1" fmla="*/ 92832 w 556978"/>
+                  <a:gd name="connsiteY1" fmla="*/ 0 h 601470"/>
+                  <a:gd name="connsiteX2" fmla="*/ 556978 w 556978"/>
+                  <a:gd name="connsiteY2" fmla="*/ 92832 h 601470"/>
+                  <a:gd name="connsiteX3" fmla="*/ 556978 w 556978"/>
+                  <a:gd name="connsiteY3" fmla="*/ 508638 h 601470"/>
+                  <a:gd name="connsiteX4" fmla="*/ 464146 w 556978"/>
+                  <a:gd name="connsiteY4" fmla="*/ 601470 h 601470"/>
+                  <a:gd name="connsiteX5" fmla="*/ 92832 w 556978"/>
+                  <a:gd name="connsiteY5" fmla="*/ 601470 h 601470"/>
+                  <a:gd name="connsiteX6" fmla="*/ 0 w 556978"/>
+                  <a:gd name="connsiteY6" fmla="*/ 508638 h 601470"/>
+                  <a:gd name="connsiteX7" fmla="*/ 0 w 556978"/>
+                  <a:gd name="connsiteY7" fmla="*/ 92832 h 601470"/>
+                  <a:gd name="connsiteX0" fmla="*/ 92832 w 556978"/>
+                  <a:gd name="connsiteY0" fmla="*/ 601470 h 601470"/>
+                  <a:gd name="connsiteX1" fmla="*/ 0 w 556978"/>
+                  <a:gd name="connsiteY1" fmla="*/ 508638 h 601470"/>
+                  <a:gd name="connsiteX2" fmla="*/ 0 w 556978"/>
+                  <a:gd name="connsiteY2" fmla="*/ 92832 h 601470"/>
+                  <a:gd name="connsiteX3" fmla="*/ 92832 w 556978"/>
+                  <a:gd name="connsiteY3" fmla="*/ 0 h 601470"/>
+                  <a:gd name="connsiteX0" fmla="*/ 0 w 556978"/>
+                  <a:gd name="connsiteY0" fmla="*/ 92832 h 601470"/>
+                  <a:gd name="connsiteX1" fmla="*/ 92832 w 556978"/>
+                  <a:gd name="connsiteY1" fmla="*/ 0 h 601470"/>
+                  <a:gd name="connsiteX2" fmla="*/ 556978 w 556978"/>
+                  <a:gd name="connsiteY2" fmla="*/ 508638 h 601470"/>
+                  <a:gd name="connsiteX3" fmla="*/ 464146 w 556978"/>
+                  <a:gd name="connsiteY3" fmla="*/ 601470 h 601470"/>
+                  <a:gd name="connsiteX4" fmla="*/ 92832 w 556978"/>
+                  <a:gd name="connsiteY4" fmla="*/ 601470 h 601470"/>
+                  <a:gd name="connsiteX5" fmla="*/ 0 w 556978"/>
+                  <a:gd name="connsiteY5" fmla="*/ 508638 h 601470"/>
+                  <a:gd name="connsiteX6" fmla="*/ 0 w 556978"/>
+                  <a:gd name="connsiteY6" fmla="*/ 92832 h 601470"/>
+                  <a:gd name="connsiteX0" fmla="*/ 92832 w 556978"/>
+                  <a:gd name="connsiteY0" fmla="*/ 601470 h 601470"/>
+                  <a:gd name="connsiteX1" fmla="*/ 0 w 556978"/>
+                  <a:gd name="connsiteY1" fmla="*/ 508638 h 601470"/>
+                  <a:gd name="connsiteX2" fmla="*/ 0 w 556978"/>
+                  <a:gd name="connsiteY2" fmla="*/ 92832 h 601470"/>
+                  <a:gd name="connsiteX3" fmla="*/ 92832 w 556978"/>
+                  <a:gd name="connsiteY3" fmla="*/ 0 h 601470"/>
+                  <a:gd name="connsiteX0" fmla="*/ 0 w 464146"/>
+                  <a:gd name="connsiteY0" fmla="*/ 92832 h 601470"/>
+                  <a:gd name="connsiteX1" fmla="*/ 92832 w 464146"/>
+                  <a:gd name="connsiteY1" fmla="*/ 0 h 601470"/>
+                  <a:gd name="connsiteX2" fmla="*/ 464146 w 464146"/>
+                  <a:gd name="connsiteY2" fmla="*/ 601470 h 601470"/>
+                  <a:gd name="connsiteX3" fmla="*/ 92832 w 464146"/>
+                  <a:gd name="connsiteY3" fmla="*/ 601470 h 601470"/>
+                  <a:gd name="connsiteX4" fmla="*/ 0 w 464146"/>
+                  <a:gd name="connsiteY4" fmla="*/ 508638 h 601470"/>
+                  <a:gd name="connsiteX5" fmla="*/ 0 w 464146"/>
+                  <a:gd name="connsiteY5" fmla="*/ 92832 h 601470"/>
+                  <a:gd name="connsiteX0" fmla="*/ 92832 w 464146"/>
+                  <a:gd name="connsiteY0" fmla="*/ 601470 h 601470"/>
+                  <a:gd name="connsiteX1" fmla="*/ 0 w 464146"/>
+                  <a:gd name="connsiteY1" fmla="*/ 508638 h 601470"/>
+                  <a:gd name="connsiteX2" fmla="*/ 0 w 464146"/>
+                  <a:gd name="connsiteY2" fmla="*/ 92832 h 601470"/>
+                  <a:gd name="connsiteX3" fmla="*/ 92832 w 464146"/>
+                  <a:gd name="connsiteY3" fmla="*/ 0 h 601470"/>
+                  <a:gd name="connsiteX0" fmla="*/ 0 w 92832"/>
+                  <a:gd name="connsiteY0" fmla="*/ 92832 h 601470"/>
+                  <a:gd name="connsiteX1" fmla="*/ 92832 w 92832"/>
+                  <a:gd name="connsiteY1" fmla="*/ 0 h 601470"/>
+                  <a:gd name="connsiteX2" fmla="*/ 92832 w 92832"/>
+                  <a:gd name="connsiteY2" fmla="*/ 601470 h 601470"/>
+                  <a:gd name="connsiteX3" fmla="*/ 0 w 92832"/>
+                  <a:gd name="connsiteY3" fmla="*/ 508638 h 601470"/>
+                  <a:gd name="connsiteX4" fmla="*/ 0 w 92832"/>
+                  <a:gd name="connsiteY4" fmla="*/ 92832 h 601470"/>
+                  <a:gd name="connsiteX0" fmla="*/ 92832 w 92832"/>
+                  <a:gd name="connsiteY0" fmla="*/ 601470 h 601470"/>
+                  <a:gd name="connsiteX1" fmla="*/ 0 w 92832"/>
+                  <a:gd name="connsiteY1" fmla="*/ 508638 h 601470"/>
+                  <a:gd name="connsiteX2" fmla="*/ 0 w 92832"/>
+                  <a:gd name="connsiteY2" fmla="*/ 92832 h 601470"/>
+                  <a:gd name="connsiteX3" fmla="*/ 92832 w 92832"/>
+                  <a:gd name="connsiteY3" fmla="*/ 0 h 601470"/>
+                </a:gdLst>
+                <a:ahLst/>
+                <a:cxnLst>
+                  <a:cxn ang="0">
+                    <a:pos x="connsiteX0" y="connsiteY0"/>
+                  </a:cxn>
+                  <a:cxn ang="0">
+                    <a:pos x="connsiteX1" y="connsiteY1"/>
+                  </a:cxn>
+                  <a:cxn ang="0">
+                    <a:pos x="connsiteX2" y="connsiteY2"/>
+                  </a:cxn>
+                  <a:cxn ang="0">
+                    <a:pos x="connsiteX3" y="connsiteY3"/>
+                  </a:cxn>
+                </a:cxnLst>
+                <a:rect l="l" t="t" r="r" b="b"/>
+                <a:pathLst>
+                  <a:path w="92832" h="601470" stroke="0" extrusionOk="0">
+                    <a:moveTo>
+                      <a:pt x="0" y="92832"/>
+                    </a:moveTo>
+                    <a:cubicBezTo>
+                      <a:pt x="0" y="41562"/>
+                      <a:pt x="41562" y="0"/>
+                      <a:pt x="92832" y="0"/>
+                    </a:cubicBezTo>
+                    <a:lnTo>
+                      <a:pt x="92832" y="601470"/>
+                    </a:lnTo>
+                    <a:cubicBezTo>
+                      <a:pt x="41562" y="601470"/>
+                      <a:pt x="0" y="559908"/>
+                      <a:pt x="0" y="508638"/>
+                    </a:cubicBezTo>
+                    <a:lnTo>
+                      <a:pt x="0" y="92832"/>
+                    </a:lnTo>
+                    <a:close/>
+                  </a:path>
+                  <a:path w="92832" h="601470" fill="none">
+                    <a:moveTo>
+                      <a:pt x="92832" y="601470"/>
+                    </a:moveTo>
+                    <a:cubicBezTo>
+                      <a:pt x="41562" y="601470"/>
+                      <a:pt x="0" y="559908"/>
+                      <a:pt x="0" y="508638"/>
+                    </a:cubicBezTo>
+                    <a:lnTo>
+                      <a:pt x="0" y="92832"/>
+                    </a:lnTo>
+                    <a:cubicBezTo>
+                      <a:pt x="0" y="41562"/>
+                      <a:pt x="41562" y="0"/>
+                      <a:pt x="92832" y="0"/>
+                    </a:cubicBezTo>
+                  </a:path>
+                </a:pathLst>
+              </a:custGeom>
+              <a:noFill/>
+              <a:ln w="38100">
+                <a:solidFill>
+                  <a:srgbClr val="91959E"/>
+                </a:solidFill>
+              </a:ln>
+            </p:spPr>
+            <p:style>
+              <a:lnRef idx="2">
+                <a:schemeClr val="accent1">
+                  <a:shade val="50000"/>
+                </a:schemeClr>
+              </a:lnRef>
+              <a:fillRef idx="1">
+                <a:schemeClr val="accent1"/>
+              </a:fillRef>
+              <a:effectRef idx="0">
+                <a:schemeClr val="accent1"/>
+              </a:effectRef>
+              <a:fontRef idx="minor">
+                <a:schemeClr val="lt1"/>
+              </a:fontRef>
+            </p:style>
+            <p:txBody>
+              <a:bodyPr rtlCol="0" anchor="ctr"/>
+              <a:lstStyle/>
+              <a:p>
+                <a:pPr algn="ctr"/>
+                <a:endParaRPr lang="en-US" dirty="0">
+                  <a:solidFill>
+                    <a:schemeClr val="lt1"/>
+                  </a:solidFill>
+                </a:endParaRPr>
+              </a:p>
+            </p:txBody>
+          </p:sp>
+        </p:grpSp>
+      </p:grpSp>
+      <p:pic>
+        <p:nvPicPr>
+          <p:cNvPr id="60" name="Picture 59">
+            <a:extLst>
+              <a:ext uri="{FF2B5EF4-FFF2-40B4-BE49-F238E27FC236}">
+                <a16:creationId xmlns:a16="http://schemas.microsoft.com/office/drawing/2014/main" id="{8A179DF1-AD4E-4756-8A41-E888F89E5610}"/>
+              </a:ext>
+            </a:extLst>
+          </p:cNvPr>
+          <p:cNvPicPr>
+            <a:picLocks noChangeAspect="1"/>
+          </p:cNvPicPr>
+          <p:nvPr/>
+        </p:nvPicPr>
+        <p:blipFill>
+          <a:blip r:embed="rId2"/>
+          <a:stretch>
+            <a:fillRect/>
+          </a:stretch>
+        </p:blipFill>
+        <p:spPr>
+          <a:xfrm>
+            <a:off x="8141934" y="5584110"/>
+            <a:ext cx="699163" cy="571917"/>
+          </a:xfrm>
+          <a:prstGeom prst="rect">
+            <a:avLst/>
+          </a:prstGeom>
+        </p:spPr>
+      </p:pic>
+      <p:grpSp>
+        <p:nvGrpSpPr>
+          <p:cNvPr id="87" name="Group 86">
+            <a:extLst>
+              <a:ext uri="{FF2B5EF4-FFF2-40B4-BE49-F238E27FC236}">
+                <a16:creationId xmlns:a16="http://schemas.microsoft.com/office/drawing/2014/main" id="{894D6506-AC7B-4C89-AD32-45B315D9CE48}"/>
               </a:ext>
             </a:extLst>
           </p:cNvPr>
@@ -3588,7 +4513,7 @@
           </p:nvSpPr>
           <p:spPr>
             <a:xfrm>
-              <a:off x="2038142" y="2154741"/>
+              <a:off x="2038142" y="1922860"/>
               <a:ext cx="2417522" cy="369332"/>
             </a:xfrm>
             <a:prstGeom prst="rect">
@@ -3666,7 +4591,7 @@
           </p:nvSpPr>
           <p:spPr>
             <a:xfrm>
-              <a:off x="2038142" y="3499689"/>
+              <a:off x="2038142" y="3359733"/>
               <a:ext cx="2417522" cy="369332"/>
             </a:xfrm>
             <a:prstGeom prst="rect">
@@ -3705,7 +4630,7 @@
           </p:nvSpPr>
           <p:spPr>
             <a:xfrm>
-              <a:off x="2038143" y="2827215"/>
+              <a:off x="2038143" y="2653112"/>
               <a:ext cx="2417522" cy="369332"/>
             </a:xfrm>
             <a:prstGeom prst="rect">
@@ -4359,126 +5284,6 @@
             </a:p>
           </p:txBody>
         </p:sp>
-        <p:pic>
-          <p:nvPicPr>
-            <p:cNvPr id="26" name="Picture 25">
-              <a:extLst>
-                <a:ext uri="{FF2B5EF4-FFF2-40B4-BE49-F238E27FC236}">
-                  <a16:creationId xmlns:a16="http://schemas.microsoft.com/office/drawing/2014/main" id="{3E91F944-1733-4E6A-ACEC-795FA74371B1}"/>
-                </a:ext>
-              </a:extLst>
-            </p:cNvPr>
-            <p:cNvPicPr>
-              <a:picLocks noChangeAspect="1"/>
-            </p:cNvPicPr>
-            <p:nvPr/>
-          </p:nvPicPr>
-          <p:blipFill rotWithShape="1">
-            <a:blip r:embed="rId2">
-              <a:clrChange>
-                <a:clrFrom>
-                  <a:srgbClr val="FFFFFF"/>
-                </a:clrFrom>
-                <a:clrTo>
-                  <a:srgbClr val="FFFFFF">
-                    <a:alpha val="0"/>
-                  </a:srgbClr>
-                </a:clrTo>
-              </a:clrChange>
-            </a:blip>
-            <a:srcRect r="81325" b="64190"/>
-            <a:stretch/>
-          </p:blipFill>
-          <p:spPr>
-            <a:xfrm>
-              <a:off x="9415786" y="932555"/>
-              <a:ext cx="703981" cy="814472"/>
-            </a:xfrm>
-            <a:prstGeom prst="rect">
-              <a:avLst/>
-            </a:prstGeom>
-          </p:spPr>
-        </p:pic>
-        <p:pic>
-          <p:nvPicPr>
-            <p:cNvPr id="44" name="Picture 43">
-              <a:extLst>
-                <a:ext uri="{FF2B5EF4-FFF2-40B4-BE49-F238E27FC236}">
-                  <a16:creationId xmlns:a16="http://schemas.microsoft.com/office/drawing/2014/main" id="{046DEFFF-1A39-40E9-A480-E32E154DE139}"/>
-                </a:ext>
-              </a:extLst>
-            </p:cNvPr>
-            <p:cNvPicPr>
-              <a:picLocks noChangeAspect="1"/>
-            </p:cNvPicPr>
-            <p:nvPr/>
-          </p:nvPicPr>
-          <p:blipFill rotWithShape="1">
-            <a:blip r:embed="rId2">
-              <a:clrChange>
-                <a:clrFrom>
-                  <a:srgbClr val="FFFFFF"/>
-                </a:clrFrom>
-                <a:clrTo>
-                  <a:srgbClr val="FFFFFF">
-                    <a:alpha val="0"/>
-                  </a:srgbClr>
-                </a:clrTo>
-              </a:clrChange>
-            </a:blip>
-            <a:srcRect t="35810" r="81325" b="33670"/>
-            <a:stretch/>
-          </p:blipFill>
-          <p:spPr>
-            <a:xfrm>
-              <a:off x="9415786" y="2358242"/>
-              <a:ext cx="703981" cy="694150"/>
-            </a:xfrm>
-            <a:prstGeom prst="rect">
-              <a:avLst/>
-            </a:prstGeom>
-          </p:spPr>
-        </p:pic>
-        <p:pic>
-          <p:nvPicPr>
-            <p:cNvPr id="45" name="Picture 44">
-              <a:extLst>
-                <a:ext uri="{FF2B5EF4-FFF2-40B4-BE49-F238E27FC236}">
-                  <a16:creationId xmlns:a16="http://schemas.microsoft.com/office/drawing/2014/main" id="{F9F7E327-D8A0-474B-B140-86F832E8F34D}"/>
-                </a:ext>
-              </a:extLst>
-            </p:cNvPr>
-            <p:cNvPicPr>
-              <a:picLocks noChangeAspect="1"/>
-            </p:cNvPicPr>
-            <p:nvPr/>
-          </p:nvPicPr>
-          <p:blipFill rotWithShape="1">
-            <a:blip r:embed="rId2">
-              <a:clrChange>
-                <a:clrFrom>
-                  <a:srgbClr val="FFFFFF"/>
-                </a:clrFrom>
-                <a:clrTo>
-                  <a:srgbClr val="FFFFFF">
-                    <a:alpha val="0"/>
-                  </a:srgbClr>
-                </a:clrTo>
-              </a:clrChange>
-            </a:blip>
-            <a:srcRect t="66331" r="81325" b="6118"/>
-            <a:stretch/>
-          </p:blipFill>
-          <p:spPr>
-            <a:xfrm>
-              <a:off x="9415786" y="4013930"/>
-              <a:ext cx="703981" cy="626632"/>
-            </a:xfrm>
-            <a:prstGeom prst="rect">
-              <a:avLst/>
-            </a:prstGeom>
-          </p:spPr>
-        </p:pic>
         <p:sp>
           <p:nvSpPr>
             <p:cNvPr id="46" name="TextBox 45">
@@ -4531,7 +5336,7 @@
           </p:nvSpPr>
           <p:spPr>
             <a:xfrm>
-              <a:off x="9921512" y="2493818"/>
+              <a:off x="9921512" y="2715703"/>
               <a:ext cx="1988100" cy="369332"/>
             </a:xfrm>
             <a:prstGeom prst="rect">
@@ -4607,7 +5412,7 @@
           </p:nvSpPr>
           <p:spPr>
             <a:xfrm>
-              <a:off x="6888326" y="2462709"/>
+              <a:off x="6888326" y="2684594"/>
               <a:ext cx="2417522" cy="369332"/>
             </a:xfrm>
             <a:prstGeom prst="rect">
@@ -4632,6 +5437,436 @@
             </a:p>
           </p:txBody>
         </p:sp>
+        <p:sp>
+          <p:nvSpPr>
+            <p:cNvPr id="20" name="TextBox 19">
+              <a:extLst>
+                <a:ext uri="{FF2B5EF4-FFF2-40B4-BE49-F238E27FC236}">
+                  <a16:creationId xmlns:a16="http://schemas.microsoft.com/office/drawing/2014/main" id="{9D34BC65-750E-4C28-992C-7B664ACA9915}"/>
+                </a:ext>
+              </a:extLst>
+            </p:cNvPr>
+            <p:cNvSpPr txBox="1"/>
+            <p:nvPr/>
+          </p:nvSpPr>
+          <p:spPr>
+            <a:xfrm>
+              <a:off x="5638800" y="2971800"/>
+              <a:ext cx="914400" cy="914400"/>
+            </a:xfrm>
+            <a:prstGeom prst="rect">
+              <a:avLst/>
+            </a:prstGeom>
+            <a:noFill/>
+          </p:spPr>
+          <p:txBody>
+            <a:bodyPr wrap="square" rtlCol="0">
+              <a:spAutoFit/>
+            </a:bodyPr>
+            <a:lstStyle/>
+            <a:p>
+              <a:endParaRPr lang="en-US" dirty="0"/>
+            </a:p>
+          </p:txBody>
+        </p:sp>
+        <p:pic>
+          <p:nvPicPr>
+            <p:cNvPr id="71" name="Picture 70">
+              <a:extLst>
+                <a:ext uri="{FF2B5EF4-FFF2-40B4-BE49-F238E27FC236}">
+                  <a16:creationId xmlns:a16="http://schemas.microsoft.com/office/drawing/2014/main" id="{5C5E1B1C-925A-4DB6-B786-A5918B93EDDC}"/>
+                </a:ext>
+              </a:extLst>
+            </p:cNvPr>
+            <p:cNvPicPr>
+              <a:picLocks noChangeAspect="1"/>
+            </p:cNvPicPr>
+            <p:nvPr/>
+          </p:nvPicPr>
+          <p:blipFill>
+            <a:blip r:embed="rId3"/>
+            <a:stretch>
+              <a:fillRect/>
+            </a:stretch>
+          </p:blipFill>
+          <p:spPr>
+            <a:xfrm>
+              <a:off x="9415786" y="994488"/>
+              <a:ext cx="635129" cy="754643"/>
+            </a:xfrm>
+            <a:prstGeom prst="rect">
+              <a:avLst/>
+            </a:prstGeom>
+          </p:spPr>
+        </p:pic>
+        <p:pic>
+          <p:nvPicPr>
+            <p:cNvPr id="74" name="Picture 73">
+              <a:extLst>
+                <a:ext uri="{FF2B5EF4-FFF2-40B4-BE49-F238E27FC236}">
+                  <a16:creationId xmlns:a16="http://schemas.microsoft.com/office/drawing/2014/main" id="{E21BC009-9343-4328-B961-87CB24F4FCDD}"/>
+                </a:ext>
+              </a:extLst>
+            </p:cNvPr>
+            <p:cNvPicPr>
+              <a:picLocks noChangeAspect="1"/>
+            </p:cNvPicPr>
+            <p:nvPr/>
+          </p:nvPicPr>
+          <p:blipFill>
+            <a:blip r:embed="rId4"/>
+            <a:stretch>
+              <a:fillRect/>
+            </a:stretch>
+          </p:blipFill>
+          <p:spPr>
+            <a:xfrm>
+              <a:off x="9556136" y="2710264"/>
+              <a:ext cx="354428" cy="317991"/>
+            </a:xfrm>
+            <a:prstGeom prst="rect">
+              <a:avLst/>
+            </a:prstGeom>
+          </p:spPr>
+        </p:pic>
+        <p:pic>
+          <p:nvPicPr>
+            <p:cNvPr id="75" name="Picture 74">
+              <a:extLst>
+                <a:ext uri="{FF2B5EF4-FFF2-40B4-BE49-F238E27FC236}">
+                  <a16:creationId xmlns:a16="http://schemas.microsoft.com/office/drawing/2014/main" id="{E43D3F36-40D1-48D7-B825-23E7E6D86BF1}"/>
+                </a:ext>
+              </a:extLst>
+            </p:cNvPr>
+            <p:cNvPicPr>
+              <a:picLocks noChangeAspect="1"/>
+            </p:cNvPicPr>
+            <p:nvPr/>
+          </p:nvPicPr>
+          <p:blipFill>
+            <a:blip r:embed="rId2"/>
+            <a:stretch>
+              <a:fillRect/>
+            </a:stretch>
+          </p:blipFill>
+          <p:spPr>
+            <a:xfrm>
+              <a:off x="9560983" y="4197380"/>
+              <a:ext cx="371004" cy="303482"/>
+            </a:xfrm>
+            <a:prstGeom prst="rect">
+              <a:avLst/>
+            </a:prstGeom>
+          </p:spPr>
+        </p:pic>
+      </p:grpSp>
+      <p:grpSp>
+        <p:nvGrpSpPr>
+          <p:cNvPr id="84" name="Group 83">
+            <a:extLst>
+              <a:ext uri="{FF2B5EF4-FFF2-40B4-BE49-F238E27FC236}">
+                <a16:creationId xmlns:a16="http://schemas.microsoft.com/office/drawing/2014/main" id="{F623F18F-10F6-457E-86CB-C77D75496746}"/>
+              </a:ext>
+            </a:extLst>
+          </p:cNvPr>
+          <p:cNvGrpSpPr/>
+          <p:nvPr/>
+        </p:nvGrpSpPr>
+        <p:grpSpPr>
+          <a:xfrm>
+            <a:off x="1706296" y="5516595"/>
+            <a:ext cx="778771" cy="769441"/>
+            <a:chOff x="1706296" y="5516595"/>
+            <a:chExt cx="778771" cy="769441"/>
+          </a:xfrm>
+        </p:grpSpPr>
+        <p:sp>
+          <p:nvSpPr>
+            <p:cNvPr id="79" name="Rectangle: Rounded Corners 78">
+              <a:extLst>
+                <a:ext uri="{FF2B5EF4-FFF2-40B4-BE49-F238E27FC236}">
+                  <a16:creationId xmlns:a16="http://schemas.microsoft.com/office/drawing/2014/main" id="{C6487D91-F672-4D45-BC35-3381567FD4C3}"/>
+                </a:ext>
+              </a:extLst>
+            </p:cNvPr>
+            <p:cNvSpPr/>
+            <p:nvPr/>
+          </p:nvSpPr>
+          <p:spPr>
+            <a:xfrm>
+              <a:off x="1706296" y="5516595"/>
+              <a:ext cx="778771" cy="769441"/>
+            </a:xfrm>
+            <a:prstGeom prst="roundRect">
+              <a:avLst/>
+            </a:prstGeom>
+            <a:solidFill>
+              <a:schemeClr val="bg1"/>
+            </a:solidFill>
+            <a:ln>
+              <a:noFill/>
+            </a:ln>
+          </p:spPr>
+          <p:style>
+            <a:lnRef idx="2">
+              <a:schemeClr val="accent1">
+                <a:shade val="50000"/>
+              </a:schemeClr>
+            </a:lnRef>
+            <a:fillRef idx="1">
+              <a:schemeClr val="accent1"/>
+            </a:fillRef>
+            <a:effectRef idx="0">
+              <a:schemeClr val="accent1"/>
+            </a:effectRef>
+            <a:fontRef idx="minor">
+              <a:schemeClr val="lt1"/>
+            </a:fontRef>
+          </p:style>
+          <p:txBody>
+            <a:bodyPr rtlCol="0" anchor="ctr"/>
+            <a:lstStyle/>
+            <a:p>
+              <a:pPr algn="ctr"/>
+              <a:endParaRPr lang="en-US"/>
+            </a:p>
+          </p:txBody>
+        </p:sp>
+        <p:pic>
+          <p:nvPicPr>
+            <p:cNvPr id="76" name="Picture 75">
+              <a:extLst>
+                <a:ext uri="{FF2B5EF4-FFF2-40B4-BE49-F238E27FC236}">
+                  <a16:creationId xmlns:a16="http://schemas.microsoft.com/office/drawing/2014/main" id="{4C6D23B5-B903-4495-BCBB-13BA0439B2F7}"/>
+                </a:ext>
+              </a:extLst>
+            </p:cNvPr>
+            <p:cNvPicPr>
+              <a:picLocks noChangeAspect="1"/>
+            </p:cNvPicPr>
+            <p:nvPr/>
+          </p:nvPicPr>
+          <p:blipFill rotWithShape="1">
+            <a:blip r:embed="rId3"/>
+            <a:srcRect l="15919" t="22308" r="15404" b="20583"/>
+            <a:stretch/>
+          </p:blipFill>
+          <p:spPr>
+            <a:xfrm>
+              <a:off x="1706296" y="5516595"/>
+              <a:ext cx="778771" cy="769441"/>
+            </a:xfrm>
+            <a:prstGeom prst="rect">
+              <a:avLst/>
+            </a:prstGeom>
+          </p:spPr>
+        </p:pic>
+      </p:grpSp>
+      <p:grpSp>
+        <p:nvGrpSpPr>
+          <p:cNvPr id="85" name="Group 84">
+            <a:extLst>
+              <a:ext uri="{FF2B5EF4-FFF2-40B4-BE49-F238E27FC236}">
+                <a16:creationId xmlns:a16="http://schemas.microsoft.com/office/drawing/2014/main" id="{9E54328D-7BE4-4E66-A575-CD6078F20106}"/>
+              </a:ext>
+            </a:extLst>
+          </p:cNvPr>
+          <p:cNvGrpSpPr/>
+          <p:nvPr/>
+        </p:nvGrpSpPr>
+        <p:grpSpPr>
+          <a:xfrm>
+            <a:off x="2857516" y="5516595"/>
+            <a:ext cx="778771" cy="769441"/>
+            <a:chOff x="2857516" y="5516595"/>
+            <a:chExt cx="778771" cy="769441"/>
+          </a:xfrm>
+        </p:grpSpPr>
+        <p:sp>
+          <p:nvSpPr>
+            <p:cNvPr id="81" name="Rectangle: Rounded Corners 80">
+              <a:extLst>
+                <a:ext uri="{FF2B5EF4-FFF2-40B4-BE49-F238E27FC236}">
+                  <a16:creationId xmlns:a16="http://schemas.microsoft.com/office/drawing/2014/main" id="{1BA90BE4-3501-420F-AEC4-EE93B67181BD}"/>
+                </a:ext>
+              </a:extLst>
+            </p:cNvPr>
+            <p:cNvSpPr/>
+            <p:nvPr/>
+          </p:nvSpPr>
+          <p:spPr>
+            <a:xfrm>
+              <a:off x="2857516" y="5516595"/>
+              <a:ext cx="778771" cy="769441"/>
+            </a:xfrm>
+            <a:prstGeom prst="roundRect">
+              <a:avLst/>
+            </a:prstGeom>
+            <a:solidFill>
+              <a:schemeClr val="bg1"/>
+            </a:solidFill>
+            <a:ln>
+              <a:noFill/>
+            </a:ln>
+          </p:spPr>
+          <p:style>
+            <a:lnRef idx="2">
+              <a:schemeClr val="accent1">
+                <a:shade val="50000"/>
+              </a:schemeClr>
+            </a:lnRef>
+            <a:fillRef idx="1">
+              <a:schemeClr val="accent1"/>
+            </a:fillRef>
+            <a:effectRef idx="0">
+              <a:schemeClr val="accent1"/>
+            </a:effectRef>
+            <a:fontRef idx="minor">
+              <a:schemeClr val="lt1"/>
+            </a:fontRef>
+          </p:style>
+          <p:txBody>
+            <a:bodyPr rtlCol="0" anchor="ctr"/>
+            <a:lstStyle/>
+            <a:p>
+              <a:pPr algn="ctr"/>
+              <a:endParaRPr lang="en-US"/>
+            </a:p>
+          </p:txBody>
+        </p:sp>
+        <p:pic>
+          <p:nvPicPr>
+            <p:cNvPr id="77" name="Picture 76">
+              <a:extLst>
+                <a:ext uri="{FF2B5EF4-FFF2-40B4-BE49-F238E27FC236}">
+                  <a16:creationId xmlns:a16="http://schemas.microsoft.com/office/drawing/2014/main" id="{C356812D-70D9-47B8-8084-1695B3D710FC}"/>
+                </a:ext>
+              </a:extLst>
+            </p:cNvPr>
+            <p:cNvPicPr>
+              <a:picLocks noChangeAspect="1"/>
+            </p:cNvPicPr>
+            <p:nvPr/>
+          </p:nvPicPr>
+          <p:blipFill>
+            <a:blip r:embed="rId4"/>
+            <a:stretch>
+              <a:fillRect/>
+            </a:stretch>
+          </p:blipFill>
+          <p:spPr>
+            <a:xfrm>
+              <a:off x="2920738" y="5608681"/>
+              <a:ext cx="652329" cy="585267"/>
+            </a:xfrm>
+            <a:prstGeom prst="rect">
+              <a:avLst/>
+            </a:prstGeom>
+          </p:spPr>
+        </p:pic>
+      </p:grpSp>
+      <p:grpSp>
+        <p:nvGrpSpPr>
+          <p:cNvPr id="86" name="Group 85">
+            <a:extLst>
+              <a:ext uri="{FF2B5EF4-FFF2-40B4-BE49-F238E27FC236}">
+                <a16:creationId xmlns:a16="http://schemas.microsoft.com/office/drawing/2014/main" id="{F51B6A73-D6AE-4064-8DD9-6E1BD9862087}"/>
+              </a:ext>
+            </a:extLst>
+          </p:cNvPr>
+          <p:cNvGrpSpPr/>
+          <p:nvPr/>
+        </p:nvGrpSpPr>
+        <p:grpSpPr>
+          <a:xfrm>
+            <a:off x="4056045" y="5516595"/>
+            <a:ext cx="778771" cy="769441"/>
+            <a:chOff x="4056045" y="5516595"/>
+            <a:chExt cx="778771" cy="769441"/>
+          </a:xfrm>
+        </p:grpSpPr>
+        <p:sp>
+          <p:nvSpPr>
+            <p:cNvPr id="82" name="Rectangle: Rounded Corners 81">
+              <a:extLst>
+                <a:ext uri="{FF2B5EF4-FFF2-40B4-BE49-F238E27FC236}">
+                  <a16:creationId xmlns:a16="http://schemas.microsoft.com/office/drawing/2014/main" id="{1E77556D-1C2D-4D2C-8668-A070BA4DAF75}"/>
+                </a:ext>
+              </a:extLst>
+            </p:cNvPr>
+            <p:cNvSpPr/>
+            <p:nvPr/>
+          </p:nvSpPr>
+          <p:spPr>
+            <a:xfrm>
+              <a:off x="4056045" y="5516595"/>
+              <a:ext cx="778771" cy="769441"/>
+            </a:xfrm>
+            <a:prstGeom prst="roundRect">
+              <a:avLst/>
+            </a:prstGeom>
+            <a:solidFill>
+              <a:schemeClr val="bg1"/>
+            </a:solidFill>
+            <a:ln>
+              <a:noFill/>
+            </a:ln>
+          </p:spPr>
+          <p:style>
+            <a:lnRef idx="2">
+              <a:schemeClr val="accent1">
+                <a:shade val="50000"/>
+              </a:schemeClr>
+            </a:lnRef>
+            <a:fillRef idx="1">
+              <a:schemeClr val="accent1"/>
+            </a:fillRef>
+            <a:effectRef idx="0">
+              <a:schemeClr val="accent1"/>
+            </a:effectRef>
+            <a:fontRef idx="minor">
+              <a:schemeClr val="lt1"/>
+            </a:fontRef>
+          </p:style>
+          <p:txBody>
+            <a:bodyPr rtlCol="0" anchor="ctr"/>
+            <a:lstStyle/>
+            <a:p>
+              <a:pPr algn="ctr"/>
+              <a:endParaRPr lang="en-US"/>
+            </a:p>
+          </p:txBody>
+        </p:sp>
+        <p:pic>
+          <p:nvPicPr>
+            <p:cNvPr id="78" name="Picture 77">
+              <a:extLst>
+                <a:ext uri="{FF2B5EF4-FFF2-40B4-BE49-F238E27FC236}">
+                  <a16:creationId xmlns:a16="http://schemas.microsoft.com/office/drawing/2014/main" id="{19BC291A-E2F3-4DF4-BE56-CCF74A914A88}"/>
+                </a:ext>
+              </a:extLst>
+            </p:cNvPr>
+            <p:cNvPicPr>
+              <a:picLocks noChangeAspect="1"/>
+            </p:cNvPicPr>
+            <p:nvPr/>
+          </p:nvPicPr>
+          <p:blipFill>
+            <a:blip r:embed="rId2"/>
+            <a:stretch>
+              <a:fillRect/>
+            </a:stretch>
+          </p:blipFill>
+          <p:spPr>
+            <a:xfrm>
+              <a:off x="4095850" y="5608681"/>
+              <a:ext cx="699163" cy="571917"/>
+            </a:xfrm>
+            <a:prstGeom prst="rect">
+              <a:avLst/>
+            </a:prstGeom>
+          </p:spPr>
+        </p:pic>
       </p:grpSp>
     </p:spTree>
     <p:extLst>
@@ -4921,7 +6156,7 @@
                 <a:bodyPr rtlCol="0" anchor="ctr"/>
                 <a:lstStyle/>
                 <a:p>
-                  <a:endParaRPr lang="en-US"/>
+                  <a:endParaRPr lang="en-US" dirty="0"/>
                 </a:p>
               </p:txBody>
             </p:sp>
@@ -9661,6 +10896,651 @@
           </p:sp>
         </p:grpSp>
       </p:grpSp>
+      <p:grpSp>
+        <p:nvGrpSpPr>
+          <p:cNvPr id="12" name="Group 11">
+            <a:extLst>
+              <a:ext uri="{FF2B5EF4-FFF2-40B4-BE49-F238E27FC236}">
+                <a16:creationId xmlns:a16="http://schemas.microsoft.com/office/drawing/2014/main" id="{B659FB19-EC21-49CC-A330-746DE636A3BF}"/>
+              </a:ext>
+            </a:extLst>
+          </p:cNvPr>
+          <p:cNvGrpSpPr/>
+          <p:nvPr/>
+        </p:nvGrpSpPr>
+        <p:grpSpPr>
+          <a:xfrm>
+            <a:off x="4736526" y="3726085"/>
+            <a:ext cx="1013282" cy="1013282"/>
+            <a:chOff x="4736526" y="3726085"/>
+            <a:chExt cx="1013282" cy="1013282"/>
+          </a:xfrm>
+        </p:grpSpPr>
+        <p:sp>
+          <p:nvSpPr>
+            <p:cNvPr id="10" name="Oval 9">
+              <a:extLst>
+                <a:ext uri="{FF2B5EF4-FFF2-40B4-BE49-F238E27FC236}">
+                  <a16:creationId xmlns:a16="http://schemas.microsoft.com/office/drawing/2014/main" id="{42D727ED-97EF-4168-8DFF-5F2F0E2697E2}"/>
+                </a:ext>
+              </a:extLst>
+            </p:cNvPr>
+            <p:cNvSpPr/>
+            <p:nvPr/>
+          </p:nvSpPr>
+          <p:spPr>
+            <a:xfrm>
+              <a:off x="4736526" y="3726085"/>
+              <a:ext cx="1013282" cy="1013282"/>
+            </a:xfrm>
+            <a:prstGeom prst="ellipse">
+              <a:avLst/>
+            </a:prstGeom>
+            <a:solidFill>
+              <a:srgbClr val="C1C1C1"/>
+            </a:solidFill>
+            <a:ln>
+              <a:noFill/>
+            </a:ln>
+          </p:spPr>
+          <p:style>
+            <a:lnRef idx="2">
+              <a:schemeClr val="accent1">
+                <a:shade val="50000"/>
+              </a:schemeClr>
+            </a:lnRef>
+            <a:fillRef idx="1">
+              <a:schemeClr val="accent1"/>
+            </a:fillRef>
+            <a:effectRef idx="0">
+              <a:schemeClr val="accent1"/>
+            </a:effectRef>
+            <a:fontRef idx="minor">
+              <a:schemeClr val="lt1"/>
+            </a:fontRef>
+          </p:style>
+          <p:txBody>
+            <a:bodyPr rtlCol="0" anchor="ctr"/>
+            <a:lstStyle/>
+            <a:p>
+              <a:pPr algn="ctr"/>
+              <a:endParaRPr lang="en-US" dirty="0"/>
+            </a:p>
+          </p:txBody>
+        </p:sp>
+        <p:sp>
+          <p:nvSpPr>
+            <p:cNvPr id="86" name="Freeform: Shape 85">
+              <a:extLst>
+                <a:ext uri="{FF2B5EF4-FFF2-40B4-BE49-F238E27FC236}">
+                  <a16:creationId xmlns:a16="http://schemas.microsoft.com/office/drawing/2014/main" id="{4682F2B6-5E61-4AA9-A650-23ED22DD3A2E}"/>
+                </a:ext>
+              </a:extLst>
+            </p:cNvPr>
+            <p:cNvSpPr/>
+            <p:nvPr/>
+          </p:nvSpPr>
+          <p:spPr>
+            <a:xfrm>
+              <a:off x="4867146" y="4244498"/>
+              <a:ext cx="766543" cy="494720"/>
+            </a:xfrm>
+            <a:custGeom>
+              <a:avLst/>
+              <a:gdLst>
+                <a:gd name="connsiteX0" fmla="*/ 342900 w 342900"/>
+                <a:gd name="connsiteY0" fmla="*/ 171450 h 171449"/>
+                <a:gd name="connsiteX1" fmla="*/ 342900 w 342900"/>
+                <a:gd name="connsiteY1" fmla="*/ 85725 h 171449"/>
+                <a:gd name="connsiteX2" fmla="*/ 325755 w 342900"/>
+                <a:gd name="connsiteY2" fmla="*/ 51435 h 171449"/>
+                <a:gd name="connsiteX3" fmla="*/ 241935 w 342900"/>
+                <a:gd name="connsiteY3" fmla="*/ 11430 h 171449"/>
+                <a:gd name="connsiteX4" fmla="*/ 171450 w 342900"/>
+                <a:gd name="connsiteY4" fmla="*/ 0 h 171449"/>
+                <a:gd name="connsiteX5" fmla="*/ 100965 w 342900"/>
+                <a:gd name="connsiteY5" fmla="*/ 11430 h 171449"/>
+                <a:gd name="connsiteX6" fmla="*/ 17145 w 342900"/>
+                <a:gd name="connsiteY6" fmla="*/ 51435 h 171449"/>
+                <a:gd name="connsiteX7" fmla="*/ 0 w 342900"/>
+                <a:gd name="connsiteY7" fmla="*/ 85725 h 171449"/>
+                <a:gd name="connsiteX8" fmla="*/ 0 w 342900"/>
+                <a:gd name="connsiteY8" fmla="*/ 171450 h 171449"/>
+                <a:gd name="connsiteX9" fmla="*/ 342900 w 342900"/>
+                <a:gd name="connsiteY9" fmla="*/ 171450 h 171449"/>
+                <a:gd name="connsiteX0" fmla="*/ 342426 w 342900"/>
+                <a:gd name="connsiteY0" fmla="*/ 135409 h 171450"/>
+                <a:gd name="connsiteX1" fmla="*/ 342900 w 342900"/>
+                <a:gd name="connsiteY1" fmla="*/ 85725 h 171450"/>
+                <a:gd name="connsiteX2" fmla="*/ 325755 w 342900"/>
+                <a:gd name="connsiteY2" fmla="*/ 51435 h 171450"/>
+                <a:gd name="connsiteX3" fmla="*/ 241935 w 342900"/>
+                <a:gd name="connsiteY3" fmla="*/ 11430 h 171450"/>
+                <a:gd name="connsiteX4" fmla="*/ 171450 w 342900"/>
+                <a:gd name="connsiteY4" fmla="*/ 0 h 171450"/>
+                <a:gd name="connsiteX5" fmla="*/ 100965 w 342900"/>
+                <a:gd name="connsiteY5" fmla="*/ 11430 h 171450"/>
+                <a:gd name="connsiteX6" fmla="*/ 17145 w 342900"/>
+                <a:gd name="connsiteY6" fmla="*/ 51435 h 171450"/>
+                <a:gd name="connsiteX7" fmla="*/ 0 w 342900"/>
+                <a:gd name="connsiteY7" fmla="*/ 85725 h 171450"/>
+                <a:gd name="connsiteX8" fmla="*/ 0 w 342900"/>
+                <a:gd name="connsiteY8" fmla="*/ 171450 h 171450"/>
+                <a:gd name="connsiteX9" fmla="*/ 342426 w 342900"/>
+                <a:gd name="connsiteY9" fmla="*/ 135409 h 171450"/>
+                <a:gd name="connsiteX0" fmla="*/ 342426 w 342900"/>
+                <a:gd name="connsiteY0" fmla="*/ 140626 h 171450"/>
+                <a:gd name="connsiteX1" fmla="*/ 342900 w 342900"/>
+                <a:gd name="connsiteY1" fmla="*/ 85725 h 171450"/>
+                <a:gd name="connsiteX2" fmla="*/ 325755 w 342900"/>
+                <a:gd name="connsiteY2" fmla="*/ 51435 h 171450"/>
+                <a:gd name="connsiteX3" fmla="*/ 241935 w 342900"/>
+                <a:gd name="connsiteY3" fmla="*/ 11430 h 171450"/>
+                <a:gd name="connsiteX4" fmla="*/ 171450 w 342900"/>
+                <a:gd name="connsiteY4" fmla="*/ 0 h 171450"/>
+                <a:gd name="connsiteX5" fmla="*/ 100965 w 342900"/>
+                <a:gd name="connsiteY5" fmla="*/ 11430 h 171450"/>
+                <a:gd name="connsiteX6" fmla="*/ 17145 w 342900"/>
+                <a:gd name="connsiteY6" fmla="*/ 51435 h 171450"/>
+                <a:gd name="connsiteX7" fmla="*/ 0 w 342900"/>
+                <a:gd name="connsiteY7" fmla="*/ 85725 h 171450"/>
+                <a:gd name="connsiteX8" fmla="*/ 0 w 342900"/>
+                <a:gd name="connsiteY8" fmla="*/ 171450 h 171450"/>
+                <a:gd name="connsiteX9" fmla="*/ 342426 w 342900"/>
+                <a:gd name="connsiteY9" fmla="*/ 140626 h 171450"/>
+                <a:gd name="connsiteX0" fmla="*/ 342426 w 342900"/>
+                <a:gd name="connsiteY0" fmla="*/ 140626 h 151533"/>
+                <a:gd name="connsiteX1" fmla="*/ 342900 w 342900"/>
+                <a:gd name="connsiteY1" fmla="*/ 85725 h 151533"/>
+                <a:gd name="connsiteX2" fmla="*/ 325755 w 342900"/>
+                <a:gd name="connsiteY2" fmla="*/ 51435 h 151533"/>
+                <a:gd name="connsiteX3" fmla="*/ 241935 w 342900"/>
+                <a:gd name="connsiteY3" fmla="*/ 11430 h 151533"/>
+                <a:gd name="connsiteX4" fmla="*/ 171450 w 342900"/>
+                <a:gd name="connsiteY4" fmla="*/ 0 h 151533"/>
+                <a:gd name="connsiteX5" fmla="*/ 100965 w 342900"/>
+                <a:gd name="connsiteY5" fmla="*/ 11430 h 151533"/>
+                <a:gd name="connsiteX6" fmla="*/ 17145 w 342900"/>
+                <a:gd name="connsiteY6" fmla="*/ 51435 h 151533"/>
+                <a:gd name="connsiteX7" fmla="*/ 0 w 342900"/>
+                <a:gd name="connsiteY7" fmla="*/ 85725 h 151533"/>
+                <a:gd name="connsiteX8" fmla="*/ 1423 w 342900"/>
+                <a:gd name="connsiteY8" fmla="*/ 151533 h 151533"/>
+                <a:gd name="connsiteX9" fmla="*/ 342426 w 342900"/>
+                <a:gd name="connsiteY9" fmla="*/ 140626 h 151533"/>
+                <a:gd name="connsiteX0" fmla="*/ 342998 w 343472"/>
+                <a:gd name="connsiteY0" fmla="*/ 140626 h 145368"/>
+                <a:gd name="connsiteX1" fmla="*/ 343472 w 343472"/>
+                <a:gd name="connsiteY1" fmla="*/ 85725 h 145368"/>
+                <a:gd name="connsiteX2" fmla="*/ 326327 w 343472"/>
+                <a:gd name="connsiteY2" fmla="*/ 51435 h 145368"/>
+                <a:gd name="connsiteX3" fmla="*/ 242507 w 343472"/>
+                <a:gd name="connsiteY3" fmla="*/ 11430 h 145368"/>
+                <a:gd name="connsiteX4" fmla="*/ 172022 w 343472"/>
+                <a:gd name="connsiteY4" fmla="*/ 0 h 145368"/>
+                <a:gd name="connsiteX5" fmla="*/ 101537 w 343472"/>
+                <a:gd name="connsiteY5" fmla="*/ 11430 h 145368"/>
+                <a:gd name="connsiteX6" fmla="*/ 17717 w 343472"/>
+                <a:gd name="connsiteY6" fmla="*/ 51435 h 145368"/>
+                <a:gd name="connsiteX7" fmla="*/ 572 w 343472"/>
+                <a:gd name="connsiteY7" fmla="*/ 85725 h 145368"/>
+                <a:gd name="connsiteX8" fmla="*/ 98 w 343472"/>
+                <a:gd name="connsiteY8" fmla="*/ 145368 h 145368"/>
+                <a:gd name="connsiteX9" fmla="*/ 342998 w 343472"/>
+                <a:gd name="connsiteY9" fmla="*/ 140626 h 145368"/>
+                <a:gd name="connsiteX0" fmla="*/ 342998 w 343472"/>
+                <a:gd name="connsiteY0" fmla="*/ 140626 h 145368"/>
+                <a:gd name="connsiteX1" fmla="*/ 343472 w 343472"/>
+                <a:gd name="connsiteY1" fmla="*/ 85725 h 145368"/>
+                <a:gd name="connsiteX2" fmla="*/ 326327 w 343472"/>
+                <a:gd name="connsiteY2" fmla="*/ 51435 h 145368"/>
+                <a:gd name="connsiteX3" fmla="*/ 242507 w 343472"/>
+                <a:gd name="connsiteY3" fmla="*/ 11430 h 145368"/>
+                <a:gd name="connsiteX4" fmla="*/ 172022 w 343472"/>
+                <a:gd name="connsiteY4" fmla="*/ 0 h 145368"/>
+                <a:gd name="connsiteX5" fmla="*/ 101537 w 343472"/>
+                <a:gd name="connsiteY5" fmla="*/ 11430 h 145368"/>
+                <a:gd name="connsiteX6" fmla="*/ 17717 w 343472"/>
+                <a:gd name="connsiteY6" fmla="*/ 51435 h 145368"/>
+                <a:gd name="connsiteX7" fmla="*/ 572 w 343472"/>
+                <a:gd name="connsiteY7" fmla="*/ 85725 h 145368"/>
+                <a:gd name="connsiteX8" fmla="*/ 98 w 343472"/>
+                <a:gd name="connsiteY8" fmla="*/ 145368 h 145368"/>
+                <a:gd name="connsiteX9" fmla="*/ 176941 w 343472"/>
+                <a:gd name="connsiteY9" fmla="*/ 143902 h 145368"/>
+                <a:gd name="connsiteX10" fmla="*/ 342998 w 343472"/>
+                <a:gd name="connsiteY10" fmla="*/ 140626 h 145368"/>
+                <a:gd name="connsiteX0" fmla="*/ 342998 w 343472"/>
+                <a:gd name="connsiteY0" fmla="*/ 140626 h 220251"/>
+                <a:gd name="connsiteX1" fmla="*/ 343472 w 343472"/>
+                <a:gd name="connsiteY1" fmla="*/ 85725 h 220251"/>
+                <a:gd name="connsiteX2" fmla="*/ 326327 w 343472"/>
+                <a:gd name="connsiteY2" fmla="*/ 51435 h 220251"/>
+                <a:gd name="connsiteX3" fmla="*/ 242507 w 343472"/>
+                <a:gd name="connsiteY3" fmla="*/ 11430 h 220251"/>
+                <a:gd name="connsiteX4" fmla="*/ 172022 w 343472"/>
+                <a:gd name="connsiteY4" fmla="*/ 0 h 220251"/>
+                <a:gd name="connsiteX5" fmla="*/ 101537 w 343472"/>
+                <a:gd name="connsiteY5" fmla="*/ 11430 h 220251"/>
+                <a:gd name="connsiteX6" fmla="*/ 17717 w 343472"/>
+                <a:gd name="connsiteY6" fmla="*/ 51435 h 220251"/>
+                <a:gd name="connsiteX7" fmla="*/ 572 w 343472"/>
+                <a:gd name="connsiteY7" fmla="*/ 85725 h 220251"/>
+                <a:gd name="connsiteX8" fmla="*/ 98 w 343472"/>
+                <a:gd name="connsiteY8" fmla="*/ 145368 h 220251"/>
+                <a:gd name="connsiteX9" fmla="*/ 171725 w 343472"/>
+                <a:gd name="connsiteY9" fmla="*/ 220251 h 220251"/>
+                <a:gd name="connsiteX10" fmla="*/ 342998 w 343472"/>
+                <a:gd name="connsiteY10" fmla="*/ 140626 h 220251"/>
+                <a:gd name="connsiteX0" fmla="*/ 342998 w 343472"/>
+                <a:gd name="connsiteY0" fmla="*/ 140626 h 220251"/>
+                <a:gd name="connsiteX1" fmla="*/ 343472 w 343472"/>
+                <a:gd name="connsiteY1" fmla="*/ 85725 h 220251"/>
+                <a:gd name="connsiteX2" fmla="*/ 326327 w 343472"/>
+                <a:gd name="connsiteY2" fmla="*/ 51435 h 220251"/>
+                <a:gd name="connsiteX3" fmla="*/ 242507 w 343472"/>
+                <a:gd name="connsiteY3" fmla="*/ 11430 h 220251"/>
+                <a:gd name="connsiteX4" fmla="*/ 172022 w 343472"/>
+                <a:gd name="connsiteY4" fmla="*/ 0 h 220251"/>
+                <a:gd name="connsiteX5" fmla="*/ 101537 w 343472"/>
+                <a:gd name="connsiteY5" fmla="*/ 11430 h 220251"/>
+                <a:gd name="connsiteX6" fmla="*/ 17717 w 343472"/>
+                <a:gd name="connsiteY6" fmla="*/ 51435 h 220251"/>
+                <a:gd name="connsiteX7" fmla="*/ 572 w 343472"/>
+                <a:gd name="connsiteY7" fmla="*/ 85725 h 220251"/>
+                <a:gd name="connsiteX8" fmla="*/ 98 w 343472"/>
+                <a:gd name="connsiteY8" fmla="*/ 145368 h 220251"/>
+                <a:gd name="connsiteX9" fmla="*/ 171725 w 343472"/>
+                <a:gd name="connsiteY9" fmla="*/ 220251 h 220251"/>
+                <a:gd name="connsiteX10" fmla="*/ 342998 w 343472"/>
+                <a:gd name="connsiteY10" fmla="*/ 140626 h 220251"/>
+                <a:gd name="connsiteX0" fmla="*/ 342998 w 343472"/>
+                <a:gd name="connsiteY0" fmla="*/ 140626 h 220251"/>
+                <a:gd name="connsiteX1" fmla="*/ 343472 w 343472"/>
+                <a:gd name="connsiteY1" fmla="*/ 85725 h 220251"/>
+                <a:gd name="connsiteX2" fmla="*/ 326327 w 343472"/>
+                <a:gd name="connsiteY2" fmla="*/ 51435 h 220251"/>
+                <a:gd name="connsiteX3" fmla="*/ 242507 w 343472"/>
+                <a:gd name="connsiteY3" fmla="*/ 11430 h 220251"/>
+                <a:gd name="connsiteX4" fmla="*/ 172022 w 343472"/>
+                <a:gd name="connsiteY4" fmla="*/ 0 h 220251"/>
+                <a:gd name="connsiteX5" fmla="*/ 101537 w 343472"/>
+                <a:gd name="connsiteY5" fmla="*/ 11430 h 220251"/>
+                <a:gd name="connsiteX6" fmla="*/ 17717 w 343472"/>
+                <a:gd name="connsiteY6" fmla="*/ 51435 h 220251"/>
+                <a:gd name="connsiteX7" fmla="*/ 572 w 343472"/>
+                <a:gd name="connsiteY7" fmla="*/ 85725 h 220251"/>
+                <a:gd name="connsiteX8" fmla="*/ 98 w 343472"/>
+                <a:gd name="connsiteY8" fmla="*/ 145368 h 220251"/>
+                <a:gd name="connsiteX9" fmla="*/ 171725 w 343472"/>
+                <a:gd name="connsiteY9" fmla="*/ 220251 h 220251"/>
+                <a:gd name="connsiteX10" fmla="*/ 342998 w 343472"/>
+                <a:gd name="connsiteY10" fmla="*/ 140626 h 220251"/>
+                <a:gd name="connsiteX0" fmla="*/ 342998 w 343472"/>
+                <a:gd name="connsiteY0" fmla="*/ 140626 h 220251"/>
+                <a:gd name="connsiteX1" fmla="*/ 343472 w 343472"/>
+                <a:gd name="connsiteY1" fmla="*/ 85725 h 220251"/>
+                <a:gd name="connsiteX2" fmla="*/ 326327 w 343472"/>
+                <a:gd name="connsiteY2" fmla="*/ 51435 h 220251"/>
+                <a:gd name="connsiteX3" fmla="*/ 242507 w 343472"/>
+                <a:gd name="connsiteY3" fmla="*/ 11430 h 220251"/>
+                <a:gd name="connsiteX4" fmla="*/ 172022 w 343472"/>
+                <a:gd name="connsiteY4" fmla="*/ 0 h 220251"/>
+                <a:gd name="connsiteX5" fmla="*/ 101537 w 343472"/>
+                <a:gd name="connsiteY5" fmla="*/ 11430 h 220251"/>
+                <a:gd name="connsiteX6" fmla="*/ 17717 w 343472"/>
+                <a:gd name="connsiteY6" fmla="*/ 51435 h 220251"/>
+                <a:gd name="connsiteX7" fmla="*/ 572 w 343472"/>
+                <a:gd name="connsiteY7" fmla="*/ 85725 h 220251"/>
+                <a:gd name="connsiteX8" fmla="*/ 98 w 343472"/>
+                <a:gd name="connsiteY8" fmla="*/ 145368 h 220251"/>
+                <a:gd name="connsiteX9" fmla="*/ 171725 w 343472"/>
+                <a:gd name="connsiteY9" fmla="*/ 220251 h 220251"/>
+                <a:gd name="connsiteX10" fmla="*/ 342998 w 343472"/>
+                <a:gd name="connsiteY10" fmla="*/ 140626 h 220251"/>
+                <a:gd name="connsiteX0" fmla="*/ 342998 w 343472"/>
+                <a:gd name="connsiteY0" fmla="*/ 140626 h 220251"/>
+                <a:gd name="connsiteX1" fmla="*/ 343472 w 343472"/>
+                <a:gd name="connsiteY1" fmla="*/ 85725 h 220251"/>
+                <a:gd name="connsiteX2" fmla="*/ 326327 w 343472"/>
+                <a:gd name="connsiteY2" fmla="*/ 51435 h 220251"/>
+                <a:gd name="connsiteX3" fmla="*/ 242507 w 343472"/>
+                <a:gd name="connsiteY3" fmla="*/ 11430 h 220251"/>
+                <a:gd name="connsiteX4" fmla="*/ 172022 w 343472"/>
+                <a:gd name="connsiteY4" fmla="*/ 0 h 220251"/>
+                <a:gd name="connsiteX5" fmla="*/ 101537 w 343472"/>
+                <a:gd name="connsiteY5" fmla="*/ 11430 h 220251"/>
+                <a:gd name="connsiteX6" fmla="*/ 17717 w 343472"/>
+                <a:gd name="connsiteY6" fmla="*/ 51435 h 220251"/>
+                <a:gd name="connsiteX7" fmla="*/ 572 w 343472"/>
+                <a:gd name="connsiteY7" fmla="*/ 85725 h 220251"/>
+                <a:gd name="connsiteX8" fmla="*/ 98 w 343472"/>
+                <a:gd name="connsiteY8" fmla="*/ 145368 h 220251"/>
+                <a:gd name="connsiteX9" fmla="*/ 171725 w 343472"/>
+                <a:gd name="connsiteY9" fmla="*/ 220251 h 220251"/>
+                <a:gd name="connsiteX10" fmla="*/ 342998 w 343472"/>
+                <a:gd name="connsiteY10" fmla="*/ 140626 h 220251"/>
+                <a:gd name="connsiteX0" fmla="*/ 342998 w 343472"/>
+                <a:gd name="connsiteY0" fmla="*/ 140626 h 220251"/>
+                <a:gd name="connsiteX1" fmla="*/ 343472 w 343472"/>
+                <a:gd name="connsiteY1" fmla="*/ 85725 h 220251"/>
+                <a:gd name="connsiteX2" fmla="*/ 326327 w 343472"/>
+                <a:gd name="connsiteY2" fmla="*/ 51435 h 220251"/>
+                <a:gd name="connsiteX3" fmla="*/ 242507 w 343472"/>
+                <a:gd name="connsiteY3" fmla="*/ 11430 h 220251"/>
+                <a:gd name="connsiteX4" fmla="*/ 172022 w 343472"/>
+                <a:gd name="connsiteY4" fmla="*/ 0 h 220251"/>
+                <a:gd name="connsiteX5" fmla="*/ 101537 w 343472"/>
+                <a:gd name="connsiteY5" fmla="*/ 11430 h 220251"/>
+                <a:gd name="connsiteX6" fmla="*/ 17717 w 343472"/>
+                <a:gd name="connsiteY6" fmla="*/ 51435 h 220251"/>
+                <a:gd name="connsiteX7" fmla="*/ 572 w 343472"/>
+                <a:gd name="connsiteY7" fmla="*/ 85725 h 220251"/>
+                <a:gd name="connsiteX8" fmla="*/ 98 w 343472"/>
+                <a:gd name="connsiteY8" fmla="*/ 145368 h 220251"/>
+                <a:gd name="connsiteX9" fmla="*/ 171725 w 343472"/>
+                <a:gd name="connsiteY9" fmla="*/ 220251 h 220251"/>
+                <a:gd name="connsiteX10" fmla="*/ 342998 w 343472"/>
+                <a:gd name="connsiteY10" fmla="*/ 140626 h 220251"/>
+                <a:gd name="connsiteX0" fmla="*/ 342998 w 343472"/>
+                <a:gd name="connsiteY0" fmla="*/ 140626 h 220251"/>
+                <a:gd name="connsiteX1" fmla="*/ 343472 w 343472"/>
+                <a:gd name="connsiteY1" fmla="*/ 85725 h 220251"/>
+                <a:gd name="connsiteX2" fmla="*/ 326327 w 343472"/>
+                <a:gd name="connsiteY2" fmla="*/ 51435 h 220251"/>
+                <a:gd name="connsiteX3" fmla="*/ 242507 w 343472"/>
+                <a:gd name="connsiteY3" fmla="*/ 11430 h 220251"/>
+                <a:gd name="connsiteX4" fmla="*/ 172022 w 343472"/>
+                <a:gd name="connsiteY4" fmla="*/ 0 h 220251"/>
+                <a:gd name="connsiteX5" fmla="*/ 101537 w 343472"/>
+                <a:gd name="connsiteY5" fmla="*/ 11430 h 220251"/>
+                <a:gd name="connsiteX6" fmla="*/ 17717 w 343472"/>
+                <a:gd name="connsiteY6" fmla="*/ 51435 h 220251"/>
+                <a:gd name="connsiteX7" fmla="*/ 572 w 343472"/>
+                <a:gd name="connsiteY7" fmla="*/ 85725 h 220251"/>
+                <a:gd name="connsiteX8" fmla="*/ 98 w 343472"/>
+                <a:gd name="connsiteY8" fmla="*/ 145368 h 220251"/>
+                <a:gd name="connsiteX9" fmla="*/ 171725 w 343472"/>
+                <a:gd name="connsiteY9" fmla="*/ 220251 h 220251"/>
+                <a:gd name="connsiteX10" fmla="*/ 342998 w 343472"/>
+                <a:gd name="connsiteY10" fmla="*/ 140626 h 220251"/>
+                <a:gd name="connsiteX0" fmla="*/ 342998 w 343472"/>
+                <a:gd name="connsiteY0" fmla="*/ 140626 h 220251"/>
+                <a:gd name="connsiteX1" fmla="*/ 343472 w 343472"/>
+                <a:gd name="connsiteY1" fmla="*/ 85725 h 220251"/>
+                <a:gd name="connsiteX2" fmla="*/ 326327 w 343472"/>
+                <a:gd name="connsiteY2" fmla="*/ 51435 h 220251"/>
+                <a:gd name="connsiteX3" fmla="*/ 242507 w 343472"/>
+                <a:gd name="connsiteY3" fmla="*/ 11430 h 220251"/>
+                <a:gd name="connsiteX4" fmla="*/ 172022 w 343472"/>
+                <a:gd name="connsiteY4" fmla="*/ 0 h 220251"/>
+                <a:gd name="connsiteX5" fmla="*/ 101537 w 343472"/>
+                <a:gd name="connsiteY5" fmla="*/ 11430 h 220251"/>
+                <a:gd name="connsiteX6" fmla="*/ 17717 w 343472"/>
+                <a:gd name="connsiteY6" fmla="*/ 51435 h 220251"/>
+                <a:gd name="connsiteX7" fmla="*/ 572 w 343472"/>
+                <a:gd name="connsiteY7" fmla="*/ 85725 h 220251"/>
+                <a:gd name="connsiteX8" fmla="*/ 98 w 343472"/>
+                <a:gd name="connsiteY8" fmla="*/ 145368 h 220251"/>
+                <a:gd name="connsiteX9" fmla="*/ 171725 w 343472"/>
+                <a:gd name="connsiteY9" fmla="*/ 220251 h 220251"/>
+                <a:gd name="connsiteX10" fmla="*/ 342998 w 343472"/>
+                <a:gd name="connsiteY10" fmla="*/ 140626 h 220251"/>
+                <a:gd name="connsiteX0" fmla="*/ 342998 w 343472"/>
+                <a:gd name="connsiteY0" fmla="*/ 140626 h 221674"/>
+                <a:gd name="connsiteX1" fmla="*/ 343472 w 343472"/>
+                <a:gd name="connsiteY1" fmla="*/ 85725 h 221674"/>
+                <a:gd name="connsiteX2" fmla="*/ 326327 w 343472"/>
+                <a:gd name="connsiteY2" fmla="*/ 51435 h 221674"/>
+                <a:gd name="connsiteX3" fmla="*/ 242507 w 343472"/>
+                <a:gd name="connsiteY3" fmla="*/ 11430 h 221674"/>
+                <a:gd name="connsiteX4" fmla="*/ 172022 w 343472"/>
+                <a:gd name="connsiteY4" fmla="*/ 0 h 221674"/>
+                <a:gd name="connsiteX5" fmla="*/ 101537 w 343472"/>
+                <a:gd name="connsiteY5" fmla="*/ 11430 h 221674"/>
+                <a:gd name="connsiteX6" fmla="*/ 17717 w 343472"/>
+                <a:gd name="connsiteY6" fmla="*/ 51435 h 221674"/>
+                <a:gd name="connsiteX7" fmla="*/ 572 w 343472"/>
+                <a:gd name="connsiteY7" fmla="*/ 85725 h 221674"/>
+                <a:gd name="connsiteX8" fmla="*/ 98 w 343472"/>
+                <a:gd name="connsiteY8" fmla="*/ 145368 h 221674"/>
+                <a:gd name="connsiteX9" fmla="*/ 171251 w 343472"/>
+                <a:gd name="connsiteY9" fmla="*/ 221674 h 221674"/>
+                <a:gd name="connsiteX10" fmla="*/ 342998 w 343472"/>
+                <a:gd name="connsiteY10" fmla="*/ 140626 h 221674"/>
+                <a:gd name="connsiteX0" fmla="*/ 342998 w 343472"/>
+                <a:gd name="connsiteY0" fmla="*/ 140626 h 221674"/>
+                <a:gd name="connsiteX1" fmla="*/ 343472 w 343472"/>
+                <a:gd name="connsiteY1" fmla="*/ 85725 h 221674"/>
+                <a:gd name="connsiteX2" fmla="*/ 326327 w 343472"/>
+                <a:gd name="connsiteY2" fmla="*/ 51435 h 221674"/>
+                <a:gd name="connsiteX3" fmla="*/ 242507 w 343472"/>
+                <a:gd name="connsiteY3" fmla="*/ 11430 h 221674"/>
+                <a:gd name="connsiteX4" fmla="*/ 172022 w 343472"/>
+                <a:gd name="connsiteY4" fmla="*/ 0 h 221674"/>
+                <a:gd name="connsiteX5" fmla="*/ 101537 w 343472"/>
+                <a:gd name="connsiteY5" fmla="*/ 11430 h 221674"/>
+                <a:gd name="connsiteX6" fmla="*/ 17717 w 343472"/>
+                <a:gd name="connsiteY6" fmla="*/ 51435 h 221674"/>
+                <a:gd name="connsiteX7" fmla="*/ 572 w 343472"/>
+                <a:gd name="connsiteY7" fmla="*/ 85725 h 221674"/>
+                <a:gd name="connsiteX8" fmla="*/ 98 w 343472"/>
+                <a:gd name="connsiteY8" fmla="*/ 146316 h 221674"/>
+                <a:gd name="connsiteX9" fmla="*/ 171251 w 343472"/>
+                <a:gd name="connsiteY9" fmla="*/ 221674 h 221674"/>
+                <a:gd name="connsiteX10" fmla="*/ 342998 w 343472"/>
+                <a:gd name="connsiteY10" fmla="*/ 140626 h 221674"/>
+              </a:gdLst>
+              <a:ahLst/>
+              <a:cxnLst>
+                <a:cxn ang="0">
+                  <a:pos x="connsiteX0" y="connsiteY0"/>
+                </a:cxn>
+                <a:cxn ang="0">
+                  <a:pos x="connsiteX1" y="connsiteY1"/>
+                </a:cxn>
+                <a:cxn ang="0">
+                  <a:pos x="connsiteX2" y="connsiteY2"/>
+                </a:cxn>
+                <a:cxn ang="0">
+                  <a:pos x="connsiteX3" y="connsiteY3"/>
+                </a:cxn>
+                <a:cxn ang="0">
+                  <a:pos x="connsiteX4" y="connsiteY4"/>
+                </a:cxn>
+                <a:cxn ang="0">
+                  <a:pos x="connsiteX5" y="connsiteY5"/>
+                </a:cxn>
+                <a:cxn ang="0">
+                  <a:pos x="connsiteX6" y="connsiteY6"/>
+                </a:cxn>
+                <a:cxn ang="0">
+                  <a:pos x="connsiteX7" y="connsiteY7"/>
+                </a:cxn>
+                <a:cxn ang="0">
+                  <a:pos x="connsiteX8" y="connsiteY8"/>
+                </a:cxn>
+                <a:cxn ang="0">
+                  <a:pos x="connsiteX9" y="connsiteY9"/>
+                </a:cxn>
+                <a:cxn ang="0">
+                  <a:pos x="connsiteX10" y="connsiteY10"/>
+                </a:cxn>
+              </a:cxnLst>
+              <a:rect l="l" t="t" r="r" b="b"/>
+              <a:pathLst>
+                <a:path w="343472" h="221674">
+                  <a:moveTo>
+                    <a:pt x="342998" y="140626"/>
+                  </a:moveTo>
+                  <a:cubicBezTo>
+                    <a:pt x="342998" y="112051"/>
+                    <a:pt x="343472" y="114300"/>
+                    <a:pt x="343472" y="85725"/>
+                  </a:cubicBezTo>
+                  <a:cubicBezTo>
+                    <a:pt x="343472" y="72390"/>
+                    <a:pt x="337757" y="59055"/>
+                    <a:pt x="326327" y="51435"/>
+                  </a:cubicBezTo>
+                  <a:cubicBezTo>
+                    <a:pt x="303467" y="32385"/>
+                    <a:pt x="272987" y="19050"/>
+                    <a:pt x="242507" y="11430"/>
+                  </a:cubicBezTo>
+                  <a:cubicBezTo>
+                    <a:pt x="221552" y="5715"/>
+                    <a:pt x="196787" y="0"/>
+                    <a:pt x="172022" y="0"/>
+                  </a:cubicBezTo>
+                  <a:cubicBezTo>
+                    <a:pt x="149162" y="0"/>
+                    <a:pt x="124397" y="3810"/>
+                    <a:pt x="101537" y="11430"/>
+                  </a:cubicBezTo>
+                  <a:cubicBezTo>
+                    <a:pt x="71057" y="19050"/>
+                    <a:pt x="42482" y="34290"/>
+                    <a:pt x="17717" y="51435"/>
+                  </a:cubicBezTo>
+                  <a:cubicBezTo>
+                    <a:pt x="6287" y="60960"/>
+                    <a:pt x="572" y="72390"/>
+                    <a:pt x="572" y="85725"/>
+                  </a:cubicBezTo>
+                  <a:cubicBezTo>
+                    <a:pt x="1046" y="107661"/>
+                    <a:pt x="-376" y="124380"/>
+                    <a:pt x="98" y="146316"/>
+                  </a:cubicBezTo>
+                  <a:cubicBezTo>
+                    <a:pt x="46400" y="191668"/>
+                    <a:pt x="71363" y="220424"/>
+                    <a:pt x="171251" y="221674"/>
+                  </a:cubicBezTo>
+                  <a:cubicBezTo>
+                    <a:pt x="288094" y="218843"/>
+                    <a:pt x="318154" y="162900"/>
+                    <a:pt x="342998" y="140626"/>
+                  </a:cubicBezTo>
+                  <a:close/>
+                </a:path>
+              </a:pathLst>
+            </a:custGeom>
+            <a:solidFill>
+              <a:srgbClr val="0078D4"/>
+            </a:solidFill>
+            <a:ln w="9525" cap="flat">
+              <a:noFill/>
+              <a:prstDash val="solid"/>
+              <a:miter/>
+            </a:ln>
+          </p:spPr>
+          <p:txBody>
+            <a:bodyPr rtlCol="0" anchor="ctr"/>
+            <a:lstStyle/>
+            <a:p>
+              <a:endParaRPr lang="en-US" dirty="0"/>
+            </a:p>
+          </p:txBody>
+        </p:sp>
+        <p:sp>
+          <p:nvSpPr>
+            <p:cNvPr id="95" name="Freeform: Shape 94">
+              <a:extLst>
+                <a:ext uri="{FF2B5EF4-FFF2-40B4-BE49-F238E27FC236}">
+                  <a16:creationId xmlns:a16="http://schemas.microsoft.com/office/drawing/2014/main" id="{362E3ADB-2EFD-4D86-9223-1F3F809B2725}"/>
+                </a:ext>
+              </a:extLst>
+            </p:cNvPr>
+            <p:cNvSpPr/>
+            <p:nvPr/>
+          </p:nvSpPr>
+          <p:spPr>
+            <a:xfrm>
+              <a:off x="5059741" y="3850093"/>
+              <a:ext cx="382633" cy="382633"/>
+            </a:xfrm>
+            <a:custGeom>
+              <a:avLst/>
+              <a:gdLst>
+                <a:gd name="connsiteX0" fmla="*/ 171450 w 171450"/>
+                <a:gd name="connsiteY0" fmla="*/ 85725 h 171450"/>
+                <a:gd name="connsiteX1" fmla="*/ 85725 w 171450"/>
+                <a:gd name="connsiteY1" fmla="*/ 171450 h 171450"/>
+                <a:gd name="connsiteX2" fmla="*/ 0 w 171450"/>
+                <a:gd name="connsiteY2" fmla="*/ 85725 h 171450"/>
+                <a:gd name="connsiteX3" fmla="*/ 85725 w 171450"/>
+                <a:gd name="connsiteY3" fmla="*/ 0 h 171450"/>
+                <a:gd name="connsiteX4" fmla="*/ 171450 w 171450"/>
+                <a:gd name="connsiteY4" fmla="*/ 85725 h 171450"/>
+              </a:gdLst>
+              <a:ahLst/>
+              <a:cxnLst>
+                <a:cxn ang="0">
+                  <a:pos x="connsiteX0" y="connsiteY0"/>
+                </a:cxn>
+                <a:cxn ang="0">
+                  <a:pos x="connsiteX1" y="connsiteY1"/>
+                </a:cxn>
+                <a:cxn ang="0">
+                  <a:pos x="connsiteX2" y="connsiteY2"/>
+                </a:cxn>
+                <a:cxn ang="0">
+                  <a:pos x="connsiteX3" y="connsiteY3"/>
+                </a:cxn>
+                <a:cxn ang="0">
+                  <a:pos x="connsiteX4" y="connsiteY4"/>
+                </a:cxn>
+              </a:cxnLst>
+              <a:rect l="l" t="t" r="r" b="b"/>
+              <a:pathLst>
+                <a:path w="171450" h="171450">
+                  <a:moveTo>
+                    <a:pt x="171450" y="85725"/>
+                  </a:moveTo>
+                  <a:cubicBezTo>
+                    <a:pt x="171450" y="133070"/>
+                    <a:pt x="133070" y="171450"/>
+                    <a:pt x="85725" y="171450"/>
+                  </a:cubicBezTo>
+                  <a:cubicBezTo>
+                    <a:pt x="38380" y="171450"/>
+                    <a:pt x="0" y="133070"/>
+                    <a:pt x="0" y="85725"/>
+                  </a:cubicBezTo>
+                  <a:cubicBezTo>
+                    <a:pt x="0" y="38380"/>
+                    <a:pt x="38380" y="0"/>
+                    <a:pt x="85725" y="0"/>
+                  </a:cubicBezTo>
+                  <a:cubicBezTo>
+                    <a:pt x="133070" y="0"/>
+                    <a:pt x="171450" y="38380"/>
+                    <a:pt x="171450" y="85725"/>
+                  </a:cubicBezTo>
+                  <a:close/>
+                </a:path>
+              </a:pathLst>
+            </a:custGeom>
+            <a:solidFill>
+              <a:srgbClr val="0078D4"/>
+            </a:solidFill>
+            <a:ln w="15875" cap="flat">
+              <a:noFill/>
+              <a:prstDash val="solid"/>
+              <a:miter/>
+            </a:ln>
+          </p:spPr>
+          <p:txBody>
+            <a:bodyPr rtlCol="0" anchor="ctr"/>
+            <a:lstStyle/>
+            <a:p>
+              <a:endParaRPr lang="en-US"/>
+            </a:p>
+          </p:txBody>
+        </p:sp>
+      </p:grpSp>
     </p:spTree>
     <p:extLst>
       <p:ext uri="{BB962C8B-B14F-4D97-AF65-F5344CB8AC3E}">
@@ -10169,6 +12049,279 @@
 </p:sld>
 </file>
 
+<file path=ppt/slides/slide5.xml><?xml version="1.0" encoding="utf-8"?>
+<p:sld xmlns:a="http://schemas.openxmlformats.org/drawingml/2006/main" xmlns:r="http://schemas.openxmlformats.org/officeDocument/2006/relationships" xmlns:p="http://schemas.openxmlformats.org/presentationml/2006/main">
+  <p:cSld>
+    <p:spTree>
+      <p:nvGrpSpPr>
+        <p:cNvPr id="1" name=""/>
+        <p:cNvGrpSpPr/>
+        <p:nvPr/>
+      </p:nvGrpSpPr>
+      <p:grpSpPr>
+        <a:xfrm>
+          <a:off x="0" y="0"/>
+          <a:ext cx="0" cy="0"/>
+          <a:chOff x="0" y="0"/>
+          <a:chExt cx="0" cy="0"/>
+        </a:xfrm>
+      </p:grpSpPr>
+      <p:grpSp>
+        <p:nvGrpSpPr>
+          <p:cNvPr id="11" name="Group 10">
+            <a:extLst>
+              <a:ext uri="{FF2B5EF4-FFF2-40B4-BE49-F238E27FC236}">
+                <a16:creationId xmlns:a16="http://schemas.microsoft.com/office/drawing/2014/main" id="{438B1FEF-F882-42CC-A112-9B43ACB0E4A5}"/>
+              </a:ext>
+            </a:extLst>
+          </p:cNvPr>
+          <p:cNvGrpSpPr/>
+          <p:nvPr/>
+        </p:nvGrpSpPr>
+        <p:grpSpPr>
+          <a:xfrm>
+            <a:off x="0" y="1258604"/>
+            <a:ext cx="12192000" cy="4340792"/>
+            <a:chOff x="0" y="1258604"/>
+            <a:chExt cx="12192000" cy="4340792"/>
+          </a:xfrm>
+        </p:grpSpPr>
+        <p:pic>
+          <p:nvPicPr>
+            <p:cNvPr id="5" name="Picture 4" descr="Graphical user interface, application&#10;&#10;Description automatically generated">
+              <a:extLst>
+                <a:ext uri="{FF2B5EF4-FFF2-40B4-BE49-F238E27FC236}">
+                  <a16:creationId xmlns:a16="http://schemas.microsoft.com/office/drawing/2014/main" id="{52A81CA3-46DF-44B5-B0DF-A56B463D6CA0}"/>
+                </a:ext>
+              </a:extLst>
+            </p:cNvPr>
+            <p:cNvPicPr>
+              <a:picLocks noChangeAspect="1"/>
+            </p:cNvPicPr>
+            <p:nvPr/>
+          </p:nvPicPr>
+          <p:blipFill>
+            <a:blip r:embed="rId2">
+              <a:extLst>
+                <a:ext uri="{28A0092B-C50C-407E-A947-70E740481C1C}">
+                  <a14:useLocalDpi xmlns:a14="http://schemas.microsoft.com/office/drawing/2010/main" val="0"/>
+                </a:ext>
+              </a:extLst>
+            </a:blip>
+            <a:stretch>
+              <a:fillRect/>
+            </a:stretch>
+          </p:blipFill>
+          <p:spPr>
+            <a:xfrm>
+              <a:off x="0" y="1258604"/>
+              <a:ext cx="12192000" cy="4340792"/>
+            </a:xfrm>
+            <a:prstGeom prst="rect">
+              <a:avLst/>
+            </a:prstGeom>
+          </p:spPr>
+        </p:pic>
+        <p:sp>
+          <p:nvSpPr>
+            <p:cNvPr id="6" name="Rectangle 5">
+              <a:extLst>
+                <a:ext uri="{FF2B5EF4-FFF2-40B4-BE49-F238E27FC236}">
+                  <a16:creationId xmlns:a16="http://schemas.microsoft.com/office/drawing/2014/main" id="{C337B2F1-7FB7-49D7-9478-42D8E8FD4000}"/>
+                </a:ext>
+              </a:extLst>
+            </p:cNvPr>
+            <p:cNvSpPr/>
+            <p:nvPr/>
+          </p:nvSpPr>
+          <p:spPr>
+            <a:xfrm>
+              <a:off x="3181949" y="3805216"/>
+              <a:ext cx="2759601" cy="717579"/>
+            </a:xfrm>
+            <a:prstGeom prst="rect">
+              <a:avLst/>
+            </a:prstGeom>
+            <a:solidFill>
+              <a:srgbClr val="297CD0"/>
+            </a:solidFill>
+            <a:ln>
+              <a:noFill/>
+            </a:ln>
+          </p:spPr>
+          <p:style>
+            <a:lnRef idx="2">
+              <a:schemeClr val="accent1">
+                <a:shade val="50000"/>
+              </a:schemeClr>
+            </a:lnRef>
+            <a:fillRef idx="1">
+              <a:schemeClr val="accent1"/>
+            </a:fillRef>
+            <a:effectRef idx="0">
+              <a:schemeClr val="accent1"/>
+            </a:effectRef>
+            <a:fontRef idx="minor">
+              <a:schemeClr val="lt1"/>
+            </a:fontRef>
+          </p:style>
+          <p:txBody>
+            <a:bodyPr rtlCol="0" anchor="ctr"/>
+            <a:lstStyle/>
+            <a:p>
+              <a:pPr algn="ctr"/>
+              <a:r>
+                <a:rPr lang="en-GB" sz="1500" dirty="0">
+                  <a:latin typeface="Segoe UI Semibold" panose="020B0702040204020203" pitchFamily="34" charset="0"/>
+                  <a:cs typeface="Segoe UI Semibold" panose="020B0702040204020203" pitchFamily="34" charset="0"/>
+                </a:rPr>
+                <a:t>Managed Q&amp;A</a:t>
+              </a:r>
+              <a:endParaRPr lang="en-US" sz="1500" dirty="0">
+                <a:latin typeface="Segoe UI Semibold" panose="020B0702040204020203" pitchFamily="34" charset="0"/>
+                <a:cs typeface="Segoe UI Semibold" panose="020B0702040204020203" pitchFamily="34" charset="0"/>
+              </a:endParaRPr>
+            </a:p>
+          </p:txBody>
+        </p:sp>
+        <p:sp>
+          <p:nvSpPr>
+            <p:cNvPr id="7" name="Rectangle 6">
+              <a:extLst>
+                <a:ext uri="{FF2B5EF4-FFF2-40B4-BE49-F238E27FC236}">
+                  <a16:creationId xmlns:a16="http://schemas.microsoft.com/office/drawing/2014/main" id="{A9B8C8AD-8567-47C3-ADD3-362B9A23A418}"/>
+                </a:ext>
+              </a:extLst>
+            </p:cNvPr>
+            <p:cNvSpPr/>
+            <p:nvPr/>
+          </p:nvSpPr>
+          <p:spPr>
+            <a:xfrm>
+              <a:off x="6258653" y="3805215"/>
+              <a:ext cx="2754134" cy="717579"/>
+            </a:xfrm>
+            <a:prstGeom prst="rect">
+              <a:avLst/>
+            </a:prstGeom>
+            <a:solidFill>
+              <a:srgbClr val="297CD0"/>
+            </a:solidFill>
+            <a:ln>
+              <a:noFill/>
+            </a:ln>
+          </p:spPr>
+          <p:style>
+            <a:lnRef idx="2">
+              <a:schemeClr val="accent1">
+                <a:shade val="50000"/>
+              </a:schemeClr>
+            </a:lnRef>
+            <a:fillRef idx="1">
+              <a:schemeClr val="accent1"/>
+            </a:fillRef>
+            <a:effectRef idx="0">
+              <a:schemeClr val="accent1"/>
+            </a:effectRef>
+            <a:fontRef idx="minor">
+              <a:schemeClr val="lt1"/>
+            </a:fontRef>
+          </p:style>
+          <p:txBody>
+            <a:bodyPr rtlCol="0" anchor="ctr"/>
+            <a:lstStyle/>
+            <a:p>
+              <a:pPr algn="ctr"/>
+              <a:r>
+                <a:rPr lang="en-GB" sz="1500" dirty="0">
+                  <a:latin typeface="Segoe UI Semibold" panose="020B0702040204020203" pitchFamily="34" charset="0"/>
+                  <a:cs typeface="Segoe UI Semibold" panose="020B0702040204020203" pitchFamily="34" charset="0"/>
+                </a:rPr>
+                <a:t>Up to 20,000</a:t>
+              </a:r>
+              <a:endParaRPr lang="en-US" sz="1500" dirty="0">
+                <a:latin typeface="Segoe UI Semibold" panose="020B0702040204020203" pitchFamily="34" charset="0"/>
+                <a:cs typeface="Segoe UI Semibold" panose="020B0702040204020203" pitchFamily="34" charset="0"/>
+              </a:endParaRPr>
+            </a:p>
+          </p:txBody>
+        </p:sp>
+        <p:sp>
+          <p:nvSpPr>
+            <p:cNvPr id="10" name="Rectangle 9">
+              <a:extLst>
+                <a:ext uri="{FF2B5EF4-FFF2-40B4-BE49-F238E27FC236}">
+                  <a16:creationId xmlns:a16="http://schemas.microsoft.com/office/drawing/2014/main" id="{847D93BE-3EA4-4662-8647-9D3E00469D19}"/>
+                </a:ext>
+              </a:extLst>
+            </p:cNvPr>
+            <p:cNvSpPr/>
+            <p:nvPr/>
+          </p:nvSpPr>
+          <p:spPr>
+            <a:xfrm>
+              <a:off x="9346290" y="3805214"/>
+              <a:ext cx="2750034" cy="717579"/>
+            </a:xfrm>
+            <a:prstGeom prst="rect">
+              <a:avLst/>
+            </a:prstGeom>
+            <a:solidFill>
+              <a:srgbClr val="297CD0"/>
+            </a:solidFill>
+            <a:ln>
+              <a:noFill/>
+            </a:ln>
+          </p:spPr>
+          <p:style>
+            <a:lnRef idx="2">
+              <a:schemeClr val="accent1">
+                <a:shade val="50000"/>
+              </a:schemeClr>
+            </a:lnRef>
+            <a:fillRef idx="1">
+              <a:schemeClr val="accent1"/>
+            </a:fillRef>
+            <a:effectRef idx="0">
+              <a:schemeClr val="accent1"/>
+            </a:effectRef>
+            <a:fontRef idx="minor">
+              <a:schemeClr val="lt1"/>
+            </a:fontRef>
+          </p:style>
+          <p:txBody>
+            <a:bodyPr rtlCol="0" anchor="ctr"/>
+            <a:lstStyle/>
+            <a:p>
+              <a:pPr algn="ctr"/>
+              <a:r>
+                <a:rPr lang="en-GB" sz="1500" dirty="0">
+                  <a:latin typeface="Segoe UI Semibold" panose="020B0702040204020203" pitchFamily="34" charset="0"/>
+                  <a:cs typeface="Segoe UI Semibold" panose="020B0702040204020203" pitchFamily="34" charset="0"/>
+                </a:rPr>
+                <a:t>Multiple presenters</a:t>
+              </a:r>
+              <a:endParaRPr lang="en-US" sz="1500" dirty="0">
+                <a:latin typeface="Segoe UI Semibold" panose="020B0702040204020203" pitchFamily="34" charset="0"/>
+                <a:cs typeface="Segoe UI Semibold" panose="020B0702040204020203" pitchFamily="34" charset="0"/>
+              </a:endParaRPr>
+            </a:p>
+          </p:txBody>
+        </p:sp>
+      </p:grpSp>
+    </p:spTree>
+    <p:extLst>
+      <p:ext uri="{BB962C8B-B14F-4D97-AF65-F5344CB8AC3E}">
+        <p14:creationId xmlns:p14="http://schemas.microsoft.com/office/powerpoint/2010/main" val="2422016507"/>
+      </p:ext>
+    </p:extLst>
+  </p:cSld>
+  <p:clrMapOvr>
+    <a:masterClrMapping/>
+  </p:clrMapOvr>
+</p:sld>
+</file>
+
 <file path=ppt/theme/theme1.xml><?xml version="1.0" encoding="utf-8"?>
 <a:theme xmlns:a="http://schemas.openxmlformats.org/drawingml/2006/main" name="Office Theme">
   <a:themeElements>
@@ -10465,21 +12618,6 @@
 </file>
 
 <file path=customXml/item1.xml><?xml version="1.0" encoding="utf-8"?>
-<p:properties xmlns:p="http://schemas.microsoft.com/office/2006/metadata/properties" xmlns:xsi="http://www.w3.org/2001/XMLSchema-instance" xmlns:pc="http://schemas.microsoft.com/office/infopath/2007/PartnerControls">
-  <documentManagement/>
-</p:properties>
-</file>
-
-<file path=customXml/item2.xml><?xml version="1.0" encoding="utf-8"?>
-<?mso-contentType ?>
-<FormTemplates xmlns="http://schemas.microsoft.com/sharepoint/v3/contenttype/forms">
-  <Display>DocumentLibraryForm</Display>
-  <Edit>DocumentLibraryForm</Edit>
-  <New>DocumentLibraryForm</New>
-</FormTemplates>
-</file>
-
-<file path=customXml/item3.xml><?xml version="1.0" encoding="utf-8"?>
 <ct:contentTypeSchema xmlns:ct="http://schemas.microsoft.com/office/2006/metadata/contentType" xmlns:ma="http://schemas.microsoft.com/office/2006/metadata/properties/metaAttributes" ct:_="" ma:_="" ma:contentTypeName="Document" ma:contentTypeID="0x010100F35A24D0774E4548A3F74A1805937787" ma:contentTypeVersion="6" ma:contentTypeDescription="Create a new document." ma:contentTypeScope="" ma:versionID="8359739455c30d0ade33bbdb97507751">
   <xsd:schema xmlns:xsd="http://www.w3.org/2001/XMLSchema" xmlns:xs="http://www.w3.org/2001/XMLSchema" xmlns:p="http://schemas.microsoft.com/office/2006/metadata/properties" xmlns:ns2="891ff61b-a37e-428b-97de-5885e131bfc9" xmlns:ns3="c2f287ea-f326-4de1-b7ed-6aa13388f4ec" targetNamespace="http://schemas.microsoft.com/office/2006/metadata/properties" ma:root="true" ma:fieldsID="9c0b5103d94c3254704a89f755691fbe" ns2:_="" ns3:_="">
     <xsd:import namespace="891ff61b-a37e-428b-97de-5885e131bfc9"/>
@@ -10658,24 +12796,22 @@
 </ct:contentTypeSchema>
 </file>
 
-<file path=customXml/itemProps1.xml><?xml version="1.0" encoding="utf-8"?>
-<ds:datastoreItem xmlns:ds="http://schemas.openxmlformats.org/officeDocument/2006/customXml" ds:itemID="{D31B9865-90DD-446F-B0D4-4F7283595776}">
-  <ds:schemaRefs>
-    <ds:schemaRef ds:uri="http://schemas.microsoft.com/office/2006/metadata/properties"/>
-    <ds:schemaRef ds:uri="http://schemas.microsoft.com/office/infopath/2007/PartnerControls"/>
-  </ds:schemaRefs>
-</ds:datastoreItem>
+<file path=customXml/item2.xml><?xml version="1.0" encoding="utf-8"?>
+<?mso-contentType ?>
+<FormTemplates xmlns="http://schemas.microsoft.com/sharepoint/v3/contenttype/forms">
+  <Display>DocumentLibraryForm</Display>
+  <Edit>DocumentLibraryForm</Edit>
+  <New>DocumentLibraryForm</New>
+</FormTemplates>
 </file>
 
-<file path=customXml/itemProps2.xml><?xml version="1.0" encoding="utf-8"?>
-<ds:datastoreItem xmlns:ds="http://schemas.openxmlformats.org/officeDocument/2006/customXml" ds:itemID="{1960DF31-949B-492E-83A6-C896865A7982}">
-  <ds:schemaRefs>
-    <ds:schemaRef ds:uri="http://schemas.microsoft.com/sharepoint/v3/contenttype/forms"/>
-  </ds:schemaRefs>
-</ds:datastoreItem>
+<file path=customXml/item3.xml><?xml version="1.0" encoding="utf-8"?>
+<p:properties xmlns:p="http://schemas.microsoft.com/office/2006/metadata/properties" xmlns:xsi="http://www.w3.org/2001/XMLSchema-instance" xmlns:pc="http://schemas.microsoft.com/office/infopath/2007/PartnerControls">
+  <documentManagement/>
+</p:properties>
 </file>
 
-<file path=customXml/itemProps3.xml><?xml version="1.0" encoding="utf-8"?>
+<file path=customXml/itemProps1.xml><?xml version="1.0" encoding="utf-8"?>
 <ds:datastoreItem xmlns:ds="http://schemas.openxmlformats.org/officeDocument/2006/customXml" ds:itemID="{2B5E6986-043A-490B-8F69-8ED84B2794ED}">
   <ds:schemaRefs>
     <ds:schemaRef ds:uri="http://schemas.microsoft.com/office/2006/metadata/contentType"/>
@@ -10692,4 +12828,21 @@
     <ds:schemaRef ds:uri="http://schemas.microsoft.com/internal/obd"/>
   </ds:schemaRefs>
 </ds:datastoreItem>
+</file>
+
+<file path=customXml/itemProps2.xml><?xml version="1.0" encoding="utf-8"?>
+<ds:datastoreItem xmlns:ds="http://schemas.openxmlformats.org/officeDocument/2006/customXml" ds:itemID="{1960DF31-949B-492E-83A6-C896865A7982}">
+  <ds:schemaRefs>
+    <ds:schemaRef ds:uri="http://schemas.microsoft.com/sharepoint/v3/contenttype/forms"/>
+  </ds:schemaRefs>
+</ds:datastoreItem>
+</file>
+
+<file path=customXml/itemProps3.xml><?xml version="1.0" encoding="utf-8"?>
+<ds:datastoreItem xmlns:ds="http://schemas.openxmlformats.org/officeDocument/2006/customXml" ds:itemID="{D31B9865-90DD-446F-B0D4-4F7283595776}">
+  <ds:schemaRefs>
+    <ds:schemaRef ds:uri="http://schemas.microsoft.com/office/2006/metadata/properties"/>
+    <ds:schemaRef ds:uri="http://schemas.microsoft.com/office/infopath/2007/PartnerControls"/>
+  </ds:schemaRefs>
+</ds:datastoreItem>
 </file>